--- a/matlab_coding_standardisation.pptx
+++ b/matlab_coding_standardisation.pptx
@@ -3,35 +3,35 @@
 <p:presentation xmlns:a="http://schemas.openxmlformats.org/drawingml/2006/main" xmlns:r="http://schemas.openxmlformats.org/officeDocument/2006/relationships" xmlns:p="http://schemas.openxmlformats.org/presentationml/2006/main" showSpecialPlsOnTitleSld="0">
   <p:sldMasterIdLst>
     <p:sldMasterId id="2147483648" r:id="rId1"/>
-    <p:sldMasterId id="2147483651" r:id="rId3"/>
-    <p:sldMasterId id="2147483653" r:id="rId4"/>
+    <p:sldMasterId id="2147483651" r:id="rId2"/>
+    <p:sldMasterId id="2147483653" r:id="rId3"/>
   </p:sldMasterIdLst>
   <p:notesMasterIdLst>
-    <p:notesMasterId r:id="rId9"/>
+    <p:notesMasterId r:id="rId23"/>
   </p:notesMasterIdLst>
   <p:handoutMasterIdLst>
-    <p:handoutMasterId r:id="rId25"/>
+    <p:handoutMasterId r:id="rId24"/>
   </p:handoutMasterIdLst>
   <p:sldIdLst>
-    <p:sldId id="350" r:id="rId5"/>
-    <p:sldId id="351" r:id="rId6"/>
-    <p:sldId id="415" r:id="rId7"/>
-    <p:sldId id="334" r:id="rId8"/>
-    <p:sldId id="431" r:id="rId10"/>
-    <p:sldId id="417" r:id="rId11"/>
-    <p:sldId id="418" r:id="rId12"/>
-    <p:sldId id="420" r:id="rId13"/>
-    <p:sldId id="421" r:id="rId14"/>
-    <p:sldId id="422" r:id="rId15"/>
-    <p:sldId id="423" r:id="rId16"/>
-    <p:sldId id="424" r:id="rId17"/>
-    <p:sldId id="426" r:id="rId18"/>
-    <p:sldId id="425" r:id="rId19"/>
-    <p:sldId id="427" r:id="rId20"/>
-    <p:sldId id="428" r:id="rId21"/>
-    <p:sldId id="429" r:id="rId22"/>
-    <p:sldId id="430" r:id="rId23"/>
-    <p:sldId id="330" r:id="rId24"/>
+    <p:sldId id="350" r:id="rId4"/>
+    <p:sldId id="351" r:id="rId5"/>
+    <p:sldId id="415" r:id="rId6"/>
+    <p:sldId id="334" r:id="rId7"/>
+    <p:sldId id="431" r:id="rId8"/>
+    <p:sldId id="417" r:id="rId9"/>
+    <p:sldId id="418" r:id="rId10"/>
+    <p:sldId id="420" r:id="rId11"/>
+    <p:sldId id="421" r:id="rId12"/>
+    <p:sldId id="422" r:id="rId13"/>
+    <p:sldId id="423" r:id="rId14"/>
+    <p:sldId id="424" r:id="rId15"/>
+    <p:sldId id="426" r:id="rId16"/>
+    <p:sldId id="425" r:id="rId17"/>
+    <p:sldId id="427" r:id="rId18"/>
+    <p:sldId id="428" r:id="rId19"/>
+    <p:sldId id="429" r:id="rId20"/>
+    <p:sldId id="430" r:id="rId21"/>
+    <p:sldId id="330" r:id="rId22"/>
   </p:sldIdLst>
   <p:sldSz cx="12192000" cy="6858000"/>
   <p:notesSz cx="6858000" cy="9144000"/>
@@ -215,6 +215,7 @@
           <a:p>
             <a:fld id="{0F9B84EA-7D68-4D60-9CB1-D50884785D1C}" type="datetimeFigureOut">
               <a:rPr lang="zh-CN" altLang="en-US" smtClean="0"/>
+              <a:t>2019/7/1</a:t>
             </a:fld>
             <a:endParaRPr lang="zh-CN" altLang="en-US"/>
           </a:p>
@@ -280,12 +281,18 @@
           <a:p>
             <a:fld id="{8D4E0FC9-F1F8-4FAE-9988-3BA365CFD46F}" type="slidenum">
               <a:rPr lang="zh-CN" altLang="en-US" smtClean="0"/>
+              <a:t>‹Nr.›</a:t>
             </a:fld>
             <a:endParaRPr lang="zh-CN" altLang="en-US"/>
           </a:p>
         </p:txBody>
       </p:sp>
     </p:spTree>
+    <p:extLst>
+      <p:ext uri="{BB962C8B-B14F-4D97-AF65-F5344CB8AC3E}">
+        <p14:creationId xmlns:p14="http://schemas.microsoft.com/office/powerpoint/2010/main" val="1202038007"/>
+      </p:ext>
+    </p:extLst>
   </p:cSld>
   <p:clrMap bg1="lt1" tx1="dk1" bg2="lt2" tx2="dk2" accent1="accent1" accent2="accent2" accent3="accent3" accent4="accent4" accent5="accent5" accent6="accent6" hlink="hlink" folHlink="folHlink"/>
 </p:handoutMaster>
@@ -377,6 +384,7 @@
           <a:p>
             <a:fld id="{AD4A3340-C542-46E3-BB6B-1E3F28D53E89}" type="datetimeFigureOut">
               <a:rPr lang="zh-CN" altLang="en-US" smtClean="0"/>
+              <a:t>2019/7/1</a:t>
             </a:fld>
             <a:endParaRPr lang="zh-CN" altLang="en-US"/>
           </a:p>
@@ -443,7 +451,6 @@
               <a:rPr lang="zh-CN" altLang="en-US"/>
               <a:t>编辑母版文本样式</a:t>
             </a:r>
-            <a:endParaRPr lang="zh-CN" altLang="en-US"/>
           </a:p>
           <a:p>
             <a:pPr lvl="1"/>
@@ -451,7 +458,6 @@
               <a:rPr lang="zh-CN" altLang="en-US"/>
               <a:t>第二级</a:t>
             </a:r>
-            <a:endParaRPr lang="zh-CN" altLang="en-US"/>
           </a:p>
           <a:p>
             <a:pPr lvl="2"/>
@@ -459,7 +465,6 @@
               <a:rPr lang="zh-CN" altLang="en-US"/>
               <a:t>第三级</a:t>
             </a:r>
-            <a:endParaRPr lang="zh-CN" altLang="en-US"/>
           </a:p>
           <a:p>
             <a:pPr lvl="3"/>
@@ -467,7 +472,6 @@
               <a:rPr lang="zh-CN" altLang="en-US"/>
               <a:t>第四级</a:t>
             </a:r>
-            <a:endParaRPr lang="zh-CN" altLang="en-US"/>
           </a:p>
           <a:p>
             <a:pPr lvl="4"/>
@@ -475,7 +479,6 @@
               <a:rPr lang="zh-CN" altLang="en-US"/>
               <a:t>第五级</a:t>
             </a:r>
-            <a:endParaRPr lang="zh-CN" altLang="en-US"/>
           </a:p>
         </p:txBody>
       </p:sp>
@@ -543,12 +546,18 @@
           <a:p>
             <a:fld id="{93EAA4AF-B0AE-42C7-9AD8-C74E868F5800}" type="slidenum">
               <a:rPr lang="zh-CN" altLang="en-US" smtClean="0"/>
+              <a:t>‹Nr.›</a:t>
             </a:fld>
             <a:endParaRPr lang="zh-CN" altLang="en-US"/>
           </a:p>
         </p:txBody>
       </p:sp>
     </p:spTree>
+    <p:extLst>
+      <p:ext uri="{BB962C8B-B14F-4D97-AF65-F5344CB8AC3E}">
+        <p14:creationId xmlns:p14="http://schemas.microsoft.com/office/powerpoint/2010/main" val="1263801851"/>
+      </p:ext>
+    </p:extLst>
   </p:cSld>
   <p:clrMap bg1="lt1" tx1="dk1" bg2="lt2" tx2="dk2" accent1="accent1" accent2="accent2" accent3="accent3" accent4="accent4" accent5="accent5" accent6="accent6" hlink="hlink" folHlink="folHlink"/>
   <p:notesStyle>
@@ -740,6 +749,7 @@
                 <a:ea typeface="等线" panose="02010600030101010101" charset="-122"/>
                 <a:cs typeface="+mn-cs"/>
               </a:rPr>
+              <a:t>4</a:t>
             </a:fld>
             <a:endParaRPr kumimoji="0" lang="zh-CN" altLang="en-US" sz="1200" b="0" i="0" u="none" strike="noStrike" kern="1200" cap="none" spc="0" normalizeH="0" baseline="0" noProof="0">
               <a:ln>
@@ -860,6 +870,7 @@
                 <a:ea typeface="等线" panose="02010600030101010101" charset="-122"/>
                 <a:cs typeface="+mn-cs"/>
               </a:rPr>
+              <a:t>17</a:t>
             </a:fld>
             <a:endParaRPr kumimoji="0" lang="zh-CN" altLang="en-US" sz="1200" b="0" i="0" u="none" strike="noStrike" kern="1200" cap="none" spc="0" normalizeH="0" baseline="0" noProof="0">
               <a:ln>
@@ -980,6 +991,7 @@
                 <a:ea typeface="等线" panose="02010600030101010101" charset="-122"/>
                 <a:cs typeface="+mn-cs"/>
               </a:rPr>
+              <a:t>18</a:t>
             </a:fld>
             <a:endParaRPr kumimoji="0" lang="zh-CN" altLang="en-US" sz="1200" b="0" i="0" u="none" strike="noStrike" kern="1200" cap="none" spc="0" normalizeH="0" baseline="0" noProof="0">
               <a:ln>
@@ -1100,6 +1112,7 @@
                 <a:ea typeface="+mn-ea"/>
                 <a:cs typeface="+mn-cs"/>
               </a:rPr>
+              <a:t>19</a:t>
             </a:fld>
             <a:endParaRPr kumimoji="0" lang="en-US" sz="1200" b="0" i="0" u="none" strike="noStrike" kern="1200" cap="none" spc="0" normalizeH="0" baseline="0" noProof="0">
               <a:ln>
@@ -1220,6 +1233,7 @@
                 <a:ea typeface="等线" panose="02010600030101010101" charset="-122"/>
                 <a:cs typeface="+mn-cs"/>
               </a:rPr>
+              <a:t>6</a:t>
             </a:fld>
             <a:endParaRPr kumimoji="0" lang="zh-CN" altLang="en-US" sz="1200" b="0" i="0" u="none" strike="noStrike" kern="1200" cap="none" spc="0" normalizeH="0" baseline="0" noProof="0">
               <a:ln>
@@ -1340,6 +1354,7 @@
                 <a:ea typeface="等线" panose="02010600030101010101" charset="-122"/>
                 <a:cs typeface="+mn-cs"/>
               </a:rPr>
+              <a:t>7</a:t>
             </a:fld>
             <a:endParaRPr kumimoji="0" lang="zh-CN" altLang="en-US" sz="1200" b="0" i="0" u="none" strike="noStrike" kern="1200" cap="none" spc="0" normalizeH="0" baseline="0" noProof="0">
               <a:ln>
@@ -1460,6 +1475,7 @@
                 <a:ea typeface="等线" panose="02010600030101010101" charset="-122"/>
                 <a:cs typeface="+mn-cs"/>
               </a:rPr>
+              <a:t>8</a:t>
             </a:fld>
             <a:endParaRPr kumimoji="0" lang="zh-CN" altLang="en-US" sz="1200" b="0" i="0" u="none" strike="noStrike" kern="1200" cap="none" spc="0" normalizeH="0" baseline="0" noProof="0">
               <a:ln>
@@ -1580,6 +1596,7 @@
                 <a:ea typeface="等线" panose="02010600030101010101" charset="-122"/>
                 <a:cs typeface="+mn-cs"/>
               </a:rPr>
+              <a:t>9</a:t>
             </a:fld>
             <a:endParaRPr kumimoji="0" lang="zh-CN" altLang="en-US" sz="1200" b="0" i="0" u="none" strike="noStrike" kern="1200" cap="none" spc="0" normalizeH="0" baseline="0" noProof="0">
               <a:ln>
@@ -1700,6 +1717,7 @@
                 <a:ea typeface="等线" panose="02010600030101010101" charset="-122"/>
                 <a:cs typeface="+mn-cs"/>
               </a:rPr>
+              <a:t>11</a:t>
             </a:fld>
             <a:endParaRPr kumimoji="0" lang="zh-CN" altLang="en-US" sz="1200" b="0" i="0" u="none" strike="noStrike" kern="1200" cap="none" spc="0" normalizeH="0" baseline="0" noProof="0">
               <a:ln>
@@ -1820,6 +1838,7 @@
                 <a:ea typeface="等线" panose="02010600030101010101" charset="-122"/>
                 <a:cs typeface="+mn-cs"/>
               </a:rPr>
+              <a:t>12</a:t>
             </a:fld>
             <a:endParaRPr kumimoji="0" lang="zh-CN" altLang="en-US" sz="1200" b="0" i="0" u="none" strike="noStrike" kern="1200" cap="none" spc="0" normalizeH="0" baseline="0" noProof="0">
               <a:ln>
@@ -1940,6 +1959,7 @@
                 <a:ea typeface="等线" panose="02010600030101010101" charset="-122"/>
                 <a:cs typeface="+mn-cs"/>
               </a:rPr>
+              <a:t>13</a:t>
             </a:fld>
             <a:endParaRPr kumimoji="0" lang="zh-CN" altLang="en-US" sz="1200" b="0" i="0" u="none" strike="noStrike" kern="1200" cap="none" spc="0" normalizeH="0" baseline="0" noProof="0">
               <a:ln>
@@ -2060,6 +2080,7 @@
                 <a:ea typeface="等线" panose="02010600030101010101" charset="-122"/>
                 <a:cs typeface="+mn-cs"/>
               </a:rPr>
+              <a:t>15</a:t>
             </a:fld>
             <a:endParaRPr kumimoji="0" lang="zh-CN" altLang="en-US" sz="1200" b="0" i="0" u="none" strike="noStrike" kern="1200" cap="none" spc="0" normalizeH="0" baseline="0" noProof="0">
               <a:ln>
@@ -2669,13 +2690,13 @@
   <p:clrMapOvr>
     <a:masterClrMapping/>
   </p:clrMapOvr>
-  <mc:AlternateContent xmlns:mc="http://schemas.openxmlformats.org/markup-compatibility/2006">
-    <mc:Choice xmlns:p14="http://schemas.microsoft.com/office/powerpoint/2010/main" Requires="p14">
+  <mc:AlternateContent xmlns:mc="http://schemas.openxmlformats.org/markup-compatibility/2006" xmlns:p14="http://schemas.microsoft.com/office/powerpoint/2010/main">
+    <mc:Choice Requires="p14">
       <p:transition spd="med" p14:dur="700" advClick="0" advTm="2000">
         <p:fade/>
       </p:transition>
     </mc:Choice>
-    <mc:Fallback>
+    <mc:Fallback xmlns="">
       <p:transition spd="med" advClick="0" advTm="2000">
         <p:fade/>
       </p:transition>
@@ -2739,13 +2760,13 @@
   <p:clrMapOvr>
     <a:masterClrMapping/>
   </p:clrMapOvr>
-  <mc:AlternateContent xmlns:mc="http://schemas.openxmlformats.org/markup-compatibility/2006">
-    <mc:Choice xmlns:p14="http://schemas.microsoft.com/office/powerpoint/2010/main" Requires="p14">
+  <mc:AlternateContent xmlns:mc="http://schemas.openxmlformats.org/markup-compatibility/2006" xmlns:p14="http://schemas.microsoft.com/office/powerpoint/2010/main">
+    <mc:Choice Requires="p14">
       <p:transition spd="med" p14:dur="700" advClick="0" advTm="2000">
         <p:fade/>
       </p:transition>
     </mc:Choice>
-    <mc:Fallback>
+    <mc:Fallback xmlns="">
       <p:transition spd="med" advClick="0" advTm="2000">
         <p:fade/>
       </p:transition>
@@ -3181,13 +3202,13 @@
   <p:clrMapOvr>
     <a:masterClrMapping/>
   </p:clrMapOvr>
-  <mc:AlternateContent xmlns:mc="http://schemas.openxmlformats.org/markup-compatibility/2006">
-    <mc:Choice xmlns:p14="http://schemas.microsoft.com/office/powerpoint/2010/main" Requires="p14">
+  <mc:AlternateContent xmlns:mc="http://schemas.openxmlformats.org/markup-compatibility/2006" xmlns:p14="http://schemas.microsoft.com/office/powerpoint/2010/main">
+    <mc:Choice Requires="p14">
       <p:transition spd="med" p14:dur="700" advClick="0" advTm="2000">
         <p:fade/>
       </p:transition>
     </mc:Choice>
-    <mc:Fallback>
+    <mc:Fallback xmlns="">
       <p:transition spd="med" advClick="0" advTm="2000">
         <p:fade/>
       </p:transition>
@@ -3357,7 +3378,7 @@
 </file>
 
 <file path=ppt/slideLayouts/slideLayout6.xml><?xml version="1.0" encoding="utf-8"?>
-<p:sldLayout xmlns:a="http://schemas.openxmlformats.org/drawingml/2006/main" xmlns:r="http://schemas.openxmlformats.org/officeDocument/2006/relationships" xmlns:p="http://schemas.openxmlformats.org/presentationml/2006/main" preserve="1" showMasterSp="0" userDrawn="1">
+<p:sldLayout xmlns:a="http://schemas.openxmlformats.org/drawingml/2006/main" xmlns:r="http://schemas.openxmlformats.org/officeDocument/2006/relationships" xmlns:p="http://schemas.openxmlformats.org/presentationml/2006/main" showMasterSp="0" preserve="1" userDrawn="1">
   <p:cSld name="自定义版式">
     <p:spTree>
       <p:nvGrpSpPr>
@@ -4344,7 +4365,7 @@
           <p:nvPr userDrawn="1"/>
         </p:nvPicPr>
         <p:blipFill>
-          <a:blip r:embed="rId15" cstate="print">
+          <a:blip r:embed="rId16" cstate="print">
             <a:extLst>
               <a:ext uri="{28A0092B-C50C-407E-A947-70E740481C1C}">
                 <a14:useLocalDpi xmlns:a14="http://schemas.microsoft.com/office/drawing/2010/main" val="0"/>
@@ -4374,7 +4395,7 @@
           <p:nvPr userDrawn="1"/>
         </p:nvPicPr>
         <p:blipFill>
-          <a:blip r:embed="rId15" cstate="print">
+          <a:blip r:embed="rId16" cstate="print">
             <a:extLst>
               <a:ext uri="{28A0092B-C50C-407E-A947-70E740481C1C}">
                 <a14:useLocalDpi xmlns:a14="http://schemas.microsoft.com/office/drawing/2010/main" val="0"/>
@@ -4751,12 +4772,6 @@
               </a:rPr>
               <a:t>Tips, guides, resources for imporving code quality </a:t>
             </a:r>
-            <a:endParaRPr lang="de-DE" sz="1400" dirty="0">
-              <a:latin typeface="Calibri" panose="020F0502020204030204" pitchFamily="34" charset="0"/>
-              <a:ea typeface="Calibri" panose="020F0502020204030204" pitchFamily="34" charset="0"/>
-              <a:cs typeface="Calibri" panose="020F0502020204030204" pitchFamily="34" charset="0"/>
-              <a:sym typeface="Arial" panose="020B0604020202020204" pitchFamily="34" charset="0"/>
-            </a:endParaRPr>
           </a:p>
           <a:p>
             <a:pPr algn="ctr"/>
@@ -4769,12 +4784,6 @@
               </a:rPr>
               <a:t>and life quality</a:t>
             </a:r>
-            <a:endParaRPr lang="de-DE" sz="1400" dirty="0">
-              <a:latin typeface="Calibri" panose="020F0502020204030204" pitchFamily="34" charset="0"/>
-              <a:ea typeface="Calibri" panose="020F0502020204030204" pitchFamily="34" charset="0"/>
-              <a:cs typeface="Calibri" panose="020F0502020204030204" pitchFamily="34" charset="0"/>
-              <a:sym typeface="Arial" panose="020B0604020202020204" pitchFamily="34" charset="0"/>
-            </a:endParaRPr>
           </a:p>
         </p:txBody>
       </p:sp>
@@ -4811,13 +4820,6 @@
               </a:rPr>
               <a:t>Coding Standardisation Tutorial</a:t>
             </a:r>
-            <a:endParaRPr lang="de-DE" altLang="zh-CN" sz="4000" b="1" spc="300" dirty="0">
-              <a:solidFill>
-                <a:schemeClr val="tx2"/>
-              </a:solidFill>
-              <a:ea typeface="Calibri" panose="020F0502020204030204" pitchFamily="34" charset="0"/>
-              <a:cs typeface="Calibri" panose="020F0502020204030204" pitchFamily="34" charset="0"/>
-            </a:endParaRPr>
           </a:p>
         </p:txBody>
       </p:sp>
@@ -4908,13 +4910,6 @@
               </a:rPr>
               <a:t>Mark Sen Dong </a:t>
             </a:r>
-            <a:endParaRPr lang="de-DE" altLang="zh-CN" sz="1400" dirty="0">
-              <a:solidFill>
-                <a:schemeClr val="tx2"/>
-              </a:solidFill>
-              <a:ea typeface="Calibri" panose="020F0502020204030204" pitchFamily="34" charset="0"/>
-              <a:cs typeface="Calibri" panose="020F0502020204030204" pitchFamily="34" charset="0"/>
-            </a:endParaRPr>
           </a:p>
           <a:p>
             <a:pPr algn="ctr"/>
@@ -4928,13 +4923,6 @@
               </a:rPr>
               <a:t>1 Jul 2019</a:t>
             </a:r>
-            <a:endParaRPr lang="de-DE" altLang="zh-CN" sz="1400" dirty="0">
-              <a:solidFill>
-                <a:schemeClr val="tx2"/>
-              </a:solidFill>
-              <a:ea typeface="Calibri" panose="020F0502020204030204" pitchFamily="34" charset="0"/>
-              <a:cs typeface="Calibri" panose="020F0502020204030204" pitchFamily="34" charset="0"/>
-            </a:endParaRPr>
           </a:p>
         </p:txBody>
       </p:sp>
@@ -4958,6 +4946,7 @@
           <a:bodyPr wrap="none" rtlCol="0">
             <a:spAutoFit/>
           </a:bodyPr>
+          <a:lstStyle/>
           <a:p>
             <a:pPr algn="ctr"/>
             <a:r>
@@ -4970,13 +4959,6 @@
               </a:rPr>
               <a:t>MATLAB</a:t>
             </a:r>
-            <a:endParaRPr lang="de-DE" altLang="zh-CN" sz="8000" b="1" dirty="0">
-              <a:solidFill>
-                <a:schemeClr val="accent1"/>
-              </a:solidFill>
-              <a:ea typeface="Calibri" panose="020F0502020204030204" pitchFamily="34" charset="0"/>
-              <a:cs typeface="Calibri" panose="020F0502020204030204" pitchFamily="34" charset="0"/>
-            </a:endParaRPr>
           </a:p>
         </p:txBody>
       </p:sp>
@@ -5068,13 +5050,6 @@
               </a:rPr>
               <a:t>3</a:t>
             </a:r>
-            <a:endParaRPr lang="de-DE" altLang="en-US" sz="4000" b="1" dirty="0">
-              <a:solidFill>
-                <a:schemeClr val="tx2"/>
-              </a:solidFill>
-              <a:ea typeface="Calibri" panose="020F0502020204030204" pitchFamily="34" charset="0"/>
-              <a:cs typeface="Calibri" panose="020F0502020204030204" pitchFamily="34" charset="0"/>
-            </a:endParaRPr>
           </a:p>
         </p:txBody>
       </p:sp>
@@ -5243,21 +5218,6 @@
               </a:rPr>
               <a:t>Initialize loop result variables immediately before the loop</a:t>
             </a:r>
-            <a:endParaRPr kumimoji="0" lang="en-US" sz="1400" b="1" i="0" u="none" strike="noStrike" kern="1200" cap="none" spc="0" normalizeH="0" baseline="0" noProof="0" dirty="0">
-              <a:ln>
-                <a:noFill/>
-              </a:ln>
-              <a:solidFill>
-                <a:srgbClr val="7F7F7F"/>
-              </a:solidFill>
-              <a:effectLst/>
-              <a:uLnTx/>
-              <a:uFillTx/>
-              <a:latin typeface="Calibri" panose="020F0502020204030204" pitchFamily="34" charset="0"/>
-              <a:ea typeface="Calibri" panose="020F0502020204030204" pitchFamily="34" charset="0"/>
-              <a:cs typeface="Calibri" panose="020F0502020204030204" pitchFamily="34" charset="0"/>
-              <a:sym typeface="Calibri" panose="020F0502020204030204" pitchFamily="34" charset="0"/>
-            </a:endParaRPr>
           </a:p>
           <a:p>
             <a:pPr marR="0" lvl="0" indent="0" algn="just" defTabSz="913765" rtl="0" eaLnBrk="1" fontAlgn="auto" latinLnBrk="0" hangingPunct="1">
@@ -5379,21 +5339,6 @@
               </a:rPr>
               <a:t>result = nan(nEntries,1);</a:t>
             </a:r>
-            <a:endParaRPr lang="de-DE" altLang="en-US" sz="1200" i="1" noProof="0" dirty="0">
-              <a:ln>
-                <a:noFill/>
-              </a:ln>
-              <a:solidFill>
-                <a:srgbClr val="7F7F7F"/>
-              </a:solidFill>
-              <a:effectLst/>
-              <a:uLnTx/>
-              <a:uFillTx/>
-              <a:latin typeface="Calibri" panose="020F0502020204030204" pitchFamily="34" charset="0"/>
-              <a:ea typeface="Calibri" panose="020F0502020204030204" pitchFamily="34" charset="0"/>
-              <a:cs typeface="Calibri" panose="020F0502020204030204" pitchFamily="34" charset="0"/>
-              <a:sym typeface="Calibri" panose="020F0502020204030204" pitchFamily="34" charset="0"/>
-            </a:endParaRPr>
           </a:p>
           <a:p>
             <a:pPr marR="0" lvl="1" indent="0" algn="just" defTabSz="913765" rtl="0" eaLnBrk="1" fontAlgn="auto" latinLnBrk="0" hangingPunct="1">
@@ -5429,21 +5374,6 @@
               </a:rPr>
               <a:t>for index = 1:nEntries</a:t>
             </a:r>
-            <a:endParaRPr lang="de-DE" altLang="en-US" sz="1200" i="1" noProof="0" dirty="0">
-              <a:ln>
-                <a:noFill/>
-              </a:ln>
-              <a:solidFill>
-                <a:srgbClr val="7F7F7F"/>
-              </a:solidFill>
-              <a:effectLst/>
-              <a:uLnTx/>
-              <a:uFillTx/>
-              <a:latin typeface="Calibri" panose="020F0502020204030204" pitchFamily="34" charset="0"/>
-              <a:ea typeface="Calibri" panose="020F0502020204030204" pitchFamily="34" charset="0"/>
-              <a:cs typeface="Calibri" panose="020F0502020204030204" pitchFamily="34" charset="0"/>
-              <a:sym typeface="Calibri" panose="020F0502020204030204" pitchFamily="34" charset="0"/>
-            </a:endParaRPr>
           </a:p>
           <a:p>
             <a:pPr marR="0" lvl="1" indent="0" algn="just" defTabSz="913765" rtl="0" eaLnBrk="1" fontAlgn="auto" latinLnBrk="0" hangingPunct="1">
@@ -5479,21 +5409,6 @@
               </a:rPr>
               <a:t>    result(index) = foo(index);</a:t>
             </a:r>
-            <a:endParaRPr lang="de-DE" altLang="en-US" sz="1200" i="1" noProof="0" dirty="0">
-              <a:ln>
-                <a:noFill/>
-              </a:ln>
-              <a:solidFill>
-                <a:srgbClr val="7F7F7F"/>
-              </a:solidFill>
-              <a:effectLst/>
-              <a:uLnTx/>
-              <a:uFillTx/>
-              <a:latin typeface="Calibri" panose="020F0502020204030204" pitchFamily="34" charset="0"/>
-              <a:ea typeface="Calibri" panose="020F0502020204030204" pitchFamily="34" charset="0"/>
-              <a:cs typeface="Calibri" panose="020F0502020204030204" pitchFamily="34" charset="0"/>
-              <a:sym typeface="Calibri" panose="020F0502020204030204" pitchFamily="34" charset="0"/>
-            </a:endParaRPr>
           </a:p>
           <a:p>
             <a:pPr marR="0" lvl="1" indent="0" algn="just" defTabSz="913765" rtl="0" eaLnBrk="1" fontAlgn="auto" latinLnBrk="0" hangingPunct="1">
@@ -5611,21 +5526,6 @@
               </a:rPr>
               <a:t>The end lines in nested loops can have identifying comments</a:t>
             </a:r>
-            <a:endParaRPr kumimoji="0" lang="de-DE" altLang="en-US" sz="1400" b="1" i="0" u="none" strike="noStrike" kern="1200" cap="none" spc="0" normalizeH="0" baseline="0" noProof="0" dirty="0">
-              <a:ln>
-                <a:noFill/>
-              </a:ln>
-              <a:solidFill>
-                <a:srgbClr val="7F7F7F"/>
-              </a:solidFill>
-              <a:effectLst/>
-              <a:uLnTx/>
-              <a:uFillTx/>
-              <a:latin typeface="Calibri" panose="020F0502020204030204" pitchFamily="34" charset="0"/>
-              <a:ea typeface="Calibri" panose="020F0502020204030204" pitchFamily="34" charset="0"/>
-              <a:cs typeface="Calibri" panose="020F0502020204030204" pitchFamily="34" charset="0"/>
-              <a:sym typeface="Calibri" panose="020F0502020204030204" pitchFamily="34" charset="0"/>
-            </a:endParaRPr>
           </a:p>
           <a:p>
             <a:pPr marR="0" lvl="0" indent="0" algn="just" defTabSz="913765" rtl="0" eaLnBrk="1" fontAlgn="auto" latinLnBrk="0" hangingPunct="1">
@@ -6563,6 +6463,7 @@
         </p:spPr>
         <p:txBody>
           <a:bodyPr wrap="none" anchor="ctr"/>
+          <a:lstStyle/>
           <a:p>
             <a:endParaRPr lang="en-US">
               <a:ea typeface="Calibri" panose="020F0502020204030204" pitchFamily="34" charset="0"/>
@@ -6950,6 +6851,7 @@
         </p:spPr>
         <p:txBody>
           <a:bodyPr wrap="none" anchor="ctr"/>
+          <a:lstStyle/>
           <a:p>
             <a:endParaRPr lang="en-US">
               <a:ea typeface="Calibri" panose="020F0502020204030204" pitchFamily="34" charset="0"/>
@@ -7253,6 +7155,7 @@
         </p:spPr>
         <p:txBody>
           <a:bodyPr wrap="none" anchor="ctr"/>
+          <a:lstStyle/>
           <a:p>
             <a:endParaRPr lang="en-US">
               <a:ea typeface="Calibri" panose="020F0502020204030204" pitchFamily="34" charset="0"/>
@@ -7640,6 +7543,7 @@
         </p:spPr>
         <p:txBody>
           <a:bodyPr wrap="none" anchor="ctr"/>
+          <a:lstStyle/>
           <a:p>
             <a:endParaRPr lang="en-US">
               <a:ea typeface="Calibri" panose="020F0502020204030204" pitchFamily="34" charset="0"/>
@@ -7768,21 +7672,6 @@
               </a:rPr>
               <a:t> Introduce temporary logical variables instead</a:t>
             </a:r>
-            <a:endParaRPr kumimoji="0" lang="en-US" sz="1400" b="1" i="0" u="none" strike="noStrike" kern="1200" cap="none" spc="0" normalizeH="0" baseline="0" noProof="0" dirty="0">
-              <a:ln>
-                <a:noFill/>
-              </a:ln>
-              <a:solidFill>
-                <a:srgbClr val="7F7F7F"/>
-              </a:solidFill>
-              <a:effectLst/>
-              <a:uLnTx/>
-              <a:uFillTx/>
-              <a:latin typeface="Calibri" panose="020F0502020204030204" pitchFamily="34" charset="0"/>
-              <a:ea typeface="Calibri" panose="020F0502020204030204" pitchFamily="34" charset="0"/>
-              <a:cs typeface="Calibri" panose="020F0502020204030204" pitchFamily="34" charset="0"/>
-              <a:sym typeface="Calibri" panose="020F0502020204030204" pitchFamily="34" charset="0"/>
-            </a:endParaRPr>
           </a:p>
           <a:p>
             <a:pPr marR="0" lvl="1" indent="0" algn="just" defTabSz="913765" rtl="0" eaLnBrk="1" fontAlgn="auto" latinLnBrk="0" hangingPunct="1">
@@ -7818,21 +7707,6 @@
               </a:rPr>
               <a:t>if (value&gt;=lowerLimit) &amp; (value&lt;=upperLimit) &amp; ~ismember(value,… valueArray):</a:t>
             </a:r>
-            <a:endParaRPr kumimoji="0" sz="1200" i="1" u="none" strike="noStrike" kern="1200" cap="none" spc="0" normalizeH="0" baseline="0" noProof="0" dirty="0">
-              <a:ln>
-                <a:noFill/>
-              </a:ln>
-              <a:solidFill>
-                <a:srgbClr val="7F7F7F"/>
-              </a:solidFill>
-              <a:effectLst/>
-              <a:uLnTx/>
-              <a:uFillTx/>
-              <a:latin typeface="Calibri" panose="020F0502020204030204" pitchFamily="34" charset="0"/>
-              <a:ea typeface="Calibri" panose="020F0502020204030204" pitchFamily="34" charset="0"/>
-              <a:cs typeface="Calibri" panose="020F0502020204030204" pitchFamily="34" charset="0"/>
-              <a:sym typeface="Calibri" panose="020F0502020204030204" pitchFamily="34" charset="0"/>
-            </a:endParaRPr>
           </a:p>
           <a:p>
             <a:pPr marR="0" lvl="1" indent="0" algn="just" defTabSz="913765" rtl="0" eaLnBrk="1" fontAlgn="auto" latinLnBrk="0" hangingPunct="1">
@@ -7868,21 +7742,6 @@
               </a:rPr>
               <a:t>    end</a:t>
             </a:r>
-            <a:endParaRPr kumimoji="0" sz="1200" i="1" u="none" strike="noStrike" kern="1200" cap="none" spc="0" normalizeH="0" baseline="0" noProof="0" dirty="0">
-              <a:ln>
-                <a:noFill/>
-              </a:ln>
-              <a:solidFill>
-                <a:srgbClr val="7F7F7F"/>
-              </a:solidFill>
-              <a:effectLst/>
-              <a:uLnTx/>
-              <a:uFillTx/>
-              <a:latin typeface="Calibri" panose="020F0502020204030204" pitchFamily="34" charset="0"/>
-              <a:ea typeface="Calibri" panose="020F0502020204030204" pitchFamily="34" charset="0"/>
-              <a:cs typeface="Calibri" panose="020F0502020204030204" pitchFamily="34" charset="0"/>
-              <a:sym typeface="Calibri" panose="020F0502020204030204" pitchFamily="34" charset="0"/>
-            </a:endParaRPr>
           </a:p>
           <a:p>
             <a:pPr marR="0" lvl="0" indent="0" algn="just" defTabSz="913765" rtl="0" eaLnBrk="1" fontAlgn="auto" latinLnBrk="0" hangingPunct="1">
@@ -7968,21 +7827,6 @@
               </a:rPr>
               <a:t>isValid = (value &gt;= lowerLimit) &amp;(value &lt;= upperLimit);</a:t>
             </a:r>
-            <a:endParaRPr kumimoji="0" sz="1200" i="1" u="none" strike="noStrike" kern="1200" cap="none" spc="0" normalizeH="0" baseline="0" noProof="0" dirty="0">
-              <a:ln>
-                <a:noFill/>
-              </a:ln>
-              <a:solidFill>
-                <a:srgbClr val="7F7F7F"/>
-              </a:solidFill>
-              <a:effectLst/>
-              <a:uLnTx/>
-              <a:uFillTx/>
-              <a:latin typeface="Calibri" panose="020F0502020204030204" pitchFamily="34" charset="0"/>
-              <a:ea typeface="Calibri" panose="020F0502020204030204" pitchFamily="34" charset="0"/>
-              <a:cs typeface="Calibri" panose="020F0502020204030204" pitchFamily="34" charset="0"/>
-              <a:sym typeface="Calibri" panose="020F0502020204030204" pitchFamily="34" charset="0"/>
-            </a:endParaRPr>
           </a:p>
           <a:p>
             <a:pPr marR="0" lvl="1" indent="0" algn="just" defTabSz="913765" rtl="0" eaLnBrk="1" fontAlgn="auto" latinLnBrk="0" hangingPunct="1">
@@ -8018,21 +7862,6 @@
               </a:rPr>
               <a:t>isNew = ~ismember(value, valueArray);</a:t>
             </a:r>
-            <a:endParaRPr kumimoji="0" sz="1200" i="1" u="none" strike="noStrike" kern="1200" cap="none" spc="0" normalizeH="0" baseline="0" noProof="0" dirty="0">
-              <a:ln>
-                <a:noFill/>
-              </a:ln>
-              <a:solidFill>
-                <a:srgbClr val="7F7F7F"/>
-              </a:solidFill>
-              <a:effectLst/>
-              <a:uLnTx/>
-              <a:uFillTx/>
-              <a:latin typeface="Calibri" panose="020F0502020204030204" pitchFamily="34" charset="0"/>
-              <a:ea typeface="Calibri" panose="020F0502020204030204" pitchFamily="34" charset="0"/>
-              <a:cs typeface="Calibri" panose="020F0502020204030204" pitchFamily="34" charset="0"/>
-              <a:sym typeface="Calibri" panose="020F0502020204030204" pitchFamily="34" charset="0"/>
-            </a:endParaRPr>
           </a:p>
           <a:p>
             <a:pPr marR="0" lvl="1" indent="0" algn="just" defTabSz="913765" rtl="0" eaLnBrk="1" fontAlgn="auto" latinLnBrk="0" hangingPunct="1">
@@ -8068,21 +7897,6 @@
               </a:rPr>
               <a:t>if (isValid &amp; isNew):</a:t>
             </a:r>
-            <a:endParaRPr kumimoji="0" sz="1200" i="1" u="none" strike="noStrike" kern="1200" cap="none" spc="0" normalizeH="0" baseline="0" noProof="0" dirty="0">
-              <a:ln>
-                <a:noFill/>
-              </a:ln>
-              <a:solidFill>
-                <a:srgbClr val="7F7F7F"/>
-              </a:solidFill>
-              <a:effectLst/>
-              <a:uLnTx/>
-              <a:uFillTx/>
-              <a:latin typeface="Calibri" panose="020F0502020204030204" pitchFamily="34" charset="0"/>
-              <a:ea typeface="Calibri" panose="020F0502020204030204" pitchFamily="34" charset="0"/>
-              <a:cs typeface="Calibri" panose="020F0502020204030204" pitchFamily="34" charset="0"/>
-              <a:sym typeface="Calibri" panose="020F0502020204030204" pitchFamily="34" charset="0"/>
-            </a:endParaRPr>
           </a:p>
           <a:p>
             <a:pPr marR="0" lvl="1" indent="0" algn="just" defTabSz="913765" rtl="0" eaLnBrk="1" fontAlgn="auto" latinLnBrk="0" hangingPunct="1">
@@ -8118,21 +7932,6 @@
               </a:rPr>
               <a:t>    end</a:t>
             </a:r>
-            <a:endParaRPr kumimoji="0" sz="1200" i="1" u="none" strike="noStrike" kern="1200" cap="none" spc="0" normalizeH="0" baseline="0" noProof="0" dirty="0">
-              <a:ln>
-                <a:noFill/>
-              </a:ln>
-              <a:solidFill>
-                <a:srgbClr val="7F7F7F"/>
-              </a:solidFill>
-              <a:effectLst/>
-              <a:uLnTx/>
-              <a:uFillTx/>
-              <a:latin typeface="Calibri" panose="020F0502020204030204" pitchFamily="34" charset="0"/>
-              <a:ea typeface="Calibri" panose="020F0502020204030204" pitchFamily="34" charset="0"/>
-              <a:cs typeface="Calibri" panose="020F0502020204030204" pitchFamily="34" charset="0"/>
-              <a:sym typeface="Calibri" panose="020F0502020204030204" pitchFamily="34" charset="0"/>
-            </a:endParaRPr>
           </a:p>
           <a:p>
             <a:pPr marR="0" lvl="0" indent="0" algn="just" defTabSz="913765" rtl="0" eaLnBrk="1" fontAlgn="auto" latinLnBrk="0" hangingPunct="1">
@@ -8200,21 +7999,6 @@
               </a:rPr>
               <a:t>Put the usual case in the if-part and the unusual in the else-part of an if else statement</a:t>
             </a:r>
-            <a:endParaRPr kumimoji="0" lang="de-DE" altLang="en-US" sz="1400" b="1" i="0" u="none" strike="noStrike" kern="1200" cap="none" spc="0" normalizeH="0" baseline="0" noProof="0" dirty="0">
-              <a:ln>
-                <a:noFill/>
-              </a:ln>
-              <a:solidFill>
-                <a:srgbClr val="7F7F7F"/>
-              </a:solidFill>
-              <a:effectLst/>
-              <a:uLnTx/>
-              <a:uFillTx/>
-              <a:latin typeface="Calibri" panose="020F0502020204030204" pitchFamily="34" charset="0"/>
-              <a:ea typeface="Calibri" panose="020F0502020204030204" pitchFamily="34" charset="0"/>
-              <a:cs typeface="Calibri" panose="020F0502020204030204" pitchFamily="34" charset="0"/>
-              <a:sym typeface="Calibri" panose="020F0502020204030204" pitchFamily="34" charset="0"/>
-            </a:endParaRPr>
           </a:p>
           <a:p>
             <a:pPr marR="0" lvl="0" indent="0" algn="just" defTabSz="913765" rtl="0" eaLnBrk="1" fontAlgn="auto" latinLnBrk="0" hangingPunct="1">
@@ -8300,21 +8084,6 @@
               </a:rPr>
               <a:t>fid = fopen(fileName);</a:t>
             </a:r>
-            <a:endParaRPr lang="de-DE" altLang="en-US" sz="1200" i="1" noProof="0" dirty="0">
-              <a:ln>
-                <a:noFill/>
-              </a:ln>
-              <a:solidFill>
-                <a:srgbClr val="7F7F7F"/>
-              </a:solidFill>
-              <a:effectLst/>
-              <a:uLnTx/>
-              <a:uFillTx/>
-              <a:latin typeface="Calibri" panose="020F0502020204030204" pitchFamily="34" charset="0"/>
-              <a:ea typeface="Calibri" panose="020F0502020204030204" pitchFamily="34" charset="0"/>
-              <a:cs typeface="Calibri" panose="020F0502020204030204" pitchFamily="34" charset="0"/>
-              <a:sym typeface="Calibri" panose="020F0502020204030204" pitchFamily="34" charset="0"/>
-            </a:endParaRPr>
           </a:p>
           <a:p>
             <a:pPr marR="0" lvl="1" indent="0" algn="just" defTabSz="913765" rtl="0" eaLnBrk="1" fontAlgn="auto" latinLnBrk="0" hangingPunct="1">
@@ -8350,21 +8119,6 @@
               </a:rPr>
               <a:t>if (fid~=-1)</a:t>
             </a:r>
-            <a:endParaRPr lang="de-DE" altLang="en-US" sz="1200" i="1" noProof="0" dirty="0">
-              <a:ln>
-                <a:noFill/>
-              </a:ln>
-              <a:solidFill>
-                <a:srgbClr val="7F7F7F"/>
-              </a:solidFill>
-              <a:effectLst/>
-              <a:uLnTx/>
-              <a:uFillTx/>
-              <a:latin typeface="Calibri" panose="020F0502020204030204" pitchFamily="34" charset="0"/>
-              <a:ea typeface="Calibri" panose="020F0502020204030204" pitchFamily="34" charset="0"/>
-              <a:cs typeface="Calibri" panose="020F0502020204030204" pitchFamily="34" charset="0"/>
-              <a:sym typeface="Calibri" panose="020F0502020204030204" pitchFamily="34" charset="0"/>
-            </a:endParaRPr>
           </a:p>
           <a:p>
             <a:pPr marR="0" lvl="1" indent="0" algn="just" defTabSz="913765" rtl="0" eaLnBrk="1" fontAlgn="auto" latinLnBrk="0" hangingPunct="1">
@@ -8400,21 +8154,6 @@
               </a:rPr>
               <a:t>:</a:t>
             </a:r>
-            <a:endParaRPr lang="de-DE" altLang="en-US" sz="1200" i="1" noProof="0" dirty="0">
-              <a:ln>
-                <a:noFill/>
-              </a:ln>
-              <a:solidFill>
-                <a:srgbClr val="7F7F7F"/>
-              </a:solidFill>
-              <a:effectLst/>
-              <a:uLnTx/>
-              <a:uFillTx/>
-              <a:latin typeface="Calibri" panose="020F0502020204030204" pitchFamily="34" charset="0"/>
-              <a:ea typeface="Calibri" panose="020F0502020204030204" pitchFamily="34" charset="0"/>
-              <a:cs typeface="Calibri" panose="020F0502020204030204" pitchFamily="34" charset="0"/>
-              <a:sym typeface="Calibri" panose="020F0502020204030204" pitchFamily="34" charset="0"/>
-            </a:endParaRPr>
           </a:p>
           <a:p>
             <a:pPr marR="0" lvl="1" indent="0" algn="just" defTabSz="913765" rtl="0" eaLnBrk="1" fontAlgn="auto" latinLnBrk="0" hangingPunct="1">
@@ -8450,21 +8189,6 @@
               </a:rPr>
               <a:t>else</a:t>
             </a:r>
-            <a:endParaRPr lang="de-DE" altLang="en-US" sz="1200" i="1" noProof="0" dirty="0">
-              <a:ln>
-                <a:noFill/>
-              </a:ln>
-              <a:solidFill>
-                <a:srgbClr val="7F7F7F"/>
-              </a:solidFill>
-              <a:effectLst/>
-              <a:uLnTx/>
-              <a:uFillTx/>
-              <a:latin typeface="Calibri" panose="020F0502020204030204" pitchFamily="34" charset="0"/>
-              <a:ea typeface="Calibri" panose="020F0502020204030204" pitchFamily="34" charset="0"/>
-              <a:cs typeface="Calibri" panose="020F0502020204030204" pitchFamily="34" charset="0"/>
-              <a:sym typeface="Calibri" panose="020F0502020204030204" pitchFamily="34" charset="0"/>
-            </a:endParaRPr>
           </a:p>
           <a:p>
             <a:pPr marR="0" lvl="1" indent="0" algn="just" defTabSz="913765" rtl="0" eaLnBrk="1" fontAlgn="auto" latinLnBrk="0" hangingPunct="1">
@@ -8500,21 +8224,6 @@
               </a:rPr>
               <a:t>:</a:t>
             </a:r>
-            <a:endParaRPr lang="de-DE" altLang="en-US" sz="1200" i="1" noProof="0" dirty="0">
-              <a:ln>
-                <a:noFill/>
-              </a:ln>
-              <a:solidFill>
-                <a:srgbClr val="7F7F7F"/>
-              </a:solidFill>
-              <a:effectLst/>
-              <a:uLnTx/>
-              <a:uFillTx/>
-              <a:latin typeface="Calibri" panose="020F0502020204030204" pitchFamily="34" charset="0"/>
-              <a:ea typeface="Calibri" panose="020F0502020204030204" pitchFamily="34" charset="0"/>
-              <a:cs typeface="Calibri" panose="020F0502020204030204" pitchFamily="34" charset="0"/>
-              <a:sym typeface="Calibri" panose="020F0502020204030204" pitchFamily="34" charset="0"/>
-            </a:endParaRPr>
           </a:p>
           <a:p>
             <a:pPr marR="0" lvl="1" indent="0" algn="just" defTabSz="913765" rtl="0" eaLnBrk="1" fontAlgn="auto" latinLnBrk="0" hangingPunct="1">
@@ -8550,21 +8259,6 @@
               </a:rPr>
               <a:t>end</a:t>
             </a:r>
-            <a:endParaRPr lang="de-DE" altLang="en-US" sz="1200" i="1" noProof="0" dirty="0">
-              <a:ln>
-                <a:noFill/>
-              </a:ln>
-              <a:solidFill>
-                <a:srgbClr val="7F7F7F"/>
-              </a:solidFill>
-              <a:effectLst/>
-              <a:uLnTx/>
-              <a:uFillTx/>
-              <a:latin typeface="Calibri" panose="020F0502020204030204" pitchFamily="34" charset="0"/>
-              <a:ea typeface="Calibri" panose="020F0502020204030204" pitchFamily="34" charset="0"/>
-              <a:cs typeface="Calibri" panose="020F0502020204030204" pitchFamily="34" charset="0"/>
-              <a:sym typeface="Calibri" panose="020F0502020204030204" pitchFamily="34" charset="0"/>
-            </a:endParaRPr>
           </a:p>
           <a:p>
             <a:pPr marR="0" lvl="1" indent="0" algn="just" defTabSz="913765" rtl="0" eaLnBrk="1" fontAlgn="auto" latinLnBrk="0" hangingPunct="1">
@@ -8632,21 +8326,6 @@
               </a:rPr>
               <a:t>A switch statement should include the otherwise condition</a:t>
             </a:r>
-            <a:endParaRPr lang="de-DE" altLang="en-US" sz="1400" b="1" noProof="0" dirty="0">
-              <a:ln>
-                <a:noFill/>
-              </a:ln>
-              <a:solidFill>
-                <a:srgbClr val="7F7F7F"/>
-              </a:solidFill>
-              <a:effectLst/>
-              <a:uLnTx/>
-              <a:uFillTx/>
-              <a:latin typeface="Calibri" panose="020F0502020204030204" pitchFamily="34" charset="0"/>
-              <a:ea typeface="Calibri" panose="020F0502020204030204" pitchFamily="34" charset="0"/>
-              <a:cs typeface="Calibri" panose="020F0502020204030204" pitchFamily="34" charset="0"/>
-              <a:sym typeface="Calibri" panose="020F0502020204030204" pitchFamily="34" charset="0"/>
-            </a:endParaRPr>
           </a:p>
           <a:p>
             <a:pPr marR="0" lvl="1" indent="0" algn="just" defTabSz="913765" rtl="0" eaLnBrk="1" fontAlgn="auto" latinLnBrk="0" hangingPunct="1">
@@ -8682,21 +8361,6 @@
               </a:rPr>
               <a:t>switch (condition)</a:t>
             </a:r>
-            <a:endParaRPr lang="de-DE" altLang="en-US" sz="1200" i="1" noProof="0" dirty="0">
-              <a:ln>
-                <a:noFill/>
-              </a:ln>
-              <a:solidFill>
-                <a:srgbClr val="7F7F7F"/>
-              </a:solidFill>
-              <a:effectLst/>
-              <a:uLnTx/>
-              <a:uFillTx/>
-              <a:latin typeface="Calibri" panose="020F0502020204030204" pitchFamily="34" charset="0"/>
-              <a:ea typeface="Calibri" panose="020F0502020204030204" pitchFamily="34" charset="0"/>
-              <a:cs typeface="Calibri" panose="020F0502020204030204" pitchFamily="34" charset="0"/>
-              <a:sym typeface="Calibri" panose="020F0502020204030204" pitchFamily="34" charset="0"/>
-            </a:endParaRPr>
           </a:p>
           <a:p>
             <a:pPr marR="0" lvl="1" indent="0" algn="just" defTabSz="913765" rtl="0" eaLnBrk="1" fontAlgn="auto" latinLnBrk="0" hangingPunct="1">
@@ -8732,21 +8396,6 @@
               </a:rPr>
               <a:t>case ABC</a:t>
             </a:r>
-            <a:endParaRPr lang="de-DE" altLang="en-US" sz="1200" i="1" noProof="0" dirty="0">
-              <a:ln>
-                <a:noFill/>
-              </a:ln>
-              <a:solidFill>
-                <a:srgbClr val="7F7F7F"/>
-              </a:solidFill>
-              <a:effectLst/>
-              <a:uLnTx/>
-              <a:uFillTx/>
-              <a:latin typeface="Calibri" panose="020F0502020204030204" pitchFamily="34" charset="0"/>
-              <a:ea typeface="Calibri" panose="020F0502020204030204" pitchFamily="34" charset="0"/>
-              <a:cs typeface="Calibri" panose="020F0502020204030204" pitchFamily="34" charset="0"/>
-              <a:sym typeface="Calibri" panose="020F0502020204030204" pitchFamily="34" charset="0"/>
-            </a:endParaRPr>
           </a:p>
           <a:p>
             <a:pPr marR="0" lvl="1" indent="0" algn="just" defTabSz="913765" rtl="0" eaLnBrk="1" fontAlgn="auto" latinLnBrk="0" hangingPunct="1">
@@ -8782,21 +8431,6 @@
               </a:rPr>
               <a:t>    statements;</a:t>
             </a:r>
-            <a:endParaRPr lang="de-DE" altLang="en-US" sz="1200" i="1" noProof="0" dirty="0">
-              <a:ln>
-                <a:noFill/>
-              </a:ln>
-              <a:solidFill>
-                <a:srgbClr val="7F7F7F"/>
-              </a:solidFill>
-              <a:effectLst/>
-              <a:uLnTx/>
-              <a:uFillTx/>
-              <a:latin typeface="Calibri" panose="020F0502020204030204" pitchFamily="34" charset="0"/>
-              <a:ea typeface="Calibri" panose="020F0502020204030204" pitchFamily="34" charset="0"/>
-              <a:cs typeface="Calibri" panose="020F0502020204030204" pitchFamily="34" charset="0"/>
-              <a:sym typeface="Calibri" panose="020F0502020204030204" pitchFamily="34" charset="0"/>
-            </a:endParaRPr>
           </a:p>
           <a:p>
             <a:pPr marR="0" lvl="1" indent="0" algn="just" defTabSz="913765" rtl="0" eaLnBrk="1" fontAlgn="auto" latinLnBrk="0" hangingPunct="1">
@@ -8832,21 +8466,6 @@
               </a:rPr>
               <a:t>case DEF</a:t>
             </a:r>
-            <a:endParaRPr lang="de-DE" altLang="en-US" sz="1200" i="1" noProof="0" dirty="0">
-              <a:ln>
-                <a:noFill/>
-              </a:ln>
-              <a:solidFill>
-                <a:srgbClr val="7F7F7F"/>
-              </a:solidFill>
-              <a:effectLst/>
-              <a:uLnTx/>
-              <a:uFillTx/>
-              <a:latin typeface="Calibri" panose="020F0502020204030204" pitchFamily="34" charset="0"/>
-              <a:ea typeface="Calibri" panose="020F0502020204030204" pitchFamily="34" charset="0"/>
-              <a:cs typeface="Calibri" panose="020F0502020204030204" pitchFamily="34" charset="0"/>
-              <a:sym typeface="Calibri" panose="020F0502020204030204" pitchFamily="34" charset="0"/>
-            </a:endParaRPr>
           </a:p>
           <a:p>
             <a:pPr marR="0" lvl="1" indent="0" algn="just" defTabSz="913765" rtl="0" eaLnBrk="1" fontAlgn="auto" latinLnBrk="0" hangingPunct="1">
@@ -8882,21 +8501,6 @@
               </a:rPr>
               <a:t>    statements;</a:t>
             </a:r>
-            <a:endParaRPr lang="de-DE" altLang="en-US" sz="1200" i="1" noProof="0" dirty="0">
-              <a:ln>
-                <a:noFill/>
-              </a:ln>
-              <a:solidFill>
-                <a:srgbClr val="7F7F7F"/>
-              </a:solidFill>
-              <a:effectLst/>
-              <a:uLnTx/>
-              <a:uFillTx/>
-              <a:latin typeface="Calibri" panose="020F0502020204030204" pitchFamily="34" charset="0"/>
-              <a:ea typeface="Calibri" panose="020F0502020204030204" pitchFamily="34" charset="0"/>
-              <a:cs typeface="Calibri" panose="020F0502020204030204" pitchFamily="34" charset="0"/>
-              <a:sym typeface="Calibri" panose="020F0502020204030204" pitchFamily="34" charset="0"/>
-            </a:endParaRPr>
           </a:p>
           <a:p>
             <a:pPr marR="0" lvl="1" indent="0" algn="just" defTabSz="913765" rtl="0" eaLnBrk="1" fontAlgn="auto" latinLnBrk="0" hangingPunct="1">
@@ -8932,21 +8536,6 @@
               </a:rPr>
               <a:t>otherwise</a:t>
             </a:r>
-            <a:endParaRPr lang="de-DE" altLang="en-US" sz="1200" i="1" noProof="0" dirty="0">
-              <a:ln>
-                <a:noFill/>
-              </a:ln>
-              <a:solidFill>
-                <a:srgbClr val="7F7F7F"/>
-              </a:solidFill>
-              <a:effectLst/>
-              <a:uLnTx/>
-              <a:uFillTx/>
-              <a:latin typeface="Calibri" panose="020F0502020204030204" pitchFamily="34" charset="0"/>
-              <a:ea typeface="Calibri" panose="020F0502020204030204" pitchFamily="34" charset="0"/>
-              <a:cs typeface="Calibri" panose="020F0502020204030204" pitchFamily="34" charset="0"/>
-              <a:sym typeface="Calibri" panose="020F0502020204030204" pitchFamily="34" charset="0"/>
-            </a:endParaRPr>
           </a:p>
           <a:p>
             <a:pPr marR="0" lvl="1" indent="0" algn="just" defTabSz="913765" rtl="0" eaLnBrk="1" fontAlgn="auto" latinLnBrk="0" hangingPunct="1">
@@ -8982,21 +8571,6 @@
               </a:rPr>
               <a:t>    statements;</a:t>
             </a:r>
-            <a:endParaRPr lang="de-DE" altLang="en-US" sz="1200" i="1" noProof="0" dirty="0">
-              <a:ln>
-                <a:noFill/>
-              </a:ln>
-              <a:solidFill>
-                <a:srgbClr val="7F7F7F"/>
-              </a:solidFill>
-              <a:effectLst/>
-              <a:uLnTx/>
-              <a:uFillTx/>
-              <a:latin typeface="Calibri" panose="020F0502020204030204" pitchFamily="34" charset="0"/>
-              <a:ea typeface="Calibri" panose="020F0502020204030204" pitchFamily="34" charset="0"/>
-              <a:cs typeface="Calibri" panose="020F0502020204030204" pitchFamily="34" charset="0"/>
-              <a:sym typeface="Calibri" panose="020F0502020204030204" pitchFamily="34" charset="0"/>
-            </a:endParaRPr>
           </a:p>
           <a:p>
             <a:pPr marR="0" lvl="1" indent="0" algn="just" defTabSz="913765" rtl="0" eaLnBrk="1" fontAlgn="auto" latinLnBrk="0" hangingPunct="1">
@@ -9240,21 +8814,6 @@
               </a:rPr>
               <a:t>variable</a:t>
             </a:r>
-            <a:endParaRPr lang="de-DE" altLang="en-US" sz="1400" b="1" noProof="0" dirty="0">
-              <a:ln>
-                <a:noFill/>
-              </a:ln>
-              <a:solidFill>
-                <a:srgbClr val="00B050"/>
-              </a:solidFill>
-              <a:effectLst/>
-              <a:uLnTx/>
-              <a:uFillTx/>
-              <a:latin typeface="Calibri" panose="020F0502020204030204" pitchFamily="34" charset="0"/>
-              <a:ea typeface="Calibri" panose="020F0502020204030204" pitchFamily="34" charset="0"/>
-              <a:cs typeface="Calibri" panose="020F0502020204030204" pitchFamily="34" charset="0"/>
-              <a:sym typeface="Calibri" panose="020F0502020204030204" pitchFamily="34" charset="0"/>
-            </a:endParaRPr>
           </a:p>
         </p:txBody>
       </p:sp>
@@ -9656,6 +9215,7 @@
         </p:spPr>
         <p:txBody>
           <a:bodyPr wrap="none" anchor="ctr"/>
+          <a:lstStyle/>
           <a:p>
             <a:endParaRPr lang="en-US">
               <a:ea typeface="Calibri" panose="020F0502020204030204" pitchFamily="34" charset="0"/>
@@ -10043,6 +9603,7 @@
         </p:spPr>
         <p:txBody>
           <a:bodyPr wrap="none" anchor="ctr"/>
+          <a:lstStyle/>
           <a:p>
             <a:endParaRPr lang="en-US">
               <a:ea typeface="Calibri" panose="020F0502020204030204" pitchFamily="34" charset="0"/>
@@ -10346,6 +9907,7 @@
         </p:spPr>
         <p:txBody>
           <a:bodyPr wrap="none" anchor="ctr"/>
+          <a:lstStyle/>
           <a:p>
             <a:endParaRPr lang="en-US">
               <a:ea typeface="Calibri" panose="020F0502020204030204" pitchFamily="34" charset="0"/>
@@ -10649,6 +10211,7 @@
         </p:spPr>
         <p:txBody>
           <a:bodyPr wrap="none" anchor="ctr"/>
+          <a:lstStyle/>
           <a:p>
             <a:endParaRPr lang="en-US">
               <a:ea typeface="Calibri" panose="020F0502020204030204" pitchFamily="34" charset="0"/>
@@ -10841,21 +10404,6 @@
               </a:rPr>
               <a:t>Minimize the use of numbers in expressions, use constants instead</a:t>
             </a:r>
-            <a:endParaRPr kumimoji="0" lang="de-DE" altLang="en-US" sz="1400" b="1" i="0" u="none" strike="noStrike" kern="1200" cap="none" spc="0" normalizeH="0" baseline="0" noProof="0" dirty="0">
-              <a:ln>
-                <a:noFill/>
-              </a:ln>
-              <a:solidFill>
-                <a:srgbClr val="7F7F7F"/>
-              </a:solidFill>
-              <a:effectLst/>
-              <a:uLnTx/>
-              <a:uFillTx/>
-              <a:latin typeface="Calibri" panose="020F0502020204030204" pitchFamily="34" charset="0"/>
-              <a:ea typeface="Calibri" panose="020F0502020204030204" pitchFamily="34" charset="0"/>
-              <a:cs typeface="Calibri" panose="020F0502020204030204" pitchFamily="34" charset="0"/>
-              <a:sym typeface="Calibri" panose="020F0502020204030204" pitchFamily="34" charset="0"/>
-            </a:endParaRPr>
           </a:p>
           <a:p>
             <a:pPr marR="0" lvl="0" indent="0" algn="just" defTabSz="913765" rtl="0" eaLnBrk="1" fontAlgn="auto" latinLnBrk="0" hangingPunct="1">
@@ -10973,21 +10521,6 @@
               </a:rPr>
               <a:t>Use caution with floating point comparisons</a:t>
             </a:r>
-            <a:endParaRPr lang="de-DE" altLang="en-US" sz="1400" b="1" noProof="0" dirty="0">
-              <a:ln>
-                <a:noFill/>
-              </a:ln>
-              <a:solidFill>
-                <a:srgbClr val="7F7F7F"/>
-              </a:solidFill>
-              <a:effectLst/>
-              <a:uLnTx/>
-              <a:uFillTx/>
-              <a:latin typeface="Calibri" panose="020F0502020204030204" pitchFamily="34" charset="0"/>
-              <a:ea typeface="Calibri" panose="020F0502020204030204" pitchFamily="34" charset="0"/>
-              <a:cs typeface="Calibri" panose="020F0502020204030204" pitchFamily="34" charset="0"/>
-              <a:sym typeface="Calibri" panose="020F0502020204030204" pitchFamily="34" charset="0"/>
-            </a:endParaRPr>
           </a:p>
           <a:p>
             <a:pPr marR="0" lvl="0" indent="0" algn="just" defTabSz="913765" rtl="0" eaLnBrk="1" fontAlgn="auto" latinLnBrk="0" hangingPunct="1">
@@ -11023,21 +10556,6 @@
               </a:rPr>
               <a:t>Binary representation of decimal numbers (float) can be inaccurate.</a:t>
             </a:r>
-            <a:endParaRPr lang="de-DE" altLang="en-US" sz="1200" noProof="0" dirty="0">
-              <a:ln>
-                <a:noFill/>
-              </a:ln>
-              <a:solidFill>
-                <a:srgbClr val="7F7F7F"/>
-              </a:solidFill>
-              <a:effectLst/>
-              <a:uLnTx/>
-              <a:uFillTx/>
-              <a:latin typeface="Calibri" panose="020F0502020204030204" pitchFamily="34" charset="0"/>
-              <a:ea typeface="Calibri" panose="020F0502020204030204" pitchFamily="34" charset="0"/>
-              <a:cs typeface="Calibri" panose="020F0502020204030204" pitchFamily="34" charset="0"/>
-              <a:sym typeface="Calibri" panose="020F0502020204030204" pitchFamily="34" charset="0"/>
-            </a:endParaRPr>
           </a:p>
           <a:p>
             <a:pPr marR="0" lvl="0" indent="0" algn="just" defTabSz="913765" rtl="0" eaLnBrk="1" fontAlgn="auto" latinLnBrk="0" hangingPunct="1">
@@ -11073,21 +10591,6 @@
               </a:rPr>
               <a:t>e.g: how to present 0.2 in binary?</a:t>
             </a:r>
-            <a:endParaRPr lang="de-DE" altLang="en-US" sz="1200" noProof="0" dirty="0">
-              <a:ln>
-                <a:noFill/>
-              </a:ln>
-              <a:solidFill>
-                <a:srgbClr val="7F7F7F"/>
-              </a:solidFill>
-              <a:effectLst/>
-              <a:uLnTx/>
-              <a:uFillTx/>
-              <a:latin typeface="Calibri" panose="020F0502020204030204" pitchFamily="34" charset="0"/>
-              <a:ea typeface="Calibri" panose="020F0502020204030204" pitchFamily="34" charset="0"/>
-              <a:cs typeface="Calibri" panose="020F0502020204030204" pitchFamily="34" charset="0"/>
-              <a:sym typeface="Calibri" panose="020F0502020204030204" pitchFamily="34" charset="0"/>
-            </a:endParaRPr>
           </a:p>
           <a:p>
             <a:pPr marR="0" lvl="0" indent="0" algn="just" defTabSz="913765" rtl="0" eaLnBrk="1" fontAlgn="auto" latinLnBrk="0" hangingPunct="1">
@@ -11227,21 +10730,6 @@
               </a:rPr>
               <a:t> too small</a:t>
             </a:r>
-            <a:endParaRPr lang="de-DE" altLang="en-US" sz="1200" noProof="0" dirty="0">
-              <a:ln>
-                <a:noFill/>
-              </a:ln>
-              <a:solidFill>
-                <a:srgbClr val="FF0000"/>
-              </a:solidFill>
-              <a:effectLst/>
-              <a:uLnTx/>
-              <a:uFillTx/>
-              <a:latin typeface="Calibri" panose="020F0502020204030204" pitchFamily="34" charset="0"/>
-              <a:ea typeface="Calibri" panose="020F0502020204030204" pitchFamily="34" charset="0"/>
-              <a:cs typeface="Calibri" panose="020F0502020204030204" pitchFamily="34" charset="0"/>
-              <a:sym typeface="Calibri" panose="020F0502020204030204" pitchFamily="34" charset="0"/>
-            </a:endParaRPr>
           </a:p>
           <a:p>
             <a:pPr marR="0" lvl="0" indent="0" algn="just" defTabSz="913765" rtl="0" eaLnBrk="1" fontAlgn="auto" latinLnBrk="0" hangingPunct="1">
@@ -11295,21 +10783,6 @@
               </a:rPr>
               <a:t>small</a:t>
             </a:r>
-            <a:endParaRPr lang="de-DE" altLang="en-US" sz="1200" noProof="0" dirty="0">
-              <a:ln>
-                <a:noFill/>
-              </a:ln>
-              <a:solidFill>
-                <a:srgbClr val="FF0000"/>
-              </a:solidFill>
-              <a:effectLst/>
-              <a:uLnTx/>
-              <a:uFillTx/>
-              <a:latin typeface="Calibri" panose="020F0502020204030204" pitchFamily="34" charset="0"/>
-              <a:ea typeface="Calibri" panose="020F0502020204030204" pitchFamily="34" charset="0"/>
-              <a:cs typeface="Calibri" panose="020F0502020204030204" pitchFamily="34" charset="0"/>
-              <a:sym typeface="Calibri" panose="020F0502020204030204" pitchFamily="34" charset="0"/>
-            </a:endParaRPr>
           </a:p>
           <a:p>
             <a:pPr marR="0" lvl="0" indent="0" algn="just" defTabSz="913765" rtl="0" eaLnBrk="1" fontAlgn="auto" latinLnBrk="0" hangingPunct="1">
@@ -11363,21 +10836,6 @@
               </a:rPr>
               <a:t>big</a:t>
             </a:r>
-            <a:endParaRPr lang="de-DE" altLang="en-US" sz="1200" noProof="0" dirty="0">
-              <a:ln>
-                <a:noFill/>
-              </a:ln>
-              <a:solidFill>
-                <a:srgbClr val="00B050"/>
-              </a:solidFill>
-              <a:effectLst/>
-              <a:uLnTx/>
-              <a:uFillTx/>
-              <a:latin typeface="Calibri" panose="020F0502020204030204" pitchFamily="34" charset="0"/>
-              <a:ea typeface="Calibri" panose="020F0502020204030204" pitchFamily="34" charset="0"/>
-              <a:cs typeface="Calibri" panose="020F0502020204030204" pitchFamily="34" charset="0"/>
-              <a:sym typeface="Calibri" panose="020F0502020204030204" pitchFamily="34" charset="0"/>
-            </a:endParaRPr>
           </a:p>
           <a:p>
             <a:pPr marR="0" lvl="0" indent="0" algn="just" defTabSz="913765" rtl="0" eaLnBrk="1" fontAlgn="auto" latinLnBrk="0" hangingPunct="1">
@@ -11549,21 +11007,6 @@
               </a:rPr>
               <a:t>0.00110011 = 1/8+1/16+1/128+1/256 = 0.19921875, almost there</a:t>
             </a:r>
-            <a:endParaRPr lang="de-DE" altLang="en-US" sz="1200" noProof="0" dirty="0">
-              <a:ln>
-                <a:noFill/>
-              </a:ln>
-              <a:solidFill>
-                <a:srgbClr val="7F7F7F"/>
-              </a:solidFill>
-              <a:effectLst/>
-              <a:uLnTx/>
-              <a:uFillTx/>
-              <a:latin typeface="Calibri" panose="020F0502020204030204" pitchFamily="34" charset="0"/>
-              <a:ea typeface="Calibri" panose="020F0502020204030204" pitchFamily="34" charset="0"/>
-              <a:cs typeface="Calibri" panose="020F0502020204030204" pitchFamily="34" charset="0"/>
-              <a:sym typeface="Calibri" panose="020F0502020204030204" pitchFamily="34" charset="0"/>
-            </a:endParaRPr>
           </a:p>
           <a:p>
             <a:pPr marR="0" lvl="0" indent="0" algn="just" defTabSz="913765" rtl="0" eaLnBrk="1" fontAlgn="auto" latinLnBrk="0" hangingPunct="1">
@@ -11599,21 +11042,6 @@
               </a:rPr>
               <a:t>:</a:t>
             </a:r>
-            <a:endParaRPr lang="de-DE" altLang="en-US" sz="1200" noProof="0" dirty="0">
-              <a:ln>
-                <a:noFill/>
-              </a:ln>
-              <a:solidFill>
-                <a:srgbClr val="7F7F7F"/>
-              </a:solidFill>
-              <a:effectLst/>
-              <a:uLnTx/>
-              <a:uFillTx/>
-              <a:latin typeface="Calibri" panose="020F0502020204030204" pitchFamily="34" charset="0"/>
-              <a:ea typeface="Calibri" panose="020F0502020204030204" pitchFamily="34" charset="0"/>
-              <a:cs typeface="Calibri" panose="020F0502020204030204" pitchFamily="34" charset="0"/>
-              <a:sym typeface="Calibri" panose="020F0502020204030204" pitchFamily="34" charset="0"/>
-            </a:endParaRPr>
           </a:p>
           <a:p>
             <a:pPr marR="0" lvl="0" indent="0" algn="just" defTabSz="913765" rtl="0" eaLnBrk="1" fontAlgn="auto" latinLnBrk="0" hangingPunct="1">
@@ -11649,21 +11077,6 @@
               </a:rPr>
               <a:t>:</a:t>
             </a:r>
-            <a:endParaRPr lang="de-DE" altLang="en-US" sz="1200" noProof="0" dirty="0">
-              <a:ln>
-                <a:noFill/>
-              </a:ln>
-              <a:solidFill>
-                <a:srgbClr val="7F7F7F"/>
-              </a:solidFill>
-              <a:effectLst/>
-              <a:uLnTx/>
-              <a:uFillTx/>
-              <a:latin typeface="Calibri" panose="020F0502020204030204" pitchFamily="34" charset="0"/>
-              <a:ea typeface="Calibri" panose="020F0502020204030204" pitchFamily="34" charset="0"/>
-              <a:cs typeface="Calibri" panose="020F0502020204030204" pitchFamily="34" charset="0"/>
-              <a:sym typeface="Calibri" panose="020F0502020204030204" pitchFamily="34" charset="0"/>
-            </a:endParaRPr>
           </a:p>
           <a:p>
             <a:pPr marR="0" lvl="0" indent="0" algn="just" defTabSz="913765" rtl="0" eaLnBrk="1" fontAlgn="auto" latinLnBrk="0" hangingPunct="1">
@@ -11699,21 +11112,6 @@
               </a:rPr>
               <a:t>There is no exact binary representation of 0.2, therefore using 0.2 exactly in a conditional statement sometimes can yield unexpected results.</a:t>
             </a:r>
-            <a:endParaRPr lang="de-DE" altLang="en-US" sz="1200" noProof="0" dirty="0">
-              <a:ln>
-                <a:noFill/>
-              </a:ln>
-              <a:solidFill>
-                <a:srgbClr val="7F7F7F"/>
-              </a:solidFill>
-              <a:effectLst/>
-              <a:uLnTx/>
-              <a:uFillTx/>
-              <a:latin typeface="Calibri" panose="020F0502020204030204" pitchFamily="34" charset="0"/>
-              <a:ea typeface="Calibri" panose="020F0502020204030204" pitchFamily="34" charset="0"/>
-              <a:cs typeface="Calibri" panose="020F0502020204030204" pitchFamily="34" charset="0"/>
-              <a:sym typeface="Calibri" panose="020F0502020204030204" pitchFamily="34" charset="0"/>
-            </a:endParaRPr>
           </a:p>
           <a:p>
             <a:pPr marR="0" lvl="0" indent="0" algn="just" defTabSz="913765" rtl="0" eaLnBrk="1" fontAlgn="auto" latinLnBrk="0" hangingPunct="1">
@@ -12299,6 +11697,7 @@
         </p:spPr>
         <p:txBody>
           <a:bodyPr wrap="none" anchor="ctr"/>
+          <a:lstStyle/>
           <a:p>
             <a:endParaRPr lang="en-US">
               <a:ea typeface="Calibri" panose="020F0502020204030204" pitchFamily="34" charset="0"/>
@@ -12602,6 +12001,7 @@
         </p:spPr>
         <p:txBody>
           <a:bodyPr wrap="none" anchor="ctr"/>
+          <a:lstStyle/>
           <a:p>
             <a:endParaRPr lang="en-US">
               <a:ea typeface="Calibri" panose="020F0502020204030204" pitchFamily="34" charset="0"/>
@@ -12989,6 +12389,7 @@
         </p:spPr>
         <p:txBody>
           <a:bodyPr wrap="none" anchor="ctr"/>
+          <a:lstStyle/>
           <a:p>
             <a:endParaRPr lang="en-US">
               <a:ea typeface="Calibri" panose="020F0502020204030204" pitchFamily="34" charset="0"/>
@@ -13086,13 +12487,6 @@
               </a:rPr>
               <a:t>4</a:t>
             </a:r>
-            <a:endParaRPr lang="de-DE" altLang="en-US" sz="4000" b="1" dirty="0">
-              <a:solidFill>
-                <a:schemeClr val="tx2"/>
-              </a:solidFill>
-              <a:ea typeface="Calibri" panose="020F0502020204030204" pitchFamily="34" charset="0"/>
-              <a:cs typeface="Calibri" panose="020F0502020204030204" pitchFamily="34" charset="0"/>
-            </a:endParaRPr>
           </a:p>
         </p:txBody>
       </p:sp>
@@ -13195,21 +12589,6 @@
               </a:rPr>
               <a:t>The best way to write a big program is to assemble it from welldesigned small pieces (usually functions). </a:t>
             </a:r>
-            <a:endParaRPr lang="en-US" sz="1200" spc="150" noProof="0" dirty="0">
-              <a:ln>
-                <a:noFill/>
-              </a:ln>
-              <a:solidFill>
-                <a:srgbClr val="7F7F7F"/>
-              </a:solidFill>
-              <a:effectLst/>
-              <a:uLnTx/>
-              <a:uFillTx/>
-              <a:latin typeface="Calibri" panose="020F0502020204030204" pitchFamily="34" charset="0"/>
-              <a:ea typeface="Calibri" panose="020F0502020204030204" pitchFamily="34" charset="0"/>
-              <a:cs typeface="Calibri" panose="020F0502020204030204" pitchFamily="34" charset="0"/>
-              <a:sym typeface="Calibri" panose="020F0502020204030204" pitchFamily="34" charset="0"/>
-            </a:endParaRPr>
           </a:p>
           <a:p>
             <a:pPr marL="0" marR="0" lvl="0" indent="0" algn="ctr" defTabSz="913765" rtl="0" eaLnBrk="1" fontAlgn="auto" latinLnBrk="0" hangingPunct="1">
@@ -13246,21 +12625,6 @@
               </a:rPr>
               <a:t>This approach enhances readability, understanding and testing by reducing the amount of</a:t>
             </a:r>
-            <a:endParaRPr lang="en-US" sz="1200" spc="150" noProof="0" dirty="0">
-              <a:ln>
-                <a:noFill/>
-              </a:ln>
-              <a:solidFill>
-                <a:srgbClr val="7F7F7F"/>
-              </a:solidFill>
-              <a:effectLst/>
-              <a:uLnTx/>
-              <a:uFillTx/>
-              <a:latin typeface="Calibri" panose="020F0502020204030204" pitchFamily="34" charset="0"/>
-              <a:ea typeface="Calibri" panose="020F0502020204030204" pitchFamily="34" charset="0"/>
-              <a:cs typeface="Calibri" panose="020F0502020204030204" pitchFamily="34" charset="0"/>
-              <a:sym typeface="Calibri" panose="020F0502020204030204" pitchFamily="34" charset="0"/>
-            </a:endParaRPr>
           </a:p>
           <a:p>
             <a:pPr marL="0" marR="0" lvl="0" indent="0" algn="ctr" defTabSz="913765" rtl="0" eaLnBrk="1" fontAlgn="auto" latinLnBrk="0" hangingPunct="1">
@@ -13297,21 +12661,6 @@
               </a:rPr>
               <a:t>text which must be read to see what the code is doing. </a:t>
             </a:r>
-            <a:endParaRPr lang="en-US" sz="1200" spc="150" noProof="0" dirty="0">
-              <a:ln>
-                <a:noFill/>
-              </a:ln>
-              <a:solidFill>
-                <a:srgbClr val="7F7F7F"/>
-              </a:solidFill>
-              <a:effectLst/>
-              <a:uLnTx/>
-              <a:uFillTx/>
-              <a:latin typeface="Calibri" panose="020F0502020204030204" pitchFamily="34" charset="0"/>
-              <a:ea typeface="Calibri" panose="020F0502020204030204" pitchFamily="34" charset="0"/>
-              <a:cs typeface="Calibri" panose="020F0502020204030204" pitchFamily="34" charset="0"/>
-              <a:sym typeface="Calibri" panose="020F0502020204030204" pitchFamily="34" charset="0"/>
-            </a:endParaRPr>
           </a:p>
         </p:txBody>
       </p:sp>
@@ -13593,21 +12942,6 @@
               </a:rPr>
               <a:t>Make interaction clear</a:t>
             </a:r>
-            <a:endParaRPr lang="de-DE" altLang="en-US" sz="1400" b="1" noProof="0" dirty="0">
-              <a:ln>
-                <a:noFill/>
-              </a:ln>
-              <a:solidFill>
-                <a:srgbClr val="7F7F7F"/>
-              </a:solidFill>
-              <a:effectLst/>
-              <a:uLnTx/>
-              <a:uFillTx/>
-              <a:latin typeface="Calibri" panose="020F0502020204030204" pitchFamily="34" charset="0"/>
-              <a:ea typeface="Calibri" panose="020F0502020204030204" pitchFamily="34" charset="0"/>
-              <a:cs typeface="Calibri" panose="020F0502020204030204" pitchFamily="34" charset="0"/>
-              <a:sym typeface="Calibri" panose="020F0502020204030204" pitchFamily="34" charset="0"/>
-            </a:endParaRPr>
           </a:p>
           <a:p>
             <a:pPr marR="0" lvl="0" indent="0" algn="just" defTabSz="913765" rtl="0" eaLnBrk="1" fontAlgn="auto" latinLnBrk="0" hangingPunct="1">
@@ -13675,21 +13009,6 @@
               </a:rPr>
               <a:t>If a function is only used once by another function, it is called a sub function, and should be saved in the same mfile as the main function</a:t>
             </a:r>
-            <a:endParaRPr lang="de-DE" altLang="en-US" sz="1400" b="1" noProof="0" dirty="0">
-              <a:ln>
-                <a:noFill/>
-              </a:ln>
-              <a:solidFill>
-                <a:srgbClr val="7F7F7F"/>
-              </a:solidFill>
-              <a:effectLst/>
-              <a:uLnTx/>
-              <a:uFillTx/>
-              <a:latin typeface="Calibri" panose="020F0502020204030204" pitchFamily="34" charset="0"/>
-              <a:ea typeface="Calibri" panose="020F0502020204030204" pitchFamily="34" charset="0"/>
-              <a:cs typeface="Calibri" panose="020F0502020204030204" pitchFamily="34" charset="0"/>
-              <a:sym typeface="Calibri" panose="020F0502020204030204" pitchFamily="34" charset="0"/>
-            </a:endParaRPr>
           </a:p>
           <a:p>
             <a:pPr marR="0" lvl="0" indent="0" algn="just" defTabSz="913765" rtl="0" eaLnBrk="1" fontAlgn="auto" latinLnBrk="0" hangingPunct="1">
@@ -13757,21 +13076,6 @@
               </a:rPr>
               <a:t>Avoid repetitive code as much as possible, use different levels of sub functions to abstract and package the code, less code means less potential bug</a:t>
             </a:r>
-            <a:endParaRPr lang="de-DE" altLang="en-US" sz="1400" b="1" noProof="0" dirty="0">
-              <a:ln>
-                <a:noFill/>
-              </a:ln>
-              <a:solidFill>
-                <a:srgbClr val="7F7F7F"/>
-              </a:solidFill>
-              <a:effectLst/>
-              <a:uLnTx/>
-              <a:uFillTx/>
-              <a:latin typeface="Calibri" panose="020F0502020204030204" pitchFamily="34" charset="0"/>
-              <a:ea typeface="Calibri" panose="020F0502020204030204" pitchFamily="34" charset="0"/>
-              <a:cs typeface="Calibri" panose="020F0502020204030204" pitchFamily="34" charset="0"/>
-              <a:sym typeface="Calibri" panose="020F0502020204030204" pitchFamily="34" charset="0"/>
-            </a:endParaRPr>
           </a:p>
           <a:p>
             <a:pPr marR="0" lvl="0" indent="0" algn="just" defTabSz="913765" rtl="0" eaLnBrk="1" fontAlgn="auto" latinLnBrk="0" hangingPunct="1">
@@ -14255,6 +13559,7 @@
         </p:spPr>
         <p:txBody>
           <a:bodyPr wrap="none" anchor="ctr"/>
+          <a:lstStyle/>
           <a:p>
             <a:endParaRPr lang="en-US">
               <a:ea typeface="Calibri" panose="020F0502020204030204" pitchFamily="34" charset="0"/>
@@ -14558,6 +13863,7 @@
         </p:spPr>
         <p:txBody>
           <a:bodyPr wrap="none" anchor="ctr"/>
+          <a:lstStyle/>
           <a:p>
             <a:endParaRPr lang="en-US">
               <a:ea typeface="Calibri" panose="020F0502020204030204" pitchFamily="34" charset="0"/>
@@ -14861,6 +14167,7 @@
         </p:spPr>
         <p:txBody>
           <a:bodyPr wrap="none" anchor="ctr"/>
+          <a:lstStyle/>
           <a:p>
             <a:endParaRPr lang="en-US">
               <a:ea typeface="Calibri" panose="020F0502020204030204" pitchFamily="34" charset="0"/>
@@ -15164,6 +14471,7 @@
         </p:spPr>
         <p:txBody>
           <a:bodyPr wrap="none" anchor="ctr"/>
+          <a:lstStyle/>
           <a:p>
             <a:endParaRPr lang="en-US">
               <a:ea typeface="Calibri" panose="020F0502020204030204" pitchFamily="34" charset="0"/>
@@ -15467,6 +14775,7 @@
         </p:spPr>
         <p:txBody>
           <a:bodyPr wrap="none" anchor="ctr"/>
+          <a:lstStyle/>
           <a:p>
             <a:endParaRPr lang="en-US">
               <a:ea typeface="Calibri" panose="020F0502020204030204" pitchFamily="34" charset="0"/>
@@ -15854,6 +15163,7 @@
         </p:spPr>
         <p:txBody>
           <a:bodyPr wrap="none" anchor="ctr"/>
+          <a:lstStyle/>
           <a:p>
             <a:endParaRPr lang="en-US">
               <a:ea typeface="Calibri" panose="020F0502020204030204" pitchFamily="34" charset="0"/>
@@ -15951,13 +15261,6 @@
               </a:rPr>
               <a:t>5</a:t>
             </a:r>
-            <a:endParaRPr lang="de-DE" altLang="en-US" sz="4000" b="1" dirty="0">
-              <a:solidFill>
-                <a:schemeClr val="tx2"/>
-              </a:solidFill>
-              <a:ea typeface="Calibri" panose="020F0502020204030204" pitchFamily="34" charset="0"/>
-              <a:cs typeface="Calibri" panose="020F0502020204030204" pitchFamily="34" charset="0"/>
-            </a:endParaRPr>
           </a:p>
         </p:txBody>
       </p:sp>
@@ -16060,21 +15363,6 @@
               </a:rPr>
               <a:t>“Commenting is like sex. </a:t>
             </a:r>
-            <a:endParaRPr lang="de-DE" altLang="en-US" sz="1200" spc="150" noProof="0" dirty="0">
-              <a:ln>
-                <a:noFill/>
-              </a:ln>
-              <a:solidFill>
-                <a:srgbClr val="7F7F7F"/>
-              </a:solidFill>
-              <a:effectLst/>
-              <a:uLnTx/>
-              <a:uFillTx/>
-              <a:latin typeface="Calibri" panose="020F0502020204030204" pitchFamily="34" charset="0"/>
-              <a:ea typeface="Calibri" panose="020F0502020204030204" pitchFamily="34" charset="0"/>
-              <a:cs typeface="Calibri" panose="020F0502020204030204" pitchFamily="34" charset="0"/>
-              <a:sym typeface="Calibri" panose="020F0502020204030204" pitchFamily="34" charset="0"/>
-            </a:endParaRPr>
           </a:p>
           <a:p>
             <a:pPr marL="0" marR="0" lvl="0" indent="0" algn="ctr" defTabSz="913765" rtl="0" eaLnBrk="1" fontAlgn="auto" latinLnBrk="0" hangingPunct="1">
@@ -16111,21 +15399,6 @@
               </a:rPr>
               <a:t>When it's good, it's very, very good,</a:t>
             </a:r>
-            <a:endParaRPr lang="de-DE" altLang="en-US" sz="1200" spc="150" noProof="0" dirty="0">
-              <a:ln>
-                <a:noFill/>
-              </a:ln>
-              <a:solidFill>
-                <a:srgbClr val="7F7F7F"/>
-              </a:solidFill>
-              <a:effectLst/>
-              <a:uLnTx/>
-              <a:uFillTx/>
-              <a:latin typeface="Calibri" panose="020F0502020204030204" pitchFamily="34" charset="0"/>
-              <a:ea typeface="Calibri" panose="020F0502020204030204" pitchFamily="34" charset="0"/>
-              <a:cs typeface="Calibri" panose="020F0502020204030204" pitchFamily="34" charset="0"/>
-              <a:sym typeface="Calibri" panose="020F0502020204030204" pitchFamily="34" charset="0"/>
-            </a:endParaRPr>
           </a:p>
           <a:p>
             <a:pPr marL="0" marR="0" lvl="0" indent="0" algn="ctr" defTabSz="913765" rtl="0" eaLnBrk="1" fontAlgn="auto" latinLnBrk="0" hangingPunct="1">
@@ -16162,21 +15435,6 @@
               </a:rPr>
               <a:t>and when it's bad, it's better than nothing.”</a:t>
             </a:r>
-            <a:endParaRPr lang="de-DE" altLang="en-US" sz="1200" spc="150" noProof="0" dirty="0">
-              <a:ln>
-                <a:noFill/>
-              </a:ln>
-              <a:solidFill>
-                <a:srgbClr val="7F7F7F"/>
-              </a:solidFill>
-              <a:effectLst/>
-              <a:uLnTx/>
-              <a:uFillTx/>
-              <a:latin typeface="Calibri" panose="020F0502020204030204" pitchFamily="34" charset="0"/>
-              <a:ea typeface="Calibri" panose="020F0502020204030204" pitchFamily="34" charset="0"/>
-              <a:cs typeface="Calibri" panose="020F0502020204030204" pitchFamily="34" charset="0"/>
-              <a:sym typeface="Calibri" panose="020F0502020204030204" pitchFamily="34" charset="0"/>
-            </a:endParaRPr>
           </a:p>
         </p:txBody>
       </p:sp>
@@ -16294,21 +15552,6 @@
               </a:rPr>
               <a:t>Clarification comments are intended for anyone (including your future self) who may need to maintain, refactor, or extend your code.</a:t>
             </a:r>
-            <a:endParaRPr kumimoji="0" sz="1400" b="1" i="0" u="none" strike="noStrike" kern="1200" cap="none" spc="0" normalizeH="0" baseline="0" noProof="0" dirty="0">
-              <a:ln>
-                <a:noFill/>
-              </a:ln>
-              <a:solidFill>
-                <a:srgbClr val="7F7F7F"/>
-              </a:solidFill>
-              <a:effectLst/>
-              <a:uLnTx/>
-              <a:uFillTx/>
-              <a:latin typeface="Calibri" panose="020F0502020204030204" pitchFamily="34" charset="0"/>
-              <a:ea typeface="Calibri" panose="020F0502020204030204" pitchFamily="34" charset="0"/>
-              <a:cs typeface="Calibri" panose="020F0502020204030204" pitchFamily="34" charset="0"/>
-              <a:sym typeface="Calibri" panose="020F0502020204030204" pitchFamily="34" charset="0"/>
-            </a:endParaRPr>
           </a:p>
           <a:p>
             <a:pPr marR="0" lvl="0" indent="0" algn="just" defTabSz="913765" rtl="0" eaLnBrk="1" fontAlgn="auto" latinLnBrk="0" hangingPunct="1">
@@ -16458,21 +15701,6 @@
               </a:rPr>
               <a:t>Comments explain the 'what ' and 'why', while code demonstrates 'how'</a:t>
             </a:r>
-            <a:endParaRPr lang="de-DE" altLang="en-US" sz="1400" b="1" noProof="0" dirty="0">
-              <a:ln>
-                <a:noFill/>
-              </a:ln>
-              <a:solidFill>
-                <a:srgbClr val="7F7F7F"/>
-              </a:solidFill>
-              <a:effectLst/>
-              <a:uLnTx/>
-              <a:uFillTx/>
-              <a:latin typeface="Calibri" panose="020F0502020204030204" pitchFamily="34" charset="0"/>
-              <a:ea typeface="Calibri" panose="020F0502020204030204" pitchFamily="34" charset="0"/>
-              <a:cs typeface="Calibri" panose="020F0502020204030204" pitchFamily="34" charset="0"/>
-              <a:sym typeface="Calibri" panose="020F0502020204030204" pitchFamily="34" charset="0"/>
-            </a:endParaRPr>
           </a:p>
           <a:p>
             <a:pPr marR="0" lvl="0" indent="0" algn="just" defTabSz="913765" rtl="0" eaLnBrk="1" fontAlgn="auto" latinLnBrk="0" hangingPunct="1">
@@ -16540,21 +15768,6 @@
               </a:rPr>
               <a:t>Add explaination to non-intuitive solutions</a:t>
             </a:r>
-            <a:endParaRPr lang="de-DE" altLang="en-US" sz="1400" b="1" noProof="0" dirty="0">
-              <a:ln>
-                <a:noFill/>
-              </a:ln>
-              <a:solidFill>
-                <a:srgbClr val="7F7F7F"/>
-              </a:solidFill>
-              <a:effectLst/>
-              <a:uLnTx/>
-              <a:uFillTx/>
-              <a:latin typeface="Calibri" panose="020F0502020204030204" pitchFamily="34" charset="0"/>
-              <a:ea typeface="Calibri" panose="020F0502020204030204" pitchFamily="34" charset="0"/>
-              <a:cs typeface="Calibri" panose="020F0502020204030204" pitchFamily="34" charset="0"/>
-              <a:sym typeface="Calibri" panose="020F0502020204030204" pitchFamily="34" charset="0"/>
-            </a:endParaRPr>
           </a:p>
           <a:p>
             <a:pPr marR="0" lvl="0" indent="0" algn="just" defTabSz="913765" rtl="0" eaLnBrk="1" fontAlgn="auto" latinLnBrk="0" hangingPunct="1">
@@ -16658,21 +15871,6 @@
               </a:rPr>
               <a:t> from re-experimenting invalid approaches again in the future</a:t>
             </a:r>
-            <a:endParaRPr lang="de-DE" altLang="en-US" sz="1400" b="1" noProof="0" dirty="0">
-              <a:ln>
-                <a:noFill/>
-              </a:ln>
-              <a:solidFill>
-                <a:srgbClr val="7F7F7F"/>
-              </a:solidFill>
-              <a:effectLst/>
-              <a:uLnTx/>
-              <a:uFillTx/>
-              <a:latin typeface="Calibri" panose="020F0502020204030204" pitchFamily="34" charset="0"/>
-              <a:ea typeface="Calibri" panose="020F0502020204030204" pitchFamily="34" charset="0"/>
-              <a:cs typeface="Calibri" panose="020F0502020204030204" pitchFamily="34" charset="0"/>
-              <a:sym typeface="Calibri" panose="020F0502020204030204" pitchFamily="34" charset="0"/>
-            </a:endParaRPr>
           </a:p>
           <a:p>
             <a:pPr marR="0" lvl="1" indent="0" algn="just" defTabSz="913765" rtl="0" eaLnBrk="1" fontAlgn="auto" latinLnBrk="0" hangingPunct="1">
@@ -16708,21 +15906,6 @@
               </a:rPr>
               <a:t>% Dear maintainer: Once you are done trying to 'optimize' this routine, and have realized what a terrible mistake that was, </a:t>
             </a:r>
-            <a:endParaRPr lang="de-DE" altLang="en-US" sz="1200" i="1" noProof="0" dirty="0">
-              <a:ln>
-                <a:noFill/>
-              </a:ln>
-              <a:solidFill>
-                <a:srgbClr val="7F7F7F"/>
-              </a:solidFill>
-              <a:effectLst/>
-              <a:uLnTx/>
-              <a:uFillTx/>
-              <a:latin typeface="Calibri" panose="020F0502020204030204" pitchFamily="34" charset="0"/>
-              <a:ea typeface="Calibri" panose="020F0502020204030204" pitchFamily="34" charset="0"/>
-              <a:cs typeface="Calibri" panose="020F0502020204030204" pitchFamily="34" charset="0"/>
-              <a:sym typeface="Calibri" panose="020F0502020204030204" pitchFamily="34" charset="0"/>
-            </a:endParaRPr>
           </a:p>
           <a:p>
             <a:pPr marR="0" lvl="1" indent="0" algn="just" defTabSz="913765" rtl="0" eaLnBrk="1" fontAlgn="auto" latinLnBrk="0" hangingPunct="1">
@@ -16758,21 +15941,6 @@
               </a:rPr>
               <a:t>% please increment the following counter as a warning to the next guy! </a:t>
             </a:r>
-            <a:endParaRPr lang="de-DE" altLang="en-US" sz="1200" i="1" noProof="0" dirty="0">
-              <a:ln>
-                <a:noFill/>
-              </a:ln>
-              <a:solidFill>
-                <a:srgbClr val="7F7F7F"/>
-              </a:solidFill>
-              <a:effectLst/>
-              <a:uLnTx/>
-              <a:uFillTx/>
-              <a:latin typeface="Calibri" panose="020F0502020204030204" pitchFamily="34" charset="0"/>
-              <a:ea typeface="Calibri" panose="020F0502020204030204" pitchFamily="34" charset="0"/>
-              <a:cs typeface="Calibri" panose="020F0502020204030204" pitchFamily="34" charset="0"/>
-              <a:sym typeface="Calibri" panose="020F0502020204030204" pitchFamily="34" charset="0"/>
-            </a:endParaRPr>
           </a:p>
           <a:p>
             <a:pPr marR="0" lvl="1" indent="0" algn="just" defTabSz="913765" rtl="0" eaLnBrk="1" fontAlgn="auto" latinLnBrk="0" hangingPunct="1">
@@ -16808,21 +15976,6 @@
               </a:rPr>
               <a:t>% total_hours_wasted_here = 42</a:t>
             </a:r>
-            <a:endParaRPr lang="de-DE" altLang="en-US" sz="1200" i="1" noProof="0" dirty="0">
-              <a:ln>
-                <a:noFill/>
-              </a:ln>
-              <a:solidFill>
-                <a:srgbClr val="7F7F7F"/>
-              </a:solidFill>
-              <a:effectLst/>
-              <a:uLnTx/>
-              <a:uFillTx/>
-              <a:latin typeface="Calibri" panose="020F0502020204030204" pitchFamily="34" charset="0"/>
-              <a:ea typeface="Calibri" panose="020F0502020204030204" pitchFamily="34" charset="0"/>
-              <a:cs typeface="Calibri" panose="020F0502020204030204" pitchFamily="34" charset="0"/>
-              <a:sym typeface="Calibri" panose="020F0502020204030204" pitchFamily="34" charset="0"/>
-            </a:endParaRPr>
           </a:p>
           <a:p>
             <a:pPr marR="0" lvl="0" indent="0" algn="just" defTabSz="913765" rtl="0" eaLnBrk="1" fontAlgn="auto" latinLnBrk="0" hangingPunct="1">
@@ -16890,21 +16043,6 @@
               </a:rPr>
               <a:t>Try to write cleaner, shorter, easier to read code instead of using comment to explain twisted and messy logic</a:t>
             </a:r>
-            <a:endParaRPr lang="de-DE" altLang="en-US" sz="1400" b="1" noProof="0" dirty="0">
-              <a:ln>
-                <a:noFill/>
-              </a:ln>
-              <a:solidFill>
-                <a:srgbClr val="7F7F7F"/>
-              </a:solidFill>
-              <a:effectLst/>
-              <a:uLnTx/>
-              <a:uFillTx/>
-              <a:latin typeface="Calibri" panose="020F0502020204030204" pitchFamily="34" charset="0"/>
-              <a:ea typeface="Calibri" panose="020F0502020204030204" pitchFamily="34" charset="0"/>
-              <a:cs typeface="Calibri" panose="020F0502020204030204" pitchFamily="34" charset="0"/>
-              <a:sym typeface="Calibri" panose="020F0502020204030204" pitchFamily="34" charset="0"/>
-            </a:endParaRPr>
           </a:p>
           <a:p>
             <a:pPr marR="0" lvl="0" indent="0" algn="just" defTabSz="913765" rtl="0" eaLnBrk="1" fontAlgn="auto" latinLnBrk="0" hangingPunct="1">
@@ -17388,6 +16526,7 @@
         </p:spPr>
         <p:txBody>
           <a:bodyPr wrap="none" anchor="ctr"/>
+          <a:lstStyle/>
           <a:p>
             <a:endParaRPr lang="en-US">
               <a:ea typeface="Calibri" panose="020F0502020204030204" pitchFamily="34" charset="0"/>
@@ -17691,6 +16830,7 @@
         </p:spPr>
         <p:txBody>
           <a:bodyPr wrap="none" anchor="ctr"/>
+          <a:lstStyle/>
           <a:p>
             <a:endParaRPr lang="en-US">
               <a:ea typeface="Calibri" panose="020F0502020204030204" pitchFamily="34" charset="0"/>
@@ -17994,6 +17134,7 @@
         </p:spPr>
         <p:txBody>
           <a:bodyPr wrap="none" anchor="ctr"/>
+          <a:lstStyle/>
           <a:p>
             <a:endParaRPr lang="en-US">
               <a:ea typeface="Calibri" panose="020F0502020204030204" pitchFamily="34" charset="0"/>
@@ -18297,6 +17438,7 @@
         </p:spPr>
         <p:txBody>
           <a:bodyPr wrap="none" anchor="ctr"/>
+          <a:lstStyle/>
           <a:p>
             <a:endParaRPr lang="en-US">
               <a:ea typeface="Calibri" panose="020F0502020204030204" pitchFamily="34" charset="0"/>
@@ -18600,6 +17742,7 @@
         </p:spPr>
         <p:txBody>
           <a:bodyPr wrap="none" anchor="ctr"/>
+          <a:lstStyle/>
           <a:p>
             <a:endParaRPr lang="en-US">
               <a:ea typeface="Calibri" panose="020F0502020204030204" pitchFamily="34" charset="0"/>
@@ -18903,6 +18046,7 @@
         </p:spPr>
         <p:txBody>
           <a:bodyPr wrap="none" anchor="ctr"/>
+          <a:lstStyle/>
           <a:p>
             <a:endParaRPr lang="en-US">
               <a:ea typeface="Calibri" panose="020F0502020204030204" pitchFamily="34" charset="0"/>
@@ -19206,6 +18350,7 @@
         </p:spPr>
         <p:txBody>
           <a:bodyPr wrap="none" anchor="ctr"/>
+          <a:lstStyle/>
           <a:p>
             <a:endParaRPr lang="en-US">
               <a:ea typeface="Calibri" panose="020F0502020204030204" pitchFamily="34" charset="0"/>
@@ -19252,7 +18397,7 @@
         <p:spPr>
           <a:xfrm>
             <a:off x="2226945" y="852170"/>
-            <a:ext cx="8964930" cy="5908040"/>
+            <a:ext cx="8964930" cy="6093976"/>
           </a:xfrm>
           <a:prstGeom prst="rect">
             <a:avLst/>
@@ -19370,21 +18515,6 @@
               </a:rPr>
               <a:t>. </a:t>
             </a:r>
-            <a:endParaRPr kumimoji="0" sz="1400" b="1" i="0" u="none" strike="noStrike" kern="1200" cap="none" spc="0" normalizeH="0" baseline="0" noProof="0" dirty="0">
-              <a:ln>
-                <a:noFill/>
-              </a:ln>
-              <a:solidFill>
-                <a:srgbClr val="7F7F7F"/>
-              </a:solidFill>
-              <a:effectLst/>
-              <a:uLnTx/>
-              <a:uFillTx/>
-              <a:latin typeface="Calibri" panose="020F0502020204030204" pitchFamily="34" charset="0"/>
-              <a:ea typeface="Calibri" panose="020F0502020204030204" pitchFamily="34" charset="0"/>
-              <a:cs typeface="Calibri" panose="020F0502020204030204" pitchFamily="34" charset="0"/>
-              <a:sym typeface="Calibri" panose="020F0502020204030204" pitchFamily="34" charset="0"/>
-            </a:endParaRPr>
           </a:p>
           <a:p>
             <a:pPr marR="0" lvl="0" indent="0" algn="just" defTabSz="913765" rtl="0" eaLnBrk="1" fontAlgn="auto" latinLnBrk="0" hangingPunct="1">
@@ -19538,21 +18668,6 @@
               </a:rPr>
               <a:t>help function_name;</a:t>
             </a:r>
-            <a:endParaRPr kumimoji="0" lang="de-DE" altLang="en-US" sz="1200" b="0" i="1" u="none" strike="noStrike" kern="1200" cap="none" spc="0" normalizeH="0" baseline="0" noProof="0" dirty="0">
-              <a:ln>
-                <a:noFill/>
-              </a:ln>
-              <a:solidFill>
-                <a:srgbClr val="7F7F7F"/>
-              </a:solidFill>
-              <a:effectLst/>
-              <a:uLnTx/>
-              <a:uFillTx/>
-              <a:latin typeface="Calibri" panose="020F0502020204030204" pitchFamily="34" charset="0"/>
-              <a:ea typeface="Calibri" panose="020F0502020204030204" pitchFamily="34" charset="0"/>
-              <a:cs typeface="Calibri" panose="020F0502020204030204" pitchFamily="34" charset="0"/>
-              <a:sym typeface="Calibri" panose="020F0502020204030204" pitchFamily="34" charset="0"/>
-            </a:endParaRPr>
           </a:p>
           <a:p>
             <a:pPr marR="0" lvl="0" indent="0" algn="just" defTabSz="913765" rtl="0" eaLnBrk="1" fontAlgn="auto" latinLnBrk="0" hangingPunct="1">
@@ -19620,21 +18735,6 @@
               </a:rPr>
               <a:t>1st part: </a:t>
             </a:r>
-            <a:endParaRPr lang="de-DE" altLang="en-US" sz="1400" b="1" noProof="0" dirty="0">
-              <a:ln>
-                <a:noFill/>
-              </a:ln>
-              <a:solidFill>
-                <a:srgbClr val="7F7F7F"/>
-              </a:solidFill>
-              <a:effectLst/>
-              <a:uLnTx/>
-              <a:uFillTx/>
-              <a:latin typeface="Calibri" panose="020F0502020204030204" pitchFamily="34" charset="0"/>
-              <a:ea typeface="Calibri" panose="020F0502020204030204" pitchFamily="34" charset="0"/>
-              <a:cs typeface="Calibri" panose="020F0502020204030204" pitchFamily="34" charset="0"/>
-              <a:sym typeface="Calibri" panose="020F0502020204030204" pitchFamily="34" charset="0"/>
-            </a:endParaRPr>
           </a:p>
           <a:p>
             <a:pPr marR="0" lvl="1" indent="0" algn="just" defTabSz="913765" rtl="0" eaLnBrk="1" fontAlgn="auto" latinLnBrk="0" hangingPunct="1">
@@ -19670,21 +18770,6 @@
               </a:rPr>
               <a:t>What the script does?</a:t>
             </a:r>
-            <a:endParaRPr lang="de-DE" altLang="en-US" sz="1200" noProof="0" dirty="0">
-              <a:ln>
-                <a:noFill/>
-              </a:ln>
-              <a:solidFill>
-                <a:srgbClr val="7F7F7F"/>
-              </a:solidFill>
-              <a:effectLst/>
-              <a:uLnTx/>
-              <a:uFillTx/>
-              <a:latin typeface="Calibri" panose="020F0502020204030204" pitchFamily="34" charset="0"/>
-              <a:ea typeface="Calibri" panose="020F0502020204030204" pitchFamily="34" charset="0"/>
-              <a:cs typeface="Calibri" panose="020F0502020204030204" pitchFamily="34" charset="0"/>
-              <a:sym typeface="Calibri" panose="020F0502020204030204" pitchFamily="34" charset="0"/>
-            </a:endParaRPr>
           </a:p>
           <a:p>
             <a:pPr marR="0" lvl="1" indent="0" algn="just" defTabSz="913765" rtl="0" eaLnBrk="1" fontAlgn="auto" latinLnBrk="0" hangingPunct="1">
@@ -19720,21 +18805,6 @@
               </a:rPr>
               <a:t>what are the input arguments and data type?</a:t>
             </a:r>
-            <a:endParaRPr lang="de-DE" altLang="en-US" sz="1200" noProof="0" dirty="0">
-              <a:ln>
-                <a:noFill/>
-              </a:ln>
-              <a:solidFill>
-                <a:srgbClr val="7F7F7F"/>
-              </a:solidFill>
-              <a:effectLst/>
-              <a:uLnTx/>
-              <a:uFillTx/>
-              <a:latin typeface="Calibri" panose="020F0502020204030204" pitchFamily="34" charset="0"/>
-              <a:ea typeface="Calibri" panose="020F0502020204030204" pitchFamily="34" charset="0"/>
-              <a:cs typeface="Calibri" panose="020F0502020204030204" pitchFamily="34" charset="0"/>
-              <a:sym typeface="Calibri" panose="020F0502020204030204" pitchFamily="34" charset="0"/>
-            </a:endParaRPr>
           </a:p>
           <a:p>
             <a:pPr marR="0" lvl="1" indent="0" algn="just" defTabSz="913765" rtl="0" eaLnBrk="1" fontAlgn="auto" latinLnBrk="0" hangingPunct="1">
@@ -19770,21 +18840,6 @@
               </a:rPr>
               <a:t>what are the output content and data type?</a:t>
             </a:r>
-            <a:endParaRPr lang="de-DE" altLang="en-US" sz="1200" noProof="0" dirty="0">
-              <a:ln>
-                <a:noFill/>
-              </a:ln>
-              <a:solidFill>
-                <a:srgbClr val="7F7F7F"/>
-              </a:solidFill>
-              <a:effectLst/>
-              <a:uLnTx/>
-              <a:uFillTx/>
-              <a:latin typeface="Calibri" panose="020F0502020204030204" pitchFamily="34" charset="0"/>
-              <a:ea typeface="Calibri" panose="020F0502020204030204" pitchFamily="34" charset="0"/>
-              <a:cs typeface="Calibri" panose="020F0502020204030204" pitchFamily="34" charset="0"/>
-              <a:sym typeface="Calibri" panose="020F0502020204030204" pitchFamily="34" charset="0"/>
-            </a:endParaRPr>
           </a:p>
           <a:p>
             <a:pPr marR="0" lvl="1" indent="0" algn="just" defTabSz="913765" rtl="0" eaLnBrk="1" fontAlgn="auto" latinLnBrk="0" hangingPunct="1">
@@ -19820,21 +18875,6 @@
               </a:rPr>
               <a:t>(optional) example of how to call this function</a:t>
             </a:r>
-            <a:endParaRPr lang="de-DE" altLang="en-US" sz="1200" noProof="0" dirty="0">
-              <a:ln>
-                <a:noFill/>
-              </a:ln>
-              <a:solidFill>
-                <a:srgbClr val="7F7F7F"/>
-              </a:solidFill>
-              <a:effectLst/>
-              <a:uLnTx/>
-              <a:uFillTx/>
-              <a:latin typeface="Calibri" panose="020F0502020204030204" pitchFamily="34" charset="0"/>
-              <a:ea typeface="Calibri" panose="020F0502020204030204" pitchFamily="34" charset="0"/>
-              <a:cs typeface="Calibri" panose="020F0502020204030204" pitchFamily="34" charset="0"/>
-              <a:sym typeface="Calibri" panose="020F0502020204030204" pitchFamily="34" charset="0"/>
-            </a:endParaRPr>
           </a:p>
           <a:p>
             <a:pPr marR="0" lvl="0" indent="0" algn="just" defTabSz="913765" rtl="0" eaLnBrk="1" fontAlgn="auto" latinLnBrk="0" hangingPunct="1">
@@ -19902,21 +18942,6 @@
               </a:rPr>
               <a:t>2nd part:</a:t>
             </a:r>
-            <a:endParaRPr lang="de-DE" altLang="en-US" sz="1400" b="1" noProof="0" dirty="0">
-              <a:ln>
-                <a:noFill/>
-              </a:ln>
-              <a:solidFill>
-                <a:srgbClr val="7F7F7F"/>
-              </a:solidFill>
-              <a:effectLst/>
-              <a:uLnTx/>
-              <a:uFillTx/>
-              <a:latin typeface="Calibri" panose="020F0502020204030204" pitchFamily="34" charset="0"/>
-              <a:ea typeface="Calibri" panose="020F0502020204030204" pitchFamily="34" charset="0"/>
-              <a:cs typeface="Calibri" panose="020F0502020204030204" pitchFamily="34" charset="0"/>
-              <a:sym typeface="Calibri" panose="020F0502020204030204" pitchFamily="34" charset="0"/>
-            </a:endParaRPr>
           </a:p>
           <a:p>
             <a:pPr marR="0" lvl="1" indent="0" algn="just" defTabSz="913765" rtl="0" eaLnBrk="1" fontAlgn="auto" latinLnBrk="0" hangingPunct="1">
@@ -19952,21 +18977,6 @@
               </a:rPr>
               <a:t>Meta information</a:t>
             </a:r>
-            <a:endParaRPr lang="de-DE" altLang="en-US" sz="1200" noProof="0" dirty="0">
-              <a:ln>
-                <a:noFill/>
-              </a:ln>
-              <a:solidFill>
-                <a:srgbClr val="7F7F7F"/>
-              </a:solidFill>
-              <a:effectLst/>
-              <a:uLnTx/>
-              <a:uFillTx/>
-              <a:latin typeface="Calibri" panose="020F0502020204030204" pitchFamily="34" charset="0"/>
-              <a:ea typeface="Calibri" panose="020F0502020204030204" pitchFamily="34" charset="0"/>
-              <a:cs typeface="Calibri" panose="020F0502020204030204" pitchFamily="34" charset="0"/>
-              <a:sym typeface="Calibri" panose="020F0502020204030204" pitchFamily="34" charset="0"/>
-            </a:endParaRPr>
           </a:p>
           <a:p>
             <a:pPr marR="0" lvl="0" indent="0" algn="just" defTabSz="913765" rtl="0" eaLnBrk="1" fontAlgn="auto" latinLnBrk="0" hangingPunct="1">
@@ -20084,21 +19094,6 @@
               </a:rPr>
               <a:t>% The function copies all images into one folder and then reorganises them</a:t>
             </a:r>
-            <a:endParaRPr lang="de-DE" altLang="en-US" sz="1200" i="1" noProof="0" dirty="0">
-              <a:ln>
-                <a:noFill/>
-              </a:ln>
-              <a:solidFill>
-                <a:srgbClr val="7F7F7F"/>
-              </a:solidFill>
-              <a:effectLst/>
-              <a:uLnTx/>
-              <a:uFillTx/>
-              <a:latin typeface="Calibri" panose="020F0502020204030204" pitchFamily="34" charset="0"/>
-              <a:ea typeface="Calibri" panose="020F0502020204030204" pitchFamily="34" charset="0"/>
-              <a:cs typeface="Calibri" panose="020F0502020204030204" pitchFamily="34" charset="0"/>
-              <a:sym typeface="Calibri" panose="020F0502020204030204" pitchFamily="34" charset="0"/>
-            </a:endParaRPr>
           </a:p>
           <a:p>
             <a:pPr marR="0" lvl="1" indent="0" algn="just" defTabSz="913765" rtl="0" eaLnBrk="1" fontAlgn="auto" latinLnBrk="0" hangingPunct="1">
@@ -20134,21 +19129,6 @@
               </a:rPr>
               <a:t>% into the PRONIA folder structure so that the pipeline tools will work on the wp3 server. </a:t>
             </a:r>
-            <a:endParaRPr lang="de-DE" altLang="en-US" sz="1200" i="1" noProof="0" dirty="0">
-              <a:ln>
-                <a:noFill/>
-              </a:ln>
-              <a:solidFill>
-                <a:srgbClr val="7F7F7F"/>
-              </a:solidFill>
-              <a:effectLst/>
-              <a:uLnTx/>
-              <a:uFillTx/>
-              <a:latin typeface="Calibri" panose="020F0502020204030204" pitchFamily="34" charset="0"/>
-              <a:ea typeface="Calibri" panose="020F0502020204030204" pitchFamily="34" charset="0"/>
-              <a:cs typeface="Calibri" panose="020F0502020204030204" pitchFamily="34" charset="0"/>
-              <a:sym typeface="Calibri" panose="020F0502020204030204" pitchFamily="34" charset="0"/>
-            </a:endParaRPr>
           </a:p>
           <a:p>
             <a:pPr marR="0" lvl="1" indent="0" algn="just" defTabSz="913765" rtl="0" eaLnBrk="1" fontAlgn="auto" latinLnBrk="0" hangingPunct="1">
@@ -20184,21 +19164,6 @@
               </a:rPr>
               <a:t>%</a:t>
             </a:r>
-            <a:endParaRPr lang="de-DE" altLang="en-US" sz="1200" i="1" noProof="0" dirty="0">
-              <a:ln>
-                <a:noFill/>
-              </a:ln>
-              <a:solidFill>
-                <a:srgbClr val="7F7F7F"/>
-              </a:solidFill>
-              <a:effectLst/>
-              <a:uLnTx/>
-              <a:uFillTx/>
-              <a:latin typeface="Calibri" panose="020F0502020204030204" pitchFamily="34" charset="0"/>
-              <a:ea typeface="Calibri" panose="020F0502020204030204" pitchFamily="34" charset="0"/>
-              <a:cs typeface="Calibri" panose="020F0502020204030204" pitchFamily="34" charset="0"/>
-              <a:sym typeface="Calibri" panose="020F0502020204030204" pitchFamily="34" charset="0"/>
-            </a:endParaRPr>
           </a:p>
           <a:p>
             <a:pPr marR="0" lvl="1" indent="0" algn="just" defTabSz="913765" rtl="0" eaLnBrk="1" fontAlgn="auto" latinLnBrk="0" hangingPunct="1">
@@ -20232,7 +19197,25 @@
                 <a:cs typeface="Calibri" panose="020F0502020204030204" pitchFamily="34" charset="0"/>
                 <a:sym typeface="Calibri" panose="020F0502020204030204" pitchFamily="34" charset="0"/>
               </a:rPr>
-              <a:t>% Args:</a:t>
+              <a:t>% </a:t>
+            </a:r>
+            <a:r>
+              <a:rPr lang="de-DE" altLang="en-US" sz="1200" i="1" noProof="0" dirty="0" smtClean="0">
+                <a:ln>
+                  <a:noFill/>
+                </a:ln>
+                <a:solidFill>
+                  <a:srgbClr val="7F7F7F"/>
+                </a:solidFill>
+                <a:effectLst/>
+                <a:uLnTx/>
+                <a:uFillTx/>
+                <a:latin typeface="Calibri" panose="020F0502020204030204" pitchFamily="34" charset="0"/>
+                <a:ea typeface="Calibri" panose="020F0502020204030204" pitchFamily="34" charset="0"/>
+                <a:cs typeface="Calibri" panose="020F0502020204030204" pitchFamily="34" charset="0"/>
+                <a:sym typeface="Calibri" panose="020F0502020204030204" pitchFamily="34" charset="0"/>
+              </a:rPr>
+              <a:t>Inputs:</a:t>
             </a:r>
             <a:endParaRPr lang="de-DE" altLang="en-US" sz="1200" i="1" noProof="0" dirty="0">
               <a:ln>
@@ -20284,21 +19267,6 @@
               </a:rPr>
               <a:t>%   original_dir: string, set the original directory of the images</a:t>
             </a:r>
-            <a:endParaRPr lang="de-DE" altLang="en-US" sz="1200" i="1" noProof="0" dirty="0">
-              <a:ln>
-                <a:noFill/>
-              </a:ln>
-              <a:solidFill>
-                <a:srgbClr val="7F7F7F"/>
-              </a:solidFill>
-              <a:effectLst/>
-              <a:uLnTx/>
-              <a:uFillTx/>
-              <a:latin typeface="Calibri" panose="020F0502020204030204" pitchFamily="34" charset="0"/>
-              <a:ea typeface="Calibri" panose="020F0502020204030204" pitchFamily="34" charset="0"/>
-              <a:cs typeface="Calibri" panose="020F0502020204030204" pitchFamily="34" charset="0"/>
-              <a:sym typeface="Calibri" panose="020F0502020204030204" pitchFamily="34" charset="0"/>
-            </a:endParaRPr>
           </a:p>
           <a:p>
             <a:pPr marR="0" lvl="1" indent="0" algn="just" defTabSz="913765" rtl="0" eaLnBrk="1" fontAlgn="auto" latinLnBrk="0" hangingPunct="1">
@@ -20334,21 +19302,6 @@
               </a:rPr>
               <a:t>%   copy_dir: string, set the destination directoy of the images</a:t>
             </a:r>
-            <a:endParaRPr lang="de-DE" altLang="en-US" sz="1200" i="1" noProof="0" dirty="0">
-              <a:ln>
-                <a:noFill/>
-              </a:ln>
-              <a:solidFill>
-                <a:srgbClr val="7F7F7F"/>
-              </a:solidFill>
-              <a:effectLst/>
-              <a:uLnTx/>
-              <a:uFillTx/>
-              <a:latin typeface="Calibri" panose="020F0502020204030204" pitchFamily="34" charset="0"/>
-              <a:ea typeface="Calibri" panose="020F0502020204030204" pitchFamily="34" charset="0"/>
-              <a:cs typeface="Calibri" panose="020F0502020204030204" pitchFamily="34" charset="0"/>
-              <a:sym typeface="Calibri" panose="020F0502020204030204" pitchFamily="34" charset="0"/>
-            </a:endParaRPr>
           </a:p>
           <a:p>
             <a:pPr marR="0" lvl="1" indent="0" algn="just" defTabSz="913765" rtl="0" eaLnBrk="1" fontAlgn="auto" latinLnBrk="0" hangingPunct="1">
@@ -20384,21 +19337,6 @@
               </a:rPr>
               <a:t>%   bogan_id: int, set the initial bogan_id for the data set, beware: every image must have a globally unique bogan_id!</a:t>
             </a:r>
-            <a:endParaRPr lang="de-DE" altLang="en-US" sz="1200" i="1" noProof="0" dirty="0">
-              <a:ln>
-                <a:noFill/>
-              </a:ln>
-              <a:solidFill>
-                <a:srgbClr val="7F7F7F"/>
-              </a:solidFill>
-              <a:effectLst/>
-              <a:uLnTx/>
-              <a:uFillTx/>
-              <a:latin typeface="Calibri" panose="020F0502020204030204" pitchFamily="34" charset="0"/>
-              <a:ea typeface="Calibri" panose="020F0502020204030204" pitchFamily="34" charset="0"/>
-              <a:cs typeface="Calibri" panose="020F0502020204030204" pitchFamily="34" charset="0"/>
-              <a:sym typeface="Calibri" panose="020F0502020204030204" pitchFamily="34" charset="0"/>
-            </a:endParaRPr>
           </a:p>
           <a:p>
             <a:pPr marR="0" lvl="1" indent="0" algn="just" defTabSz="913765" rtl="0" eaLnBrk="1" fontAlgn="auto" latinLnBrk="0" hangingPunct="1">
@@ -20434,36 +19372,9 @@
               </a:rPr>
               <a:t>%</a:t>
             </a:r>
-            <a:endParaRPr lang="de-DE" altLang="en-US" sz="1200" i="1" noProof="0" dirty="0">
-              <a:ln>
-                <a:noFill/>
-              </a:ln>
-              <a:solidFill>
-                <a:srgbClr val="7F7F7F"/>
-              </a:solidFill>
-              <a:effectLst/>
-              <a:uLnTx/>
-              <a:uFillTx/>
-              <a:latin typeface="Calibri" panose="020F0502020204030204" pitchFamily="34" charset="0"/>
-              <a:ea typeface="Calibri" panose="020F0502020204030204" pitchFamily="34" charset="0"/>
-              <a:cs typeface="Calibri" panose="020F0502020204030204" pitchFamily="34" charset="0"/>
-              <a:sym typeface="Calibri" panose="020F0502020204030204" pitchFamily="34" charset="0"/>
-            </a:endParaRPr>
-          </a:p>
-          <a:p>
-            <a:pPr marR="0" lvl="1" indent="0" algn="just" defTabSz="913765" rtl="0" eaLnBrk="1" fontAlgn="auto" latinLnBrk="0" hangingPunct="1">
-              <a:lnSpc>
-                <a:spcPct val="100000"/>
-              </a:lnSpc>
-              <a:spcBef>
-                <a:spcPts val="0"/>
-              </a:spcBef>
-              <a:spcAft>
-                <a:spcPts val="0"/>
-              </a:spcAft>
-              <a:buClrTx/>
-              <a:buSzTx/>
-              <a:buNone/>
+          </a:p>
+          <a:p>
+            <a:pPr lvl="1" algn="just" defTabSz="913765">
               <a:defRPr/>
             </a:pPr>
             <a:r>
@@ -20482,7 +19393,49 @@
                 <a:cs typeface="Calibri" panose="020F0502020204030204" pitchFamily="34" charset="0"/>
                 <a:sym typeface="Calibri" panose="020F0502020204030204" pitchFamily="34" charset="0"/>
               </a:rPr>
-              <a:t>% Returns:</a:t>
+              <a:t>% </a:t>
+            </a:r>
+            <a:r>
+              <a:rPr lang="de-DE" altLang="en-US" sz="1200" i="1" noProof="0" dirty="0" smtClean="0">
+                <a:solidFill>
+                  <a:srgbClr val="7F7F7F"/>
+                </a:solidFill>
+                <a:latin typeface="Calibri" panose="020F0502020204030204" pitchFamily="34" charset="0"/>
+                <a:ea typeface="Calibri" panose="020F0502020204030204" pitchFamily="34" charset="0"/>
+                <a:cs typeface="Calibri" panose="020F0502020204030204" pitchFamily="34" charset="0"/>
+                <a:sym typeface="Calibri" panose="020F0502020204030204" pitchFamily="34" charset="0"/>
+              </a:rPr>
+              <a:t>Out</a:t>
+            </a:r>
+            <a:r>
+              <a:rPr lang="de-DE" altLang="en-US" sz="1200" i="1" dirty="0" err="1" smtClean="0">
+                <a:solidFill>
+                  <a:srgbClr val="7F7F7F"/>
+                </a:solidFill>
+                <a:latin typeface="Calibri" panose="020F0502020204030204" pitchFamily="34" charset="0"/>
+                <a:ea typeface="Calibri" panose="020F0502020204030204" pitchFamily="34" charset="0"/>
+                <a:cs typeface="Calibri" panose="020F0502020204030204" pitchFamily="34" charset="0"/>
+                <a:sym typeface="Calibri" panose="020F0502020204030204" pitchFamily="34" charset="0"/>
+              </a:rPr>
+              <a:t>puts</a:t>
+            </a:r>
+            <a:r>
+              <a:rPr lang="de-DE" altLang="en-US" sz="1200" i="1" noProof="0" dirty="0" smtClean="0">
+                <a:ln>
+                  <a:noFill/>
+                </a:ln>
+                <a:solidFill>
+                  <a:srgbClr val="7F7F7F"/>
+                </a:solidFill>
+                <a:effectLst/>
+                <a:uLnTx/>
+                <a:uFillTx/>
+                <a:latin typeface="Calibri" panose="020F0502020204030204" pitchFamily="34" charset="0"/>
+                <a:ea typeface="Calibri" panose="020F0502020204030204" pitchFamily="34" charset="0"/>
+                <a:cs typeface="Calibri" panose="020F0502020204030204" pitchFamily="34" charset="0"/>
+                <a:sym typeface="Calibri" panose="020F0502020204030204" pitchFamily="34" charset="0"/>
+              </a:rPr>
+              <a:t>:</a:t>
             </a:r>
             <a:endParaRPr lang="de-DE" altLang="en-US" sz="1200" i="1" noProof="0" dirty="0">
               <a:ln>
@@ -20534,21 +19487,6 @@
               </a:rPr>
               <a:t>%   None</a:t>
             </a:r>
-            <a:endParaRPr lang="de-DE" altLang="en-US" sz="1200" i="1" noProof="0" dirty="0">
-              <a:ln>
-                <a:noFill/>
-              </a:ln>
-              <a:solidFill>
-                <a:srgbClr val="7F7F7F"/>
-              </a:solidFill>
-              <a:effectLst/>
-              <a:uLnTx/>
-              <a:uFillTx/>
-              <a:latin typeface="Calibri" panose="020F0502020204030204" pitchFamily="34" charset="0"/>
-              <a:ea typeface="Calibri" panose="020F0502020204030204" pitchFamily="34" charset="0"/>
-              <a:cs typeface="Calibri" panose="020F0502020204030204" pitchFamily="34" charset="0"/>
-              <a:sym typeface="Calibri" panose="020F0502020204030204" pitchFamily="34" charset="0"/>
-            </a:endParaRPr>
           </a:p>
           <a:p>
             <a:pPr marR="0" lvl="1" indent="0" algn="just" defTabSz="913765" rtl="0" eaLnBrk="1" fontAlgn="auto" latinLnBrk="0" hangingPunct="1">
@@ -20616,21 +19554,6 @@
               </a:rPr>
               <a:t>% author: Mark Sen Dong</a:t>
             </a:r>
-            <a:endParaRPr lang="de-DE" altLang="en-US" sz="1200" i="1" noProof="0" dirty="0">
-              <a:ln>
-                <a:noFill/>
-              </a:ln>
-              <a:solidFill>
-                <a:srgbClr val="7F7F7F"/>
-              </a:solidFill>
-              <a:effectLst/>
-              <a:uLnTx/>
-              <a:uFillTx/>
-              <a:latin typeface="Calibri" panose="020F0502020204030204" pitchFamily="34" charset="0"/>
-              <a:ea typeface="Calibri" panose="020F0502020204030204" pitchFamily="34" charset="0"/>
-              <a:cs typeface="Calibri" panose="020F0502020204030204" pitchFamily="34" charset="0"/>
-              <a:sym typeface="Calibri" panose="020F0502020204030204" pitchFamily="34" charset="0"/>
-            </a:endParaRPr>
           </a:p>
           <a:p>
             <a:pPr marR="0" lvl="1" indent="0" algn="just" defTabSz="913765" rtl="0" eaLnBrk="1" fontAlgn="auto" latinLnBrk="0" hangingPunct="1">
@@ -20666,21 +19589,6 @@
               </a:rPr>
               <a:t>% date: 06 Jun 2019</a:t>
             </a:r>
-            <a:endParaRPr lang="de-DE" altLang="en-US" sz="1200" i="1" noProof="0" dirty="0">
-              <a:ln>
-                <a:noFill/>
-              </a:ln>
-              <a:solidFill>
-                <a:srgbClr val="7F7F7F"/>
-              </a:solidFill>
-              <a:effectLst/>
-              <a:uLnTx/>
-              <a:uFillTx/>
-              <a:latin typeface="Calibri" panose="020F0502020204030204" pitchFamily="34" charset="0"/>
-              <a:ea typeface="Calibri" panose="020F0502020204030204" pitchFamily="34" charset="0"/>
-              <a:cs typeface="Calibri" panose="020F0502020204030204" pitchFamily="34" charset="0"/>
-              <a:sym typeface="Calibri" panose="020F0502020204030204" pitchFamily="34" charset="0"/>
-            </a:endParaRPr>
           </a:p>
           <a:p>
             <a:pPr marR="0" lvl="1" indent="0" algn="just" defTabSz="913765" rtl="0" eaLnBrk="1" fontAlgn="auto" latinLnBrk="0" hangingPunct="1">
@@ -20716,21 +19624,6 @@
               </a:rPr>
               <a:t>% version: 1.0</a:t>
             </a:r>
-            <a:endParaRPr lang="de-DE" altLang="en-US" sz="1200" i="1" noProof="0" dirty="0">
-              <a:ln>
-                <a:noFill/>
-              </a:ln>
-              <a:solidFill>
-                <a:srgbClr val="7F7F7F"/>
-              </a:solidFill>
-              <a:effectLst/>
-              <a:uLnTx/>
-              <a:uFillTx/>
-              <a:latin typeface="Calibri" panose="020F0502020204030204" pitchFamily="34" charset="0"/>
-              <a:ea typeface="Calibri" panose="020F0502020204030204" pitchFamily="34" charset="0"/>
-              <a:cs typeface="Calibri" panose="020F0502020204030204" pitchFamily="34" charset="0"/>
-              <a:sym typeface="Calibri" panose="020F0502020204030204" pitchFamily="34" charset="0"/>
-            </a:endParaRPr>
           </a:p>
         </p:txBody>
       </p:sp>
@@ -21132,6 +20025,7 @@
         </p:spPr>
         <p:txBody>
           <a:bodyPr wrap="none" anchor="ctr"/>
+          <a:lstStyle/>
           <a:p>
             <a:endParaRPr lang="en-US">
               <a:ea typeface="Calibri" panose="020F0502020204030204" pitchFamily="34" charset="0"/>
@@ -21151,7 +20045,7 @@
         </p:nvSpPr>
         <p:spPr bwMode="auto">
           <a:xfrm>
-            <a:off x="1903754" y="852432"/>
+            <a:off x="1903754" y="876182"/>
             <a:ext cx="323525" cy="335080"/>
           </a:xfrm>
           <a:custGeom>
@@ -21435,6 +20329,7 @@
         </p:spPr>
         <p:txBody>
           <a:bodyPr wrap="none" anchor="ctr"/>
+          <a:lstStyle/>
           <a:p>
             <a:endParaRPr lang="en-US">
               <a:ea typeface="Calibri" panose="020F0502020204030204" pitchFamily="34" charset="0"/>
@@ -21738,6 +20633,7 @@
         </p:spPr>
         <p:txBody>
           <a:bodyPr wrap="none" anchor="ctr"/>
+          <a:lstStyle/>
           <a:p>
             <a:endParaRPr lang="en-US">
               <a:ea typeface="Calibri" panose="020F0502020204030204" pitchFamily="34" charset="0"/>
@@ -21757,7 +20653,7 @@
         </p:nvSpPr>
         <p:spPr bwMode="auto">
           <a:xfrm>
-            <a:off x="1903754" y="2144022"/>
+            <a:off x="1903754" y="2108397"/>
             <a:ext cx="323525" cy="335080"/>
           </a:xfrm>
           <a:custGeom>
@@ -22041,6 +20937,7 @@
         </p:spPr>
         <p:txBody>
           <a:bodyPr wrap="none" anchor="ctr"/>
+          <a:lstStyle/>
           <a:p>
             <a:endParaRPr lang="en-US">
               <a:ea typeface="Calibri" panose="020F0502020204030204" pitchFamily="34" charset="0"/>
@@ -22060,7 +20957,7 @@
         </p:nvSpPr>
         <p:spPr bwMode="auto">
           <a:xfrm>
-            <a:off x="1903754" y="3901702"/>
+            <a:off x="1903754" y="3854202"/>
             <a:ext cx="323525" cy="335080"/>
           </a:xfrm>
           <a:custGeom>
@@ -22344,6 +21241,7 @@
         </p:spPr>
         <p:txBody>
           <a:bodyPr wrap="none" anchor="ctr"/>
+          <a:lstStyle/>
           <a:p>
             <a:endParaRPr lang="en-US">
               <a:ea typeface="Calibri" panose="020F0502020204030204" pitchFamily="34" charset="0"/>
@@ -22512,21 +21410,6 @@
               </a:rPr>
               <a:t>Most of the information are extracted from </a:t>
             </a:r>
-            <a:endParaRPr kumimoji="0" lang="de-DE" altLang="en-US" sz="1200" b="0" i="0" u="none" strike="noStrike" kern="1200" cap="none" spc="150" normalizeH="0" baseline="0" noProof="0" dirty="0">
-              <a:ln>
-                <a:noFill/>
-              </a:ln>
-              <a:solidFill>
-                <a:srgbClr val="7F7F7F"/>
-              </a:solidFill>
-              <a:effectLst/>
-              <a:uLnTx/>
-              <a:uFillTx/>
-              <a:latin typeface="Calibri" panose="020F0502020204030204" pitchFamily="34" charset="0"/>
-              <a:ea typeface="Calibri" panose="020F0502020204030204" pitchFamily="34" charset="0"/>
-              <a:cs typeface="Calibri" panose="020F0502020204030204" pitchFamily="34" charset="0"/>
-              <a:sym typeface="Calibri" panose="020F0502020204030204" pitchFamily="34" charset="0"/>
-            </a:endParaRPr>
           </a:p>
           <a:p>
             <a:pPr marL="0" marR="0" lvl="0" indent="0" algn="ctr" defTabSz="913765" rtl="0" eaLnBrk="1" fontAlgn="auto" latinLnBrk="0" hangingPunct="1">
@@ -22563,21 +21446,6 @@
               </a:rPr>
               <a:t>MATLAB Style Guidelines 2.0 and my personal experiences :) </a:t>
             </a:r>
-            <a:endParaRPr kumimoji="0" lang="de-DE" altLang="en-US" sz="1200" b="0" i="0" u="none" strike="noStrike" kern="1200" cap="none" spc="150" normalizeH="0" baseline="0" noProof="0" dirty="0">
-              <a:ln>
-                <a:noFill/>
-              </a:ln>
-              <a:solidFill>
-                <a:srgbClr val="7F7F7F"/>
-              </a:solidFill>
-              <a:effectLst/>
-              <a:uLnTx/>
-              <a:uFillTx/>
-              <a:latin typeface="Calibri" panose="020F0502020204030204" pitchFamily="34" charset="0"/>
-              <a:ea typeface="Calibri" panose="020F0502020204030204" pitchFamily="34" charset="0"/>
-              <a:cs typeface="Calibri" panose="020F0502020204030204" pitchFamily="34" charset="0"/>
-              <a:sym typeface="Calibri" panose="020F0502020204030204" pitchFamily="34" charset="0"/>
-            </a:endParaRPr>
           </a:p>
         </p:txBody>
       </p:sp>
@@ -22711,21 +21579,6 @@
               </a:rPr>
               <a:t>VISIT MY GITHUB FOR ADDITIONAL RESOURCES </a:t>
             </a:r>
-            <a:endParaRPr kumimoji="0" lang="de-DE" altLang="en-US" sz="1600" b="1" i="0" u="none" strike="noStrike" kern="1200" cap="none" spc="600" normalizeH="0" baseline="0" noProof="0" dirty="0">
-              <a:ln>
-                <a:noFill/>
-              </a:ln>
-              <a:solidFill>
-                <a:srgbClr val="000000"/>
-              </a:solidFill>
-              <a:effectLst/>
-              <a:uLnTx/>
-              <a:uFillTx/>
-              <a:latin typeface="Calibri" panose="020F0502020204030204" pitchFamily="34" charset="0"/>
-              <a:ea typeface="Calibri" panose="020F0502020204030204" pitchFamily="34" charset="0"/>
-              <a:cs typeface="Calibri" panose="020F0502020204030204" pitchFamily="34" charset="0"/>
-              <a:sym typeface="Calibri" panose="020F0502020204030204" pitchFamily="34" charset="0"/>
-            </a:endParaRPr>
           </a:p>
         </p:txBody>
       </p:sp>
@@ -22785,21 +21638,6 @@
               </a:rPr>
               <a:t>https://github.com/MarkSenDong/Code_Standardization</a:t>
             </a:r>
-            <a:endParaRPr kumimoji="0" lang="en-US" sz="1000" b="0" i="0" u="none" strike="noStrike" kern="1200" cap="none" spc="150" normalizeH="0" baseline="0" noProof="0" dirty="0">
-              <a:ln>
-                <a:noFill/>
-              </a:ln>
-              <a:solidFill>
-                <a:srgbClr val="7F7F7F"/>
-              </a:solidFill>
-              <a:effectLst/>
-              <a:uLnTx/>
-              <a:uFillTx/>
-              <a:latin typeface="Calibri" panose="020F0502020204030204" pitchFamily="34" charset="0"/>
-              <a:ea typeface="Calibri" panose="020F0502020204030204" pitchFamily="34" charset="0"/>
-              <a:cs typeface="Calibri" panose="020F0502020204030204" pitchFamily="34" charset="0"/>
-              <a:sym typeface="Calibri" panose="020F0502020204030204" pitchFamily="34" charset="0"/>
-            </a:endParaRPr>
           </a:p>
         </p:txBody>
       </p:sp>
@@ -22844,7 +21682,7 @@
           </p:nvPr>
         </p:nvPicPr>
         <p:blipFill>
-          <a:blip r:embed="rId1">
+          <a:blip r:embed="rId3">
             <a:extLst>
               <a:ext uri="{28A0092B-C50C-407E-A947-70E740481C1C}">
                 <a14:useLocalDpi xmlns:a14="http://schemas.microsoft.com/office/drawing/2010/main" val="0"/>
@@ -22867,7 +21705,7 @@
           <p:nvPr/>
         </p:nvPicPr>
         <p:blipFill>
-          <a:blip r:embed="rId2"/>
+          <a:blip r:embed="rId4"/>
           <a:srcRect/>
           <a:stretch>
             <a:fillRect/>
@@ -23005,13 +21843,6 @@
               </a:rPr>
               <a:t>Why we need code standardisation?</a:t>
             </a:r>
-            <a:endParaRPr lang="de-DE" altLang="zh-CN" sz="1600" dirty="0">
-              <a:solidFill>
-                <a:schemeClr val="tx2"/>
-              </a:solidFill>
-              <a:ea typeface="Calibri" panose="020F0502020204030204" pitchFamily="34" charset="0"/>
-              <a:cs typeface="Calibri" panose="020F0502020204030204" pitchFamily="34" charset="0"/>
-            </a:endParaRPr>
           </a:p>
         </p:txBody>
       </p:sp>
@@ -23571,6 +22402,7 @@
         </p:style>
         <p:txBody>
           <a:bodyPr rtlCol="0" anchor="ctr"/>
+          <a:lstStyle/>
           <a:p>
             <a:pPr algn="ctr"/>
             <a:r>
@@ -23593,13 +22425,6 @@
               </a:rPr>
               <a:t>5</a:t>
             </a:r>
-            <a:endParaRPr lang="de-DE" altLang="en-US" sz="2400" dirty="0">
-              <a:solidFill>
-                <a:schemeClr val="tx2"/>
-              </a:solidFill>
-              <a:ea typeface="Calibri" panose="020F0502020204030204" pitchFamily="34" charset="0"/>
-              <a:cs typeface="Calibri" panose="020F0502020204030204" pitchFamily="34" charset="0"/>
-            </a:endParaRPr>
           </a:p>
         </p:txBody>
       </p:sp>
@@ -23623,6 +22448,7 @@
           <a:bodyPr wrap="none" rtlCol="0">
             <a:spAutoFit/>
           </a:bodyPr>
+          <a:lstStyle/>
           <a:p>
             <a:r>
               <a:rPr lang="de-DE" altLang="zh-CN" sz="1600" dirty="0">
@@ -23634,13 +22460,6 @@
               </a:rPr>
               <a:t>Commenting &amp; Documentation </a:t>
             </a:r>
-            <a:endParaRPr lang="de-DE" altLang="zh-CN" sz="1600" dirty="0">
-              <a:solidFill>
-                <a:schemeClr val="tx2"/>
-              </a:solidFill>
-              <a:ea typeface="Calibri" panose="020F0502020204030204" pitchFamily="34" charset="0"/>
-              <a:cs typeface="Calibri" panose="020F0502020204030204" pitchFamily="34" charset="0"/>
-            </a:endParaRPr>
           </a:p>
         </p:txBody>
       </p:sp>
@@ -23763,13 +22582,6 @@
               </a:rPr>
               <a:t>1</a:t>
             </a:r>
-            <a:endParaRPr lang="de-DE" altLang="en-US" sz="4000" b="1" dirty="0">
-              <a:solidFill>
-                <a:schemeClr val="tx2"/>
-              </a:solidFill>
-              <a:ea typeface="Calibri" panose="020F0502020204030204" pitchFamily="34" charset="0"/>
-              <a:cs typeface="Calibri" panose="020F0502020204030204" pitchFamily="34" charset="0"/>
-            </a:endParaRPr>
           </a:p>
         </p:txBody>
       </p:sp>
@@ -23848,12 +22660,6 @@
               </a:rPr>
               <a:t>“Any fool can write code that a computer can understand. Good programmers write code that humans can understand. ”</a:t>
             </a:r>
-            <a:endParaRPr lang="en-US" altLang="zh-CN" sz="1200">
-              <a:latin typeface="Calibri" panose="020F0502020204030204" pitchFamily="34" charset="0"/>
-              <a:ea typeface="Calibri" panose="020F0502020204030204" pitchFamily="34" charset="0"/>
-              <a:cs typeface="Calibri" panose="020F0502020204030204" pitchFamily="34" charset="0"/>
-              <a:sym typeface="Arial" panose="020B0604020202020204" pitchFamily="34" charset="0"/>
-            </a:endParaRPr>
           </a:p>
           <a:p>
             <a:pPr lvl="0" algn="ctr"/>
@@ -23866,12 +22672,6 @@
               </a:rPr>
               <a:t> </a:t>
             </a:r>
-            <a:endParaRPr lang="en-US" altLang="zh-CN" sz="1200">
-              <a:latin typeface="Calibri" panose="020F0502020204030204" pitchFamily="34" charset="0"/>
-              <a:ea typeface="Calibri" panose="020F0502020204030204" pitchFamily="34" charset="0"/>
-              <a:cs typeface="Calibri" panose="020F0502020204030204" pitchFamily="34" charset="0"/>
-              <a:sym typeface="Arial" panose="020B0604020202020204" pitchFamily="34" charset="0"/>
-            </a:endParaRPr>
           </a:p>
           <a:p>
             <a:pPr lvl="0" algn="ctr"/>
@@ -23972,7 +22772,7 @@
           </p:nvPr>
         </p:nvPicPr>
         <p:blipFill>
-          <a:blip r:embed="rId1"/>
+          <a:blip r:embed="rId3"/>
           <a:srcRect/>
           <a:stretch>
             <a:fillRect/>
@@ -23996,7 +22796,7 @@
           </p:nvPr>
         </p:nvPicPr>
         <p:blipFill>
-          <a:blip r:embed="rId2"/>
+          <a:blip r:embed="rId4"/>
           <a:srcRect/>
           <a:stretch>
             <a:fillRect/>
@@ -24020,7 +22820,7 @@
           </p:nvPr>
         </p:nvPicPr>
         <p:blipFill>
-          <a:blip r:embed="rId3"/>
+          <a:blip r:embed="rId5"/>
           <a:srcRect/>
           <a:stretch>
             <a:fillRect/>
@@ -24089,21 +22889,6 @@
               </a:rPr>
               <a:t>Less code means less time to read through, and less potential bugs</a:t>
             </a:r>
-            <a:endParaRPr kumimoji="0" lang="de-DE" altLang="en-US" sz="1200" b="0" i="0" u="none" strike="noStrike" kern="1200" cap="none" spc="150" normalizeH="0" baseline="0" noProof="0" dirty="0">
-              <a:ln>
-                <a:noFill/>
-              </a:ln>
-              <a:solidFill>
-                <a:srgbClr val="7F7F7F"/>
-              </a:solidFill>
-              <a:effectLst/>
-              <a:uLnTx/>
-              <a:uFillTx/>
-              <a:latin typeface="Calibri" panose="020F0502020204030204" pitchFamily="34" charset="0"/>
-              <a:ea typeface="Calibri" panose="020F0502020204030204" pitchFamily="34" charset="0"/>
-              <a:cs typeface="Calibri" panose="020F0502020204030204" pitchFamily="34" charset="0"/>
-              <a:sym typeface="Calibri" panose="020F0502020204030204" pitchFamily="34" charset="0"/>
-            </a:endParaRPr>
           </a:p>
         </p:txBody>
       </p:sp>
@@ -24163,21 +22948,6 @@
               </a:rPr>
               <a:t>Write code for your future self, and don't expect your future self to be much smarter than now</a:t>
             </a:r>
-            <a:endParaRPr kumimoji="0" lang="de-DE" altLang="en-US" sz="1200" b="0" i="0" u="none" strike="noStrike" kern="1200" cap="none" spc="150" normalizeH="0" baseline="0" noProof="0" dirty="0">
-              <a:ln>
-                <a:noFill/>
-              </a:ln>
-              <a:solidFill>
-                <a:srgbClr val="7F7F7F"/>
-              </a:solidFill>
-              <a:effectLst/>
-              <a:uLnTx/>
-              <a:uFillTx/>
-              <a:latin typeface="Calibri" panose="020F0502020204030204" pitchFamily="34" charset="0"/>
-              <a:ea typeface="Calibri" panose="020F0502020204030204" pitchFamily="34" charset="0"/>
-              <a:cs typeface="Calibri" panose="020F0502020204030204" pitchFamily="34" charset="0"/>
-              <a:sym typeface="Calibri" panose="020F0502020204030204" pitchFamily="34" charset="0"/>
-            </a:endParaRPr>
           </a:p>
         </p:txBody>
       </p:sp>
@@ -24237,21 +23007,6 @@
               </a:rPr>
               <a:t>Code should be written with the expectation that one day someone else will use it, debug it or change it</a:t>
             </a:r>
-            <a:endParaRPr kumimoji="0" lang="de-DE" altLang="en-US" sz="1200" b="0" i="0" u="none" strike="noStrike" kern="1200" cap="none" spc="150" normalizeH="0" baseline="0" noProof="0" dirty="0">
-              <a:ln>
-                <a:noFill/>
-              </a:ln>
-              <a:solidFill>
-                <a:srgbClr val="7F7F7F"/>
-              </a:solidFill>
-              <a:effectLst/>
-              <a:uLnTx/>
-              <a:uFillTx/>
-              <a:latin typeface="Calibri" panose="020F0502020204030204" pitchFamily="34" charset="0"/>
-              <a:ea typeface="Calibri" panose="020F0502020204030204" pitchFamily="34" charset="0"/>
-              <a:cs typeface="Calibri" panose="020F0502020204030204" pitchFamily="34" charset="0"/>
-              <a:sym typeface="Calibri" panose="020F0502020204030204" pitchFamily="34" charset="0"/>
-            </a:endParaRPr>
           </a:p>
         </p:txBody>
       </p:sp>
@@ -24440,13 +23195,6 @@
               </a:rPr>
               <a:t>2</a:t>
             </a:r>
-            <a:endParaRPr lang="de-DE" altLang="en-US" sz="4000" b="1" dirty="0">
-              <a:solidFill>
-                <a:schemeClr val="tx2"/>
-              </a:solidFill>
-              <a:ea typeface="Calibri" panose="020F0502020204030204" pitchFamily="34" charset="0"/>
-              <a:cs typeface="Calibri" panose="020F0502020204030204" pitchFamily="34" charset="0"/>
-            </a:endParaRPr>
           </a:p>
         </p:txBody>
       </p:sp>
@@ -24556,21 +23304,6 @@
               </a:rPr>
               <a:t>The purpose of a software naming convention is to help the reader and the programmer. </a:t>
             </a:r>
-            <a:endParaRPr lang="en-US" sz="1200" spc="150" noProof="0" dirty="0">
-              <a:ln>
-                <a:noFill/>
-              </a:ln>
-              <a:solidFill>
-                <a:srgbClr val="7F7F7F"/>
-              </a:solidFill>
-              <a:effectLst/>
-              <a:uLnTx/>
-              <a:uFillTx/>
-              <a:latin typeface="Calibri" panose="020F0502020204030204" pitchFamily="34" charset="0"/>
-              <a:ea typeface="Calibri" panose="020F0502020204030204" pitchFamily="34" charset="0"/>
-              <a:cs typeface="Calibri" panose="020F0502020204030204" pitchFamily="34" charset="0"/>
-              <a:sym typeface="Calibri" panose="020F0502020204030204" pitchFamily="34" charset="0"/>
-            </a:endParaRPr>
           </a:p>
           <a:p>
             <a:pPr marL="0" marR="0" lvl="0" indent="0" algn="ctr" defTabSz="913765" rtl="0" eaLnBrk="1" fontAlgn="auto" latinLnBrk="0" hangingPunct="1">
@@ -24790,21 +23523,6 @@
               </a:rPr>
               <a:t>Write variable names in mixed case starting with lower case </a:t>
             </a:r>
-            <a:endParaRPr kumimoji="0" lang="en-US" sz="1400" b="1" i="0" u="none" strike="noStrike" kern="1200" cap="none" spc="0" normalizeH="0" baseline="0" noProof="0" dirty="0">
-              <a:ln>
-                <a:noFill/>
-              </a:ln>
-              <a:solidFill>
-                <a:srgbClr val="7F7F7F"/>
-              </a:solidFill>
-              <a:effectLst/>
-              <a:uLnTx/>
-              <a:uFillTx/>
-              <a:latin typeface="Calibri" panose="020F0502020204030204" pitchFamily="34" charset="0"/>
-              <a:ea typeface="Calibri" panose="020F0502020204030204" pitchFamily="34" charset="0"/>
-              <a:cs typeface="Calibri" panose="020F0502020204030204" pitchFamily="34" charset="0"/>
-              <a:sym typeface="Calibri" panose="020F0502020204030204" pitchFamily="34" charset="0"/>
-            </a:endParaRPr>
           </a:p>
           <a:p>
             <a:pPr marR="0" lvl="0" indent="0" algn="just" defTabSz="913765" rtl="0" eaLnBrk="1" fontAlgn="auto" latinLnBrk="0" hangingPunct="1">
@@ -25004,21 +23722,6 @@
               </a:rPr>
               <a:t>Use the prefix n for variables representing the number of objects</a:t>
             </a:r>
-            <a:endParaRPr kumimoji="0" lang="de-DE" altLang="en-US" sz="1400" b="1" i="0" u="none" strike="noStrike" kern="1200" cap="none" spc="0" normalizeH="0" baseline="0" noProof="0" dirty="0">
-              <a:ln>
-                <a:noFill/>
-              </a:ln>
-              <a:solidFill>
-                <a:srgbClr val="7F7F7F"/>
-              </a:solidFill>
-              <a:effectLst/>
-              <a:uLnTx/>
-              <a:uFillTx/>
-              <a:latin typeface="Calibri" panose="020F0502020204030204" pitchFamily="34" charset="0"/>
-              <a:ea typeface="Calibri" panose="020F0502020204030204" pitchFamily="34" charset="0"/>
-              <a:cs typeface="Calibri" panose="020F0502020204030204" pitchFamily="34" charset="0"/>
-              <a:sym typeface="Calibri" panose="020F0502020204030204" pitchFamily="34" charset="0"/>
-            </a:endParaRPr>
           </a:p>
           <a:p>
             <a:pPr marR="0" lvl="0" indent="0" algn="just" defTabSz="913765" rtl="0" eaLnBrk="1" fontAlgn="auto" latinLnBrk="0" hangingPunct="1">
@@ -25104,21 +23807,6 @@
               </a:rPr>
               <a:t> </a:t>
             </a:r>
-            <a:endParaRPr kumimoji="0" lang="de-DE" altLang="en-US" sz="1400" b="0" i="0" u="none" strike="noStrike" kern="1200" cap="none" spc="0" normalizeH="0" baseline="0" noProof="0" dirty="0">
-              <a:ln>
-                <a:noFill/>
-              </a:ln>
-              <a:solidFill>
-                <a:srgbClr val="7F7F7F"/>
-              </a:solidFill>
-              <a:effectLst/>
-              <a:uLnTx/>
-              <a:uFillTx/>
-              <a:latin typeface="Calibri" panose="020F0502020204030204" pitchFamily="34" charset="0"/>
-              <a:ea typeface="Calibri" panose="020F0502020204030204" pitchFamily="34" charset="0"/>
-              <a:cs typeface="Calibri" panose="020F0502020204030204" pitchFamily="34" charset="0"/>
-              <a:sym typeface="Calibri" panose="020F0502020204030204" pitchFamily="34" charset="0"/>
-            </a:endParaRPr>
           </a:p>
           <a:p>
             <a:pPr marR="0" lvl="0" indent="0" algn="just" defTabSz="913765" rtl="0" eaLnBrk="1" fontAlgn="auto" latinLnBrk="0" hangingPunct="1">
@@ -25172,21 +23860,6 @@
               </a:rPr>
               <a:t>(There shouldn't be loops deeper than 5 levels in general)</a:t>
             </a:r>
-            <a:endParaRPr kumimoji="0" lang="de-DE" altLang="en-US" sz="1200" b="0" i="0" u="none" strike="noStrike" kern="1200" cap="none" spc="0" normalizeH="0" baseline="0" noProof="0" dirty="0">
-              <a:ln>
-                <a:noFill/>
-              </a:ln>
-              <a:solidFill>
-                <a:srgbClr val="7F7F7F"/>
-              </a:solidFill>
-              <a:effectLst/>
-              <a:uLnTx/>
-              <a:uFillTx/>
-              <a:latin typeface="Calibri" panose="020F0502020204030204" pitchFamily="34" charset="0"/>
-              <a:ea typeface="Calibri" panose="020F0502020204030204" pitchFamily="34" charset="0"/>
-              <a:cs typeface="Calibri" panose="020F0502020204030204" pitchFamily="34" charset="0"/>
-              <a:sym typeface="Calibri" panose="020F0502020204030204" pitchFamily="34" charset="0"/>
-            </a:endParaRPr>
           </a:p>
           <a:p>
             <a:pPr marR="0" lvl="1" indent="0" algn="just" defTabSz="913765" rtl="0" eaLnBrk="1" fontAlgn="auto" latinLnBrk="0" hangingPunct="1">
@@ -25722,21 +24395,6 @@
               </a:rPr>
               <a:t>Minimize abbreviations in names</a:t>
             </a:r>
-            <a:endParaRPr lang="de-DE" altLang="en-US" sz="1400" b="1" noProof="0" dirty="0">
-              <a:ln>
-                <a:noFill/>
-              </a:ln>
-              <a:solidFill>
-                <a:srgbClr val="7F7F7F"/>
-              </a:solidFill>
-              <a:effectLst/>
-              <a:uLnTx/>
-              <a:uFillTx/>
-              <a:latin typeface="Calibri" panose="020F0502020204030204" pitchFamily="34" charset="0"/>
-              <a:ea typeface="Calibri" panose="020F0502020204030204" pitchFamily="34" charset="0"/>
-              <a:cs typeface="Calibri" panose="020F0502020204030204" pitchFamily="34" charset="0"/>
-              <a:sym typeface="Calibri" panose="020F0502020204030204" pitchFamily="34" charset="0"/>
-            </a:endParaRPr>
           </a:p>
           <a:p>
             <a:pPr marR="0" lvl="0" indent="0" algn="just" defTabSz="913765" rtl="0" eaLnBrk="1" fontAlgn="auto" latinLnBrk="0" hangingPunct="1">
@@ -25790,21 +24448,6 @@
               </a:rPr>
               <a:t> ArrivalTime</a:t>
             </a:r>
-            <a:endParaRPr lang="de-DE" altLang="en-US" sz="1200" i="1" noProof="0" dirty="0">
-              <a:ln>
-                <a:noFill/>
-              </a:ln>
-              <a:solidFill>
-                <a:srgbClr val="7F7F7F"/>
-              </a:solidFill>
-              <a:effectLst/>
-              <a:uLnTx/>
-              <a:uFillTx/>
-              <a:latin typeface="Calibri" panose="020F0502020204030204" pitchFamily="34" charset="0"/>
-              <a:ea typeface="Calibri" panose="020F0502020204030204" pitchFamily="34" charset="0"/>
-              <a:cs typeface="Calibri" panose="020F0502020204030204" pitchFamily="34" charset="0"/>
-              <a:sym typeface="Calibri" panose="020F0502020204030204" pitchFamily="34" charset="0"/>
-            </a:endParaRPr>
           </a:p>
           <a:p>
             <a:pPr marR="0" lvl="0" indent="0" algn="just" defTabSz="913765" rtl="0" eaLnBrk="1" fontAlgn="auto" latinLnBrk="0" hangingPunct="1">
@@ -26008,21 +24651,6 @@
               </a:rPr>
               <a:t>isFound </a:t>
             </a:r>
-            <a:endParaRPr kumimoji="0" lang="de-DE" altLang="en-US" sz="1200" b="0" i="1" u="none" strike="noStrike" kern="1200" cap="none" spc="0" normalizeH="0" baseline="0" noProof="0" dirty="0">
-              <a:ln>
-                <a:noFill/>
-              </a:ln>
-              <a:solidFill>
-                <a:srgbClr val="7F7F7F"/>
-              </a:solidFill>
-              <a:effectLst/>
-              <a:uLnTx/>
-              <a:uFillTx/>
-              <a:latin typeface="Calibri" panose="020F0502020204030204" pitchFamily="34" charset="0"/>
-              <a:ea typeface="Calibri" panose="020F0502020204030204" pitchFamily="34" charset="0"/>
-              <a:cs typeface="Calibri" panose="020F0502020204030204" pitchFamily="34" charset="0"/>
-              <a:sym typeface="Calibri" panose="020F0502020204030204" pitchFamily="34" charset="0"/>
-            </a:endParaRPr>
           </a:p>
           <a:p>
             <a:pPr marR="0" lvl="0" indent="0" algn="just" defTabSz="913765" rtl="0" eaLnBrk="1" fontAlgn="auto" latinLnBrk="0" hangingPunct="1">
@@ -26158,21 +24786,6 @@
               </a:rPr>
               <a:t>Avoid Variable Names reserved by Matlab or shadows functions</a:t>
             </a:r>
-            <a:endParaRPr kumimoji="0" lang="de-DE" altLang="en-US" sz="1400" b="1" u="none" strike="noStrike" kern="1200" cap="none" spc="0" normalizeH="0" baseline="0" noProof="0" dirty="0">
-              <a:ln>
-                <a:noFill/>
-              </a:ln>
-              <a:solidFill>
-                <a:srgbClr val="7F7F7F"/>
-              </a:solidFill>
-              <a:effectLst/>
-              <a:uLnTx/>
-              <a:uFillTx/>
-              <a:latin typeface="Calibri" panose="020F0502020204030204" pitchFamily="34" charset="0"/>
-              <a:ea typeface="Calibri" panose="020F0502020204030204" pitchFamily="34" charset="0"/>
-              <a:cs typeface="Calibri" panose="020F0502020204030204" pitchFamily="34" charset="0"/>
-              <a:sym typeface="Calibri" panose="020F0502020204030204" pitchFamily="34" charset="0"/>
-            </a:endParaRPr>
           </a:p>
           <a:p>
             <a:pPr marR="0" lvl="0" indent="0" algn="just" defTabSz="913765" rtl="0" eaLnBrk="1" fontAlgn="auto" latinLnBrk="0" hangingPunct="1">
@@ -26208,21 +24821,6 @@
               </a:rPr>
               <a:t>How to avoid it: https://www.mathworks.com/help/matlab/ref/iskeyword.html</a:t>
             </a:r>
-            <a:endParaRPr kumimoji="0" lang="de-DE" altLang="en-US" sz="1200" u="none" strike="noStrike" kern="1200" cap="none" spc="0" normalizeH="0" baseline="0" noProof="0" dirty="0">
-              <a:ln>
-                <a:noFill/>
-              </a:ln>
-              <a:solidFill>
-                <a:srgbClr val="7F7F7F"/>
-              </a:solidFill>
-              <a:effectLst/>
-              <a:uLnTx/>
-              <a:uFillTx/>
-              <a:latin typeface="Calibri" panose="020F0502020204030204" pitchFamily="34" charset="0"/>
-              <a:ea typeface="Calibri" panose="020F0502020204030204" pitchFamily="34" charset="0"/>
-              <a:cs typeface="Calibri" panose="020F0502020204030204" pitchFamily="34" charset="0"/>
-              <a:sym typeface="Calibri" panose="020F0502020204030204" pitchFamily="34" charset="0"/>
-            </a:endParaRPr>
           </a:p>
         </p:txBody>
       </p:sp>
@@ -26624,6 +25222,7 @@
         </p:spPr>
         <p:txBody>
           <a:bodyPr wrap="none" anchor="ctr"/>
+          <a:lstStyle/>
           <a:p>
             <a:endParaRPr lang="en-US">
               <a:ea typeface="Calibri" panose="020F0502020204030204" pitchFamily="34" charset="0"/>
@@ -27011,6 +25610,7 @@
         </p:spPr>
         <p:txBody>
           <a:bodyPr wrap="none" anchor="ctr"/>
+          <a:lstStyle/>
           <a:p>
             <a:endParaRPr lang="en-US">
               <a:ea typeface="Calibri" panose="020F0502020204030204" pitchFamily="34" charset="0"/>
@@ -27314,6 +25914,7 @@
         </p:spPr>
         <p:txBody>
           <a:bodyPr wrap="none" anchor="ctr"/>
+          <a:lstStyle/>
           <a:p>
             <a:endParaRPr lang="en-US">
               <a:ea typeface="Calibri" panose="020F0502020204030204" pitchFamily="34" charset="0"/>
@@ -27617,6 +26218,7 @@
         </p:spPr>
         <p:txBody>
           <a:bodyPr wrap="none" anchor="ctr"/>
+          <a:lstStyle/>
           <a:p>
             <a:endParaRPr lang="en-US">
               <a:ea typeface="Calibri" panose="020F0502020204030204" pitchFamily="34" charset="0"/>
@@ -27920,6 +26522,7 @@
         </p:spPr>
         <p:txBody>
           <a:bodyPr wrap="none" anchor="ctr"/>
+          <a:lstStyle/>
           <a:p>
             <a:endParaRPr lang="en-US">
               <a:ea typeface="Calibri" panose="020F0502020204030204" pitchFamily="34" charset="0"/>
@@ -28223,6 +26826,7 @@
         </p:spPr>
         <p:txBody>
           <a:bodyPr wrap="none" anchor="ctr"/>
+          <a:lstStyle/>
           <a:p>
             <a:endParaRPr lang="en-US">
               <a:ea typeface="Calibri" panose="020F0502020204030204" pitchFamily="34" charset="0"/>
@@ -28610,6 +27214,7 @@
         </p:spPr>
         <p:txBody>
           <a:bodyPr wrap="none" anchor="ctr"/>
+          <a:lstStyle/>
           <a:p>
             <a:endParaRPr lang="en-US">
               <a:ea typeface="Calibri" panose="020F0502020204030204" pitchFamily="34" charset="0"/>
@@ -28913,6 +27518,7 @@
         </p:spPr>
         <p:txBody>
           <a:bodyPr wrap="none" anchor="ctr"/>
+          <a:lstStyle/>
           <a:p>
             <a:endParaRPr lang="en-US">
               <a:ea typeface="Calibri" panose="020F0502020204030204" pitchFamily="34" charset="0"/>
@@ -29005,21 +27611,6 @@
               </a:rPr>
               <a:t>Constant names with local scope (within an mfile) should be all uppercase using underscore to separate words </a:t>
             </a:r>
-            <a:endParaRPr kumimoji="0" lang="en-US" sz="1400" b="1" i="0" u="none" strike="noStrike" kern="1200" cap="none" spc="0" normalizeH="0" baseline="0" noProof="0" dirty="0">
-              <a:ln>
-                <a:noFill/>
-              </a:ln>
-              <a:solidFill>
-                <a:srgbClr val="7F7F7F"/>
-              </a:solidFill>
-              <a:effectLst/>
-              <a:uLnTx/>
-              <a:uFillTx/>
-              <a:latin typeface="Calibri" panose="020F0502020204030204" pitchFamily="34" charset="0"/>
-              <a:ea typeface="Calibri" panose="020F0502020204030204" pitchFamily="34" charset="0"/>
-              <a:cs typeface="Calibri" panose="020F0502020204030204" pitchFamily="34" charset="0"/>
-              <a:sym typeface="Calibri" panose="020F0502020204030204" pitchFamily="34" charset="0"/>
-            </a:endParaRPr>
           </a:p>
           <a:p>
             <a:pPr marR="0" lvl="0" indent="0" algn="just" defTabSz="913765" rtl="0" eaLnBrk="1" fontAlgn="auto" latinLnBrk="0" hangingPunct="1">
@@ -29055,21 +27646,6 @@
               </a:rPr>
               <a:t>MAX_ITERATIONS, COLOR_RED</a:t>
             </a:r>
-            <a:endParaRPr kumimoji="0" lang="en-US" sz="1200" b="0" i="1" u="none" strike="noStrike" kern="1200" cap="none" spc="0" normalizeH="0" baseline="0" noProof="0" dirty="0">
-              <a:ln>
-                <a:noFill/>
-              </a:ln>
-              <a:solidFill>
-                <a:srgbClr val="7F7F7F"/>
-              </a:solidFill>
-              <a:effectLst/>
-              <a:uLnTx/>
-              <a:uFillTx/>
-              <a:latin typeface="Calibri" panose="020F0502020204030204" pitchFamily="34" charset="0"/>
-              <a:ea typeface="Calibri" panose="020F0502020204030204" pitchFamily="34" charset="0"/>
-              <a:cs typeface="Calibri" panose="020F0502020204030204" pitchFamily="34" charset="0"/>
-              <a:sym typeface="Calibri" panose="020F0502020204030204" pitchFamily="34" charset="0"/>
-            </a:endParaRPr>
           </a:p>
           <a:p>
             <a:pPr marR="0" lvl="0" indent="0" algn="just" defTabSz="913765" rtl="0" eaLnBrk="1" fontAlgn="auto" latinLnBrk="0" hangingPunct="1">
@@ -29137,21 +27713,6 @@
               </a:rPr>
               <a:t>Use meaningful names for constants</a:t>
             </a:r>
-            <a:endParaRPr kumimoji="0" lang="de-DE" altLang="en-US" sz="1400" b="1" i="0" u="none" strike="noStrike" kern="1200" cap="none" spc="0" normalizeH="0" baseline="0" noProof="0" dirty="0">
-              <a:ln>
-                <a:noFill/>
-              </a:ln>
-              <a:solidFill>
-                <a:srgbClr val="7F7F7F"/>
-              </a:solidFill>
-              <a:effectLst/>
-              <a:uLnTx/>
-              <a:uFillTx/>
-              <a:latin typeface="Calibri" panose="020F0502020204030204" pitchFamily="34" charset="0"/>
-              <a:ea typeface="Calibri" panose="020F0502020204030204" pitchFamily="34" charset="0"/>
-              <a:cs typeface="Calibri" panose="020F0502020204030204" pitchFamily="34" charset="0"/>
-              <a:sym typeface="Calibri" panose="020F0502020204030204" pitchFamily="34" charset="0"/>
-            </a:endParaRPr>
           </a:p>
           <a:p>
             <a:pPr marR="0" lvl="0" indent="0" algn="just" defTabSz="913765" rtl="0" eaLnBrk="1" fontAlgn="auto" latinLnBrk="0" hangingPunct="1">
@@ -29205,21 +27766,6 @@
               </a:rPr>
               <a:t> MAX_ITERATIONS</a:t>
             </a:r>
-            <a:endParaRPr kumimoji="0" lang="de-DE" altLang="en-US" sz="1200" i="1" u="none" strike="noStrike" kern="1200" cap="none" spc="0" normalizeH="0" baseline="0" noProof="0" dirty="0">
-              <a:ln>
-                <a:noFill/>
-              </a:ln>
-              <a:solidFill>
-                <a:srgbClr val="7F7F7F"/>
-              </a:solidFill>
-              <a:effectLst/>
-              <a:uLnTx/>
-              <a:uFillTx/>
-              <a:latin typeface="Calibri" panose="020F0502020204030204" pitchFamily="34" charset="0"/>
-              <a:ea typeface="Calibri" panose="020F0502020204030204" pitchFamily="34" charset="0"/>
-              <a:cs typeface="Calibri" panose="020F0502020204030204" pitchFamily="34" charset="0"/>
-              <a:sym typeface="Calibri" panose="020F0502020204030204" pitchFamily="34" charset="0"/>
-            </a:endParaRPr>
           </a:p>
           <a:p>
             <a:pPr marR="0" lvl="0" indent="0" algn="just" defTabSz="913765" rtl="0" eaLnBrk="1" fontAlgn="auto" latinLnBrk="0" hangingPunct="1">
@@ -29689,6 +28235,7 @@
         </p:spPr>
         <p:txBody>
           <a:bodyPr wrap="none" anchor="ctr"/>
+          <a:lstStyle/>
           <a:p>
             <a:endParaRPr lang="en-US">
               <a:ea typeface="Calibri" panose="020F0502020204030204" pitchFamily="34" charset="0"/>
@@ -29992,6 +28539,7 @@
         </p:spPr>
         <p:txBody>
           <a:bodyPr wrap="none" anchor="ctr"/>
+          <a:lstStyle/>
           <a:p>
             <a:endParaRPr lang="en-US">
               <a:ea typeface="Calibri" panose="020F0502020204030204" pitchFamily="34" charset="0"/>
@@ -30234,21 +28782,6 @@
               </a:rPr>
               <a:t> Segment.length</a:t>
             </a:r>
-            <a:endParaRPr lang="de-DE" altLang="en-US" sz="1200" i="1" noProof="0" dirty="0">
-              <a:ln>
-                <a:noFill/>
-              </a:ln>
-              <a:solidFill>
-                <a:srgbClr val="7F7F7F"/>
-              </a:solidFill>
-              <a:effectLst/>
-              <a:uLnTx/>
-              <a:uFillTx/>
-              <a:latin typeface="Calibri" panose="020F0502020204030204" pitchFamily="34" charset="0"/>
-              <a:ea typeface="Calibri" panose="020F0502020204030204" pitchFamily="34" charset="0"/>
-              <a:cs typeface="Calibri" panose="020F0502020204030204" pitchFamily="34" charset="0"/>
-              <a:sym typeface="Calibri" panose="020F0502020204030204" pitchFamily="34" charset="0"/>
-            </a:endParaRPr>
           </a:p>
           <a:p>
             <a:pPr marR="0" lvl="0" indent="0" algn="just" defTabSz="913765" rtl="0" eaLnBrk="1" fontAlgn="auto" latinLnBrk="0" hangingPunct="1">
@@ -30718,6 +29251,7 @@
         </p:spPr>
         <p:txBody>
           <a:bodyPr wrap="none" anchor="ctr"/>
+          <a:lstStyle/>
           <a:p>
             <a:endParaRPr lang="en-US">
               <a:ea typeface="Calibri" panose="020F0502020204030204" pitchFamily="34" charset="0"/>
@@ -31021,6 +29555,7 @@
         </p:spPr>
         <p:txBody>
           <a:bodyPr wrap="none" anchor="ctr"/>
+          <a:lstStyle/>
           <a:p>
             <a:endParaRPr lang="en-US">
               <a:ea typeface="Calibri" panose="020F0502020204030204" pitchFamily="34" charset="0"/>
@@ -31113,21 +29648,6 @@
               </a:rPr>
               <a:t>Use meaningful function names</a:t>
             </a:r>
-            <a:endParaRPr kumimoji="0" lang="en-US" sz="1400" b="1" i="0" u="none" strike="noStrike" kern="1200" cap="none" spc="0" normalizeH="0" baseline="0" noProof="0" dirty="0">
-              <a:ln>
-                <a:noFill/>
-              </a:ln>
-              <a:solidFill>
-                <a:srgbClr val="7F7F7F"/>
-              </a:solidFill>
-              <a:effectLst/>
-              <a:uLnTx/>
-              <a:uFillTx/>
-              <a:latin typeface="Calibri" panose="020F0502020204030204" pitchFamily="34" charset="0"/>
-              <a:ea typeface="Calibri" panose="020F0502020204030204" pitchFamily="34" charset="0"/>
-              <a:cs typeface="Calibri" panose="020F0502020204030204" pitchFamily="34" charset="0"/>
-              <a:sym typeface="Calibri" panose="020F0502020204030204" pitchFamily="34" charset="0"/>
-            </a:endParaRPr>
           </a:p>
           <a:p>
             <a:pPr marR="0" lvl="0" indent="0" algn="just" defTabSz="913765" rtl="0" eaLnBrk="1" fontAlgn="auto" latinLnBrk="0" hangingPunct="1">
@@ -31181,21 +29701,6 @@
               </a:rPr>
               <a:t> computeTotalWidth</a:t>
             </a:r>
-            <a:endParaRPr lang="de-DE" altLang="en-US" sz="1200" i="1" noProof="0" dirty="0">
-              <a:ln>
-                <a:noFill/>
-              </a:ln>
-              <a:solidFill>
-                <a:srgbClr val="7F7F7F"/>
-              </a:solidFill>
-              <a:effectLst/>
-              <a:uLnTx/>
-              <a:uFillTx/>
-              <a:latin typeface="Calibri" panose="020F0502020204030204" pitchFamily="34" charset="0"/>
-              <a:ea typeface="Calibri" panose="020F0502020204030204" pitchFamily="34" charset="0"/>
-              <a:cs typeface="Calibri" panose="020F0502020204030204" pitchFamily="34" charset="0"/>
-              <a:sym typeface="Calibri" panose="020F0502020204030204" pitchFamily="34" charset="0"/>
-            </a:endParaRPr>
           </a:p>
           <a:p>
             <a:pPr marR="0" lvl="0" indent="0" algn="just" defTabSz="913765" rtl="0" eaLnBrk="1" fontAlgn="auto" latinLnBrk="0" hangingPunct="1">
@@ -31249,21 +29754,6 @@
               </a:rPr>
               <a:t> compwid</a:t>
             </a:r>
-            <a:endParaRPr lang="de-DE" altLang="en-US" sz="1200" i="1" noProof="0" dirty="0">
-              <a:ln>
-                <a:noFill/>
-              </a:ln>
-              <a:solidFill>
-                <a:srgbClr val="7F7F7F"/>
-              </a:solidFill>
-              <a:effectLst/>
-              <a:uLnTx/>
-              <a:uFillTx/>
-              <a:latin typeface="Calibri" panose="020F0502020204030204" pitchFamily="34" charset="0"/>
-              <a:ea typeface="Calibri" panose="020F0502020204030204" pitchFamily="34" charset="0"/>
-              <a:cs typeface="Calibri" panose="020F0502020204030204" pitchFamily="34" charset="0"/>
-              <a:sym typeface="Calibri" panose="020F0502020204030204" pitchFamily="34" charset="0"/>
-            </a:endParaRPr>
           </a:p>
           <a:p>
             <a:pPr marR="0" lvl="0" indent="0" algn="just" defTabSz="913765" rtl="0" eaLnBrk="1" fontAlgn="auto" latinLnBrk="0" hangingPunct="1">
@@ -31463,21 +29953,6 @@
               </a:rPr>
               <a:t>Name functions that have a single output based on the output</a:t>
             </a:r>
-            <a:endParaRPr kumimoji="0" lang="de-DE" altLang="en-US" sz="1400" b="1" i="0" u="none" strike="noStrike" kern="1200" cap="none" spc="0" normalizeH="0" baseline="0" noProof="0" dirty="0">
-              <a:ln>
-                <a:noFill/>
-              </a:ln>
-              <a:solidFill>
-                <a:srgbClr val="7F7F7F"/>
-              </a:solidFill>
-              <a:effectLst/>
-              <a:uLnTx/>
-              <a:uFillTx/>
-              <a:latin typeface="Calibri" panose="020F0502020204030204" pitchFamily="34" charset="0"/>
-              <a:ea typeface="Calibri" panose="020F0502020204030204" pitchFamily="34" charset="0"/>
-              <a:cs typeface="Calibri" panose="020F0502020204030204" pitchFamily="34" charset="0"/>
-              <a:sym typeface="Calibri" panose="020F0502020204030204" pitchFamily="34" charset="0"/>
-            </a:endParaRPr>
           </a:p>
           <a:p>
             <a:pPr marR="0" lvl="0" indent="0" algn="just" defTabSz="913765" rtl="0" eaLnBrk="1" fontAlgn="auto" latinLnBrk="0" hangingPunct="1">
@@ -31595,21 +30070,6 @@
               </a:rPr>
               <a:t>Functions with no output argument or which only return a handle should be named after what they do</a:t>
             </a:r>
-            <a:endParaRPr kumimoji="0" lang="de-DE" altLang="en-US" sz="1400" b="1" i="0" u="none" strike="noStrike" kern="1200" cap="none" spc="0" normalizeH="0" baseline="0" noProof="0" dirty="0">
-              <a:ln>
-                <a:noFill/>
-              </a:ln>
-              <a:solidFill>
-                <a:srgbClr val="7F7F7F"/>
-              </a:solidFill>
-              <a:effectLst/>
-              <a:uLnTx/>
-              <a:uFillTx/>
-              <a:latin typeface="Calibri" panose="020F0502020204030204" pitchFamily="34" charset="0"/>
-              <a:ea typeface="Calibri" panose="020F0502020204030204" pitchFamily="34" charset="0"/>
-              <a:cs typeface="Calibri" panose="020F0502020204030204" pitchFamily="34" charset="0"/>
-              <a:sym typeface="Calibri" panose="020F0502020204030204" pitchFamily="34" charset="0"/>
-            </a:endParaRPr>
           </a:p>
           <a:p>
             <a:pPr marR="0" lvl="0" indent="0" algn="just" defTabSz="913765" rtl="0" eaLnBrk="1" fontAlgn="auto" latinLnBrk="0" hangingPunct="1">
@@ -31695,21 +30155,6 @@
               </a:rPr>
               <a:t> </a:t>
             </a:r>
-            <a:endParaRPr kumimoji="0" lang="de-DE" altLang="en-US" sz="1400" b="0" i="0" u="none" strike="noStrike" kern="1200" cap="none" spc="0" normalizeH="0" baseline="0" noProof="0" dirty="0">
-              <a:ln>
-                <a:noFill/>
-              </a:ln>
-              <a:solidFill>
-                <a:srgbClr val="7F7F7F"/>
-              </a:solidFill>
-              <a:effectLst/>
-              <a:uLnTx/>
-              <a:uFillTx/>
-              <a:latin typeface="Calibri" panose="020F0502020204030204" pitchFamily="34" charset="0"/>
-              <a:ea typeface="Calibri" panose="020F0502020204030204" pitchFamily="34" charset="0"/>
-              <a:cs typeface="Calibri" panose="020F0502020204030204" pitchFamily="34" charset="0"/>
-              <a:sym typeface="Calibri" panose="020F0502020204030204" pitchFamily="34" charset="0"/>
-            </a:endParaRPr>
           </a:p>
           <a:p>
             <a:pPr marR="0" lvl="0" indent="0" algn="just" defTabSz="913765" rtl="0" eaLnBrk="1" fontAlgn="auto" latinLnBrk="0" hangingPunct="1">
@@ -31745,21 +30190,6 @@
               </a:rPr>
               <a:t>Avoid unintentional shadowing </a:t>
             </a:r>
-            <a:endParaRPr kumimoji="0" lang="de-DE" altLang="en-US" sz="1400" b="1" i="0" u="none" strike="noStrike" kern="1200" cap="none" spc="0" normalizeH="0" baseline="0" noProof="0" dirty="0">
-              <a:ln>
-                <a:noFill/>
-              </a:ln>
-              <a:solidFill>
-                <a:srgbClr val="7F7F7F"/>
-              </a:solidFill>
-              <a:effectLst/>
-              <a:uLnTx/>
-              <a:uFillTx/>
-              <a:latin typeface="Calibri" panose="020F0502020204030204" pitchFamily="34" charset="0"/>
-              <a:ea typeface="Calibri" panose="020F0502020204030204" pitchFamily="34" charset="0"/>
-              <a:cs typeface="Calibri" panose="020F0502020204030204" pitchFamily="34" charset="0"/>
-              <a:sym typeface="Calibri" panose="020F0502020204030204" pitchFamily="34" charset="0"/>
-            </a:endParaRPr>
           </a:p>
           <a:p>
             <a:pPr marR="0" lvl="0" indent="0" algn="just" defTabSz="913765" rtl="0" eaLnBrk="1" fontAlgn="auto" latinLnBrk="0" hangingPunct="1">
@@ -31795,21 +30225,6 @@
               </a:rPr>
               <a:t>In general function names should be unique. </a:t>
             </a:r>
-            <a:endParaRPr kumimoji="0" lang="de-DE" altLang="en-US" sz="1200" b="0" u="none" strike="noStrike" kern="1200" cap="none" spc="0" normalizeH="0" baseline="0" noProof="0" dirty="0">
-              <a:ln>
-                <a:noFill/>
-              </a:ln>
-              <a:solidFill>
-                <a:srgbClr val="7F7F7F"/>
-              </a:solidFill>
-              <a:effectLst/>
-              <a:uLnTx/>
-              <a:uFillTx/>
-              <a:latin typeface="Calibri" panose="020F0502020204030204" pitchFamily="34" charset="0"/>
-              <a:ea typeface="Calibri" panose="020F0502020204030204" pitchFamily="34" charset="0"/>
-              <a:cs typeface="Calibri" panose="020F0502020204030204" pitchFamily="34" charset="0"/>
-              <a:sym typeface="Calibri" panose="020F0502020204030204" pitchFamily="34" charset="0"/>
-            </a:endParaRPr>
           </a:p>
           <a:p>
             <a:pPr marR="0" lvl="0" indent="0" algn="just" defTabSz="913765" rtl="0" eaLnBrk="1" fontAlgn="auto" latinLnBrk="0" hangingPunct="1">
@@ -31863,21 +30278,6 @@
               </a:rPr>
               <a:t> </a:t>
             </a:r>
-            <a:endParaRPr kumimoji="0" lang="de-DE" altLang="en-US" sz="1400" b="0" i="1" u="none" strike="noStrike" kern="1200" cap="none" spc="0" normalizeH="0" baseline="0" noProof="0" dirty="0">
-              <a:ln>
-                <a:noFill/>
-              </a:ln>
-              <a:solidFill>
-                <a:srgbClr val="7F7F7F"/>
-              </a:solidFill>
-              <a:effectLst/>
-              <a:uLnTx/>
-              <a:uFillTx/>
-              <a:latin typeface="Calibri" panose="020F0502020204030204" pitchFamily="34" charset="0"/>
-              <a:ea typeface="Calibri" panose="020F0502020204030204" pitchFamily="34" charset="0"/>
-              <a:cs typeface="Calibri" panose="020F0502020204030204" pitchFamily="34" charset="0"/>
-              <a:sym typeface="Calibri" panose="020F0502020204030204" pitchFamily="34" charset="0"/>
-            </a:endParaRPr>
           </a:p>
           <a:p>
             <a:pPr marR="0" lvl="0" indent="0" algn="just" defTabSz="913765" rtl="0" eaLnBrk="1" fontAlgn="auto" latinLnBrk="0" hangingPunct="1">
@@ -32383,6 +30783,7 @@
         </p:spPr>
         <p:txBody>
           <a:bodyPr wrap="none" anchor="ctr"/>
+          <a:lstStyle/>
           <a:p>
             <a:endParaRPr lang="en-US">
               <a:ea typeface="Calibri" panose="020F0502020204030204" pitchFamily="34" charset="0"/>
@@ -32770,6 +31171,7 @@
         </p:spPr>
         <p:txBody>
           <a:bodyPr wrap="none" anchor="ctr"/>
+          <a:lstStyle/>
           <a:p>
             <a:endParaRPr lang="en-US">
               <a:ea typeface="Calibri" panose="020F0502020204030204" pitchFamily="34" charset="0"/>
@@ -33073,6 +31475,7 @@
         </p:spPr>
         <p:txBody>
           <a:bodyPr wrap="none" anchor="ctr"/>
+          <a:lstStyle/>
           <a:p>
             <a:endParaRPr lang="en-US">
               <a:ea typeface="Calibri" panose="020F0502020204030204" pitchFamily="34" charset="0"/>
@@ -33376,6 +31779,7 @@
         </p:spPr>
         <p:txBody>
           <a:bodyPr wrap="none" anchor="ctr"/>
+          <a:lstStyle/>
           <a:p>
             <a:endParaRPr lang="en-US">
               <a:ea typeface="Calibri" panose="020F0502020204030204" pitchFamily="34" charset="0"/>
@@ -33679,6 +32083,7 @@
         </p:spPr>
         <p:txBody>
           <a:bodyPr wrap="none" anchor="ctr"/>
+          <a:lstStyle/>
           <a:p>
             <a:endParaRPr lang="en-US">
               <a:ea typeface="Calibri" panose="020F0502020204030204" pitchFamily="34" charset="0"/>
@@ -33924,9 +32329,10 @@
       </a:style>
     </a:spDef>
   </a:objectDefaults>
+  <a:extraClrSchemeLst/>
   <a:extLst>
     <a:ext uri="{05A4C25C-085E-4340-85A3-A5531E510DB2}">
-      <thm15:themeFamily xmlns:thm15="http://schemas.microsoft.com/office/thememl/2012/main" name="Office Theme" id="{62F939B6-93AF-4DB8-9C6B-D6C7DFDC589F}" vid="{4A3C46E8-61CC-4603-A589-7422A47A8E4A}"/>
+      <thm15:themeFamily xmlns:thm15="http://schemas.microsoft.com/office/thememl/2012/main" xmlns="" name="Office Theme" id="{62F939B6-93AF-4DB8-9C6B-D6C7DFDC589F}" vid="{4A3C46E8-61CC-4603-A589-7422A47A8E4A}"/>
     </a:ext>
   </a:extLst>
 </a:theme>
@@ -34248,9 +32654,10 @@
       </a:style>
     </a:lnDef>
   </a:objectDefaults>
+  <a:extraClrSchemeLst/>
   <a:extLst>
     <a:ext uri="{05A4C25C-085E-4340-85A3-A5531E510DB2}">
-      <thm15:themeFamily xmlns:thm15="http://schemas.microsoft.com/office/thememl/2012/main" name="Office Theme" id="{62F939B6-93AF-4DB8-9C6B-D6C7DFDC589F}" vid="{4A3C46E8-61CC-4603-A589-7422A47A8E4A}"/>
+      <thm15:themeFamily xmlns:thm15="http://schemas.microsoft.com/office/thememl/2012/main" xmlns="" name="Office Theme" id="{62F939B6-93AF-4DB8-9C6B-D6C7DFDC589F}" vid="{4A3C46E8-61CC-4603-A589-7422A47A8E4A}"/>
     </a:ext>
   </a:extLst>
 </a:theme>
@@ -34483,9 +32890,10 @@
       </a:style>
     </a:spDef>
   </a:objectDefaults>
+  <a:extraClrSchemeLst/>
   <a:extLst>
     <a:ext uri="{05A4C25C-085E-4340-85A3-A5531E510DB2}">
-      <thm15:themeFamily xmlns:thm15="http://schemas.microsoft.com/office/thememl/2012/main" name="Office Theme" id="{62F939B6-93AF-4DB8-9C6B-D6C7DFDC589F}" vid="{4A3C46E8-61CC-4603-A589-7422A47A8E4A}"/>
+      <thm15:themeFamily xmlns:thm15="http://schemas.microsoft.com/office/thememl/2012/main" xmlns="" name="Office Theme" id="{62F939B6-93AF-4DB8-9C6B-D6C7DFDC589F}" vid="{4A3C46E8-61CC-4603-A589-7422A47A8E4A}"/>
     </a:ext>
   </a:extLst>
 </a:theme>
@@ -34742,9 +33150,11 @@
       </a:bgFillStyleLst>
     </a:fmtScheme>
   </a:themeElements>
+  <a:objectDefaults/>
+  <a:extraClrSchemeLst/>
   <a:extLst>
     <a:ext uri="{05A4C25C-085E-4340-85A3-A5531E510DB2}">
-      <thm15:themeFamily xmlns:thm15="http://schemas.microsoft.com/office/thememl/2012/main" name="Office Theme" id="{62F939B6-93AF-4DB8-9C6B-D6C7DFDC589F}" vid="{4A3C46E8-61CC-4603-A589-7422A47A8E4A}"/>
+      <thm15:themeFamily xmlns:thm15="http://schemas.microsoft.com/office/thememl/2012/main" xmlns="" name="Office Theme" id="{62F939B6-93AF-4DB8-9C6B-D6C7DFDC589F}" vid="{4A3C46E8-61CC-4603-A589-7422A47A8E4A}"/>
     </a:ext>
   </a:extLst>
 </a:theme>
@@ -35001,9 +33411,11 @@
       </a:bgFillStyleLst>
     </a:fmtScheme>
   </a:themeElements>
+  <a:objectDefaults/>
+  <a:extraClrSchemeLst/>
   <a:extLst>
     <a:ext uri="{05A4C25C-085E-4340-85A3-A5531E510DB2}">
-      <thm15:themeFamily xmlns:thm15="http://schemas.microsoft.com/office/thememl/2012/main" name="Office Theme" id="{62F939B6-93AF-4DB8-9C6B-D6C7DFDC589F}" vid="{4A3C46E8-61CC-4603-A589-7422A47A8E4A}"/>
+      <thm15:themeFamily xmlns:thm15="http://schemas.microsoft.com/office/thememl/2012/main" xmlns="" name="Office Theme" id="{62F939B6-93AF-4DB8-9C6B-D6C7DFDC589F}" vid="{4A3C46E8-61CC-4603-A589-7422A47A8E4A}"/>
     </a:ext>
   </a:extLst>
 </a:theme>

--- a/matlab_coding_standardisation.pptx
+++ b/matlab_coding_standardisation.pptx
@@ -3,35 +3,35 @@
 <p:presentation xmlns:a="http://schemas.openxmlformats.org/drawingml/2006/main" xmlns:r="http://schemas.openxmlformats.org/officeDocument/2006/relationships" xmlns:p="http://schemas.openxmlformats.org/presentationml/2006/main" showSpecialPlsOnTitleSld="0">
   <p:sldMasterIdLst>
     <p:sldMasterId id="2147483648" r:id="rId1"/>
-    <p:sldMasterId id="2147483651" r:id="rId2"/>
-    <p:sldMasterId id="2147483653" r:id="rId3"/>
+    <p:sldMasterId id="2147483651" r:id="rId3"/>
+    <p:sldMasterId id="2147483653" r:id="rId4"/>
   </p:sldMasterIdLst>
   <p:notesMasterIdLst>
-    <p:notesMasterId r:id="rId23"/>
+    <p:notesMasterId r:id="rId9"/>
   </p:notesMasterIdLst>
   <p:handoutMasterIdLst>
-    <p:handoutMasterId r:id="rId24"/>
+    <p:handoutMasterId r:id="rId25"/>
   </p:handoutMasterIdLst>
   <p:sldIdLst>
-    <p:sldId id="350" r:id="rId4"/>
-    <p:sldId id="351" r:id="rId5"/>
-    <p:sldId id="415" r:id="rId6"/>
-    <p:sldId id="334" r:id="rId7"/>
-    <p:sldId id="431" r:id="rId8"/>
-    <p:sldId id="417" r:id="rId9"/>
-    <p:sldId id="418" r:id="rId10"/>
-    <p:sldId id="420" r:id="rId11"/>
-    <p:sldId id="421" r:id="rId12"/>
-    <p:sldId id="422" r:id="rId13"/>
-    <p:sldId id="423" r:id="rId14"/>
-    <p:sldId id="424" r:id="rId15"/>
-    <p:sldId id="426" r:id="rId16"/>
-    <p:sldId id="425" r:id="rId17"/>
-    <p:sldId id="427" r:id="rId18"/>
-    <p:sldId id="428" r:id="rId19"/>
-    <p:sldId id="429" r:id="rId20"/>
-    <p:sldId id="430" r:id="rId21"/>
-    <p:sldId id="330" r:id="rId22"/>
+    <p:sldId id="350" r:id="rId5"/>
+    <p:sldId id="351" r:id="rId6"/>
+    <p:sldId id="415" r:id="rId7"/>
+    <p:sldId id="334" r:id="rId8"/>
+    <p:sldId id="431" r:id="rId10"/>
+    <p:sldId id="417" r:id="rId11"/>
+    <p:sldId id="418" r:id="rId12"/>
+    <p:sldId id="420" r:id="rId13"/>
+    <p:sldId id="421" r:id="rId14"/>
+    <p:sldId id="422" r:id="rId15"/>
+    <p:sldId id="423" r:id="rId16"/>
+    <p:sldId id="424" r:id="rId17"/>
+    <p:sldId id="426" r:id="rId18"/>
+    <p:sldId id="425" r:id="rId19"/>
+    <p:sldId id="427" r:id="rId20"/>
+    <p:sldId id="428" r:id="rId21"/>
+    <p:sldId id="429" r:id="rId22"/>
+    <p:sldId id="430" r:id="rId23"/>
+    <p:sldId id="330" r:id="rId24"/>
   </p:sldIdLst>
   <p:sldSz cx="12192000" cy="6858000"/>
   <p:notesSz cx="6858000" cy="9144000"/>
@@ -215,7 +215,6 @@
           <a:p>
             <a:fld id="{0F9B84EA-7D68-4D60-9CB1-D50884785D1C}" type="datetimeFigureOut">
               <a:rPr lang="zh-CN" altLang="en-US" smtClean="0"/>
-              <a:t>2019/7/1</a:t>
             </a:fld>
             <a:endParaRPr lang="zh-CN" altLang="en-US"/>
           </a:p>
@@ -281,18 +280,12 @@
           <a:p>
             <a:fld id="{8D4E0FC9-F1F8-4FAE-9988-3BA365CFD46F}" type="slidenum">
               <a:rPr lang="zh-CN" altLang="en-US" smtClean="0"/>
-              <a:t>‹Nr.›</a:t>
             </a:fld>
             <a:endParaRPr lang="zh-CN" altLang="en-US"/>
           </a:p>
         </p:txBody>
       </p:sp>
     </p:spTree>
-    <p:extLst>
-      <p:ext uri="{BB962C8B-B14F-4D97-AF65-F5344CB8AC3E}">
-        <p14:creationId xmlns:p14="http://schemas.microsoft.com/office/powerpoint/2010/main" val="1202038007"/>
-      </p:ext>
-    </p:extLst>
   </p:cSld>
   <p:clrMap bg1="lt1" tx1="dk1" bg2="lt2" tx2="dk2" accent1="accent1" accent2="accent2" accent3="accent3" accent4="accent4" accent5="accent5" accent6="accent6" hlink="hlink" folHlink="folHlink"/>
 </p:handoutMaster>
@@ -384,7 +377,6 @@
           <a:p>
             <a:fld id="{AD4A3340-C542-46E3-BB6B-1E3F28D53E89}" type="datetimeFigureOut">
               <a:rPr lang="zh-CN" altLang="en-US" smtClean="0"/>
-              <a:t>2019/7/1</a:t>
             </a:fld>
             <a:endParaRPr lang="zh-CN" altLang="en-US"/>
           </a:p>
@@ -451,6 +443,7 @@
               <a:rPr lang="zh-CN" altLang="en-US"/>
               <a:t>编辑母版文本样式</a:t>
             </a:r>
+            <a:endParaRPr lang="zh-CN" altLang="en-US"/>
           </a:p>
           <a:p>
             <a:pPr lvl="1"/>
@@ -458,6 +451,7 @@
               <a:rPr lang="zh-CN" altLang="en-US"/>
               <a:t>第二级</a:t>
             </a:r>
+            <a:endParaRPr lang="zh-CN" altLang="en-US"/>
           </a:p>
           <a:p>
             <a:pPr lvl="2"/>
@@ -465,6 +459,7 @@
               <a:rPr lang="zh-CN" altLang="en-US"/>
               <a:t>第三级</a:t>
             </a:r>
+            <a:endParaRPr lang="zh-CN" altLang="en-US"/>
           </a:p>
           <a:p>
             <a:pPr lvl="3"/>
@@ -472,6 +467,7 @@
               <a:rPr lang="zh-CN" altLang="en-US"/>
               <a:t>第四级</a:t>
             </a:r>
+            <a:endParaRPr lang="zh-CN" altLang="en-US"/>
           </a:p>
           <a:p>
             <a:pPr lvl="4"/>
@@ -479,6 +475,7 @@
               <a:rPr lang="zh-CN" altLang="en-US"/>
               <a:t>第五级</a:t>
             </a:r>
+            <a:endParaRPr lang="zh-CN" altLang="en-US"/>
           </a:p>
         </p:txBody>
       </p:sp>
@@ -546,18 +543,12 @@
           <a:p>
             <a:fld id="{93EAA4AF-B0AE-42C7-9AD8-C74E868F5800}" type="slidenum">
               <a:rPr lang="zh-CN" altLang="en-US" smtClean="0"/>
-              <a:t>‹Nr.›</a:t>
             </a:fld>
             <a:endParaRPr lang="zh-CN" altLang="en-US"/>
           </a:p>
         </p:txBody>
       </p:sp>
     </p:spTree>
-    <p:extLst>
-      <p:ext uri="{BB962C8B-B14F-4D97-AF65-F5344CB8AC3E}">
-        <p14:creationId xmlns:p14="http://schemas.microsoft.com/office/powerpoint/2010/main" val="1263801851"/>
-      </p:ext>
-    </p:extLst>
   </p:cSld>
   <p:clrMap bg1="lt1" tx1="dk1" bg2="lt2" tx2="dk2" accent1="accent1" accent2="accent2" accent3="accent3" accent4="accent4" accent5="accent5" accent6="accent6" hlink="hlink" folHlink="folHlink"/>
   <p:notesStyle>
@@ -749,7 +740,6 @@
                 <a:ea typeface="等线" panose="02010600030101010101" charset="-122"/>
                 <a:cs typeface="+mn-cs"/>
               </a:rPr>
-              <a:t>4</a:t>
             </a:fld>
             <a:endParaRPr kumimoji="0" lang="zh-CN" altLang="en-US" sz="1200" b="0" i="0" u="none" strike="noStrike" kern="1200" cap="none" spc="0" normalizeH="0" baseline="0" noProof="0">
               <a:ln>
@@ -870,7 +860,6 @@
                 <a:ea typeface="等线" panose="02010600030101010101" charset="-122"/>
                 <a:cs typeface="+mn-cs"/>
               </a:rPr>
-              <a:t>17</a:t>
             </a:fld>
             <a:endParaRPr kumimoji="0" lang="zh-CN" altLang="en-US" sz="1200" b="0" i="0" u="none" strike="noStrike" kern="1200" cap="none" spc="0" normalizeH="0" baseline="0" noProof="0">
               <a:ln>
@@ -991,7 +980,6 @@
                 <a:ea typeface="等线" panose="02010600030101010101" charset="-122"/>
                 <a:cs typeface="+mn-cs"/>
               </a:rPr>
-              <a:t>18</a:t>
             </a:fld>
             <a:endParaRPr kumimoji="0" lang="zh-CN" altLang="en-US" sz="1200" b="0" i="0" u="none" strike="noStrike" kern="1200" cap="none" spc="0" normalizeH="0" baseline="0" noProof="0">
               <a:ln>
@@ -1112,7 +1100,6 @@
                 <a:ea typeface="+mn-ea"/>
                 <a:cs typeface="+mn-cs"/>
               </a:rPr>
-              <a:t>19</a:t>
             </a:fld>
             <a:endParaRPr kumimoji="0" lang="en-US" sz="1200" b="0" i="0" u="none" strike="noStrike" kern="1200" cap="none" spc="0" normalizeH="0" baseline="0" noProof="0">
               <a:ln>
@@ -1233,7 +1220,6 @@
                 <a:ea typeface="等线" panose="02010600030101010101" charset="-122"/>
                 <a:cs typeface="+mn-cs"/>
               </a:rPr>
-              <a:t>6</a:t>
             </a:fld>
             <a:endParaRPr kumimoji="0" lang="zh-CN" altLang="en-US" sz="1200" b="0" i="0" u="none" strike="noStrike" kern="1200" cap="none" spc="0" normalizeH="0" baseline="0" noProof="0">
               <a:ln>
@@ -1354,7 +1340,6 @@
                 <a:ea typeface="等线" panose="02010600030101010101" charset="-122"/>
                 <a:cs typeface="+mn-cs"/>
               </a:rPr>
-              <a:t>7</a:t>
             </a:fld>
             <a:endParaRPr kumimoji="0" lang="zh-CN" altLang="en-US" sz="1200" b="0" i="0" u="none" strike="noStrike" kern="1200" cap="none" spc="0" normalizeH="0" baseline="0" noProof="0">
               <a:ln>
@@ -1475,7 +1460,6 @@
                 <a:ea typeface="等线" panose="02010600030101010101" charset="-122"/>
                 <a:cs typeface="+mn-cs"/>
               </a:rPr>
-              <a:t>8</a:t>
             </a:fld>
             <a:endParaRPr kumimoji="0" lang="zh-CN" altLang="en-US" sz="1200" b="0" i="0" u="none" strike="noStrike" kern="1200" cap="none" spc="0" normalizeH="0" baseline="0" noProof="0">
               <a:ln>
@@ -1596,7 +1580,6 @@
                 <a:ea typeface="等线" panose="02010600030101010101" charset="-122"/>
                 <a:cs typeface="+mn-cs"/>
               </a:rPr>
-              <a:t>9</a:t>
             </a:fld>
             <a:endParaRPr kumimoji="0" lang="zh-CN" altLang="en-US" sz="1200" b="0" i="0" u="none" strike="noStrike" kern="1200" cap="none" spc="0" normalizeH="0" baseline="0" noProof="0">
               <a:ln>
@@ -1717,7 +1700,6 @@
                 <a:ea typeface="等线" panose="02010600030101010101" charset="-122"/>
                 <a:cs typeface="+mn-cs"/>
               </a:rPr>
-              <a:t>11</a:t>
             </a:fld>
             <a:endParaRPr kumimoji="0" lang="zh-CN" altLang="en-US" sz="1200" b="0" i="0" u="none" strike="noStrike" kern="1200" cap="none" spc="0" normalizeH="0" baseline="0" noProof="0">
               <a:ln>
@@ -1838,7 +1820,6 @@
                 <a:ea typeface="等线" panose="02010600030101010101" charset="-122"/>
                 <a:cs typeface="+mn-cs"/>
               </a:rPr>
-              <a:t>12</a:t>
             </a:fld>
             <a:endParaRPr kumimoji="0" lang="zh-CN" altLang="en-US" sz="1200" b="0" i="0" u="none" strike="noStrike" kern="1200" cap="none" spc="0" normalizeH="0" baseline="0" noProof="0">
               <a:ln>
@@ -1959,7 +1940,6 @@
                 <a:ea typeface="等线" panose="02010600030101010101" charset="-122"/>
                 <a:cs typeface="+mn-cs"/>
               </a:rPr>
-              <a:t>13</a:t>
             </a:fld>
             <a:endParaRPr kumimoji="0" lang="zh-CN" altLang="en-US" sz="1200" b="0" i="0" u="none" strike="noStrike" kern="1200" cap="none" spc="0" normalizeH="0" baseline="0" noProof="0">
               <a:ln>
@@ -2080,7 +2060,6 @@
                 <a:ea typeface="等线" panose="02010600030101010101" charset="-122"/>
                 <a:cs typeface="+mn-cs"/>
               </a:rPr>
-              <a:t>15</a:t>
             </a:fld>
             <a:endParaRPr kumimoji="0" lang="zh-CN" altLang="en-US" sz="1200" b="0" i="0" u="none" strike="noStrike" kern="1200" cap="none" spc="0" normalizeH="0" baseline="0" noProof="0">
               <a:ln>
@@ -2628,9 +2607,9 @@
                     <a:lumMod val="75000"/>
                   </a:schemeClr>
                 </a:solidFill>
-                <a:latin typeface="Montserrat Light" charset="0"/>
-                <a:ea typeface="Montserrat Light" charset="0"/>
-                <a:cs typeface="Montserrat Light" charset="0"/>
+                <a:latin typeface="Montserrat Light" panose="00000400000000000000" charset="0"/>
+                <a:ea typeface="Montserrat Light" panose="00000400000000000000" charset="0"/>
+                <a:cs typeface="Montserrat Light" panose="00000400000000000000" charset="0"/>
               </a:defRPr>
             </a:lvl1pPr>
           </a:lstStyle>
@@ -2673,9 +2652,9 @@
                     <a:lumMod val="75000"/>
                   </a:schemeClr>
                 </a:solidFill>
-                <a:latin typeface="Montserrat Light" charset="0"/>
-                <a:ea typeface="Montserrat Light" charset="0"/>
-                <a:cs typeface="Montserrat Light" charset="0"/>
+                <a:latin typeface="Montserrat Light" panose="00000400000000000000" charset="0"/>
+                <a:ea typeface="Montserrat Light" panose="00000400000000000000" charset="0"/>
+                <a:cs typeface="Montserrat Light" panose="00000400000000000000" charset="0"/>
               </a:defRPr>
             </a:lvl1pPr>
           </a:lstStyle>
@@ -2690,13 +2669,13 @@
   <p:clrMapOvr>
     <a:masterClrMapping/>
   </p:clrMapOvr>
-  <mc:AlternateContent xmlns:mc="http://schemas.openxmlformats.org/markup-compatibility/2006" xmlns:p14="http://schemas.microsoft.com/office/powerpoint/2010/main">
-    <mc:Choice Requires="p14">
+  <mc:AlternateContent xmlns:mc="http://schemas.openxmlformats.org/markup-compatibility/2006">
+    <mc:Choice xmlns:p14="http://schemas.microsoft.com/office/powerpoint/2010/main" Requires="p14">
       <p:transition spd="med" p14:dur="700" advClick="0" advTm="2000">
         <p:fade/>
       </p:transition>
     </mc:Choice>
-    <mc:Fallback xmlns="">
+    <mc:Fallback>
       <p:transition spd="med" advClick="0" advTm="2000">
         <p:fade/>
       </p:transition>
@@ -2760,13 +2739,13 @@
   <p:clrMapOvr>
     <a:masterClrMapping/>
   </p:clrMapOvr>
-  <mc:AlternateContent xmlns:mc="http://schemas.openxmlformats.org/markup-compatibility/2006" xmlns:p14="http://schemas.microsoft.com/office/powerpoint/2010/main">
-    <mc:Choice Requires="p14">
+  <mc:AlternateContent xmlns:mc="http://schemas.openxmlformats.org/markup-compatibility/2006">
+    <mc:Choice xmlns:p14="http://schemas.microsoft.com/office/powerpoint/2010/main" Requires="p14">
       <p:transition spd="med" p14:dur="700" advClick="0" advTm="2000">
         <p:fade/>
       </p:transition>
     </mc:Choice>
-    <mc:Fallback xmlns="">
+    <mc:Fallback>
       <p:transition spd="med" advClick="0" advTm="2000">
         <p:fade/>
       </p:transition>
@@ -3202,13 +3181,13 @@
   <p:clrMapOvr>
     <a:masterClrMapping/>
   </p:clrMapOvr>
-  <mc:AlternateContent xmlns:mc="http://schemas.openxmlformats.org/markup-compatibility/2006" xmlns:p14="http://schemas.microsoft.com/office/powerpoint/2010/main">
-    <mc:Choice Requires="p14">
+  <mc:AlternateContent xmlns:mc="http://schemas.openxmlformats.org/markup-compatibility/2006">
+    <mc:Choice xmlns:p14="http://schemas.microsoft.com/office/powerpoint/2010/main" Requires="p14">
       <p:transition spd="med" p14:dur="700" advClick="0" advTm="2000">
         <p:fade/>
       </p:transition>
     </mc:Choice>
-    <mc:Fallback xmlns="">
+    <mc:Fallback>
       <p:transition spd="med" advClick="0" advTm="2000">
         <p:fade/>
       </p:transition>
@@ -3378,7 +3357,7 @@
 </file>
 
 <file path=ppt/slideLayouts/slideLayout6.xml><?xml version="1.0" encoding="utf-8"?>
-<p:sldLayout xmlns:a="http://schemas.openxmlformats.org/drawingml/2006/main" xmlns:r="http://schemas.openxmlformats.org/officeDocument/2006/relationships" xmlns:p="http://schemas.openxmlformats.org/presentationml/2006/main" showMasterSp="0" preserve="1" userDrawn="1">
+<p:sldLayout xmlns:a="http://schemas.openxmlformats.org/drawingml/2006/main" xmlns:r="http://schemas.openxmlformats.org/officeDocument/2006/relationships" xmlns:p="http://schemas.openxmlformats.org/presentationml/2006/main" preserve="1" showMasterSp="0" userDrawn="1">
   <p:cSld name="自定义版式">
     <p:spTree>
       <p:nvGrpSpPr>
@@ -4365,7 +4344,7 @@
           <p:nvPr userDrawn="1"/>
         </p:nvPicPr>
         <p:blipFill>
-          <a:blip r:embed="rId16" cstate="print">
+          <a:blip r:embed="rId15" cstate="print">
             <a:extLst>
               <a:ext uri="{28A0092B-C50C-407E-A947-70E740481C1C}">
                 <a14:useLocalDpi xmlns:a14="http://schemas.microsoft.com/office/drawing/2010/main" val="0"/>
@@ -4395,7 +4374,7 @@
           <p:nvPr userDrawn="1"/>
         </p:nvPicPr>
         <p:blipFill>
-          <a:blip r:embed="rId16" cstate="print">
+          <a:blip r:embed="rId15" cstate="print">
             <a:extLst>
               <a:ext uri="{28A0092B-C50C-407E-A947-70E740481C1C}">
                 <a14:useLocalDpi xmlns:a14="http://schemas.microsoft.com/office/drawing/2010/main" val="0"/>
@@ -4772,6 +4751,12 @@
               </a:rPr>
               <a:t>Tips, guides, resources for imporving code quality </a:t>
             </a:r>
+            <a:endParaRPr lang="de-DE" sz="1400" dirty="0">
+              <a:latin typeface="Calibri" panose="020F0502020204030204" pitchFamily="34" charset="0"/>
+              <a:ea typeface="Calibri" panose="020F0502020204030204" pitchFamily="34" charset="0"/>
+              <a:cs typeface="Calibri" panose="020F0502020204030204" pitchFamily="34" charset="0"/>
+              <a:sym typeface="Arial" panose="020B0604020202020204" pitchFamily="34" charset="0"/>
+            </a:endParaRPr>
           </a:p>
           <a:p>
             <a:pPr algn="ctr"/>
@@ -4784,6 +4769,12 @@
               </a:rPr>
               <a:t>and life quality</a:t>
             </a:r>
+            <a:endParaRPr lang="de-DE" sz="1400" dirty="0">
+              <a:latin typeface="Calibri" panose="020F0502020204030204" pitchFamily="34" charset="0"/>
+              <a:ea typeface="Calibri" panose="020F0502020204030204" pitchFamily="34" charset="0"/>
+              <a:cs typeface="Calibri" panose="020F0502020204030204" pitchFamily="34" charset="0"/>
+              <a:sym typeface="Arial" panose="020B0604020202020204" pitchFamily="34" charset="0"/>
+            </a:endParaRPr>
           </a:p>
         </p:txBody>
       </p:sp>
@@ -4820,6 +4811,13 @@
               </a:rPr>
               <a:t>Coding Standardisation Tutorial</a:t>
             </a:r>
+            <a:endParaRPr lang="de-DE" altLang="zh-CN" sz="4000" b="1" spc="300" dirty="0">
+              <a:solidFill>
+                <a:schemeClr val="tx2"/>
+              </a:solidFill>
+              <a:ea typeface="Calibri" panose="020F0502020204030204" pitchFamily="34" charset="0"/>
+              <a:cs typeface="Calibri" panose="020F0502020204030204" pitchFamily="34" charset="0"/>
+            </a:endParaRPr>
           </a:p>
         </p:txBody>
       </p:sp>
@@ -4910,6 +4908,13 @@
               </a:rPr>
               <a:t>Mark Sen Dong </a:t>
             </a:r>
+            <a:endParaRPr lang="de-DE" altLang="zh-CN" sz="1400" dirty="0">
+              <a:solidFill>
+                <a:schemeClr val="tx2"/>
+              </a:solidFill>
+              <a:ea typeface="Calibri" panose="020F0502020204030204" pitchFamily="34" charset="0"/>
+              <a:cs typeface="Calibri" panose="020F0502020204030204" pitchFamily="34" charset="0"/>
+            </a:endParaRPr>
           </a:p>
           <a:p>
             <a:pPr algn="ctr"/>
@@ -4923,6 +4928,13 @@
               </a:rPr>
               <a:t>1 Jul 2019</a:t>
             </a:r>
+            <a:endParaRPr lang="de-DE" altLang="zh-CN" sz="1400" dirty="0">
+              <a:solidFill>
+                <a:schemeClr val="tx2"/>
+              </a:solidFill>
+              <a:ea typeface="Calibri" panose="020F0502020204030204" pitchFamily="34" charset="0"/>
+              <a:cs typeface="Calibri" panose="020F0502020204030204" pitchFamily="34" charset="0"/>
+            </a:endParaRPr>
           </a:p>
         </p:txBody>
       </p:sp>
@@ -4959,6 +4971,13 @@
               </a:rPr>
               <a:t>MATLAB</a:t>
             </a:r>
+            <a:endParaRPr lang="de-DE" altLang="zh-CN" sz="8000" b="1" dirty="0">
+              <a:solidFill>
+                <a:schemeClr val="accent1"/>
+              </a:solidFill>
+              <a:ea typeface="Calibri" panose="020F0502020204030204" pitchFamily="34" charset="0"/>
+              <a:cs typeface="Calibri" panose="020F0502020204030204" pitchFamily="34" charset="0"/>
+            </a:endParaRPr>
           </a:p>
         </p:txBody>
       </p:sp>
@@ -5050,6 +5069,13 @@
               </a:rPr>
               <a:t>3</a:t>
             </a:r>
+            <a:endParaRPr lang="de-DE" altLang="en-US" sz="4000" b="1" dirty="0">
+              <a:solidFill>
+                <a:schemeClr val="tx2"/>
+              </a:solidFill>
+              <a:ea typeface="Calibri" panose="020F0502020204030204" pitchFamily="34" charset="0"/>
+              <a:cs typeface="Calibri" panose="020F0502020204030204" pitchFamily="34" charset="0"/>
+            </a:endParaRPr>
           </a:p>
         </p:txBody>
       </p:sp>
@@ -5218,6 +5244,21 @@
               </a:rPr>
               <a:t>Initialize loop result variables immediately before the loop</a:t>
             </a:r>
+            <a:endParaRPr kumimoji="0" lang="en-US" sz="1400" b="1" i="0" u="none" strike="noStrike" kern="1200" cap="none" spc="0" normalizeH="0" baseline="0" noProof="0" dirty="0">
+              <a:ln>
+                <a:noFill/>
+              </a:ln>
+              <a:solidFill>
+                <a:srgbClr val="7F7F7F"/>
+              </a:solidFill>
+              <a:effectLst/>
+              <a:uLnTx/>
+              <a:uFillTx/>
+              <a:latin typeface="Calibri" panose="020F0502020204030204" pitchFamily="34" charset="0"/>
+              <a:ea typeface="Calibri" panose="020F0502020204030204" pitchFamily="34" charset="0"/>
+              <a:cs typeface="Calibri" panose="020F0502020204030204" pitchFamily="34" charset="0"/>
+              <a:sym typeface="Calibri" panose="020F0502020204030204" pitchFamily="34" charset="0"/>
+            </a:endParaRPr>
           </a:p>
           <a:p>
             <a:pPr marR="0" lvl="0" indent="0" algn="just" defTabSz="913765" rtl="0" eaLnBrk="1" fontAlgn="auto" latinLnBrk="0" hangingPunct="1">
@@ -5339,6 +5380,21 @@
               </a:rPr>
               <a:t>result = nan(nEntries,1);</a:t>
             </a:r>
+            <a:endParaRPr lang="de-DE" altLang="en-US" sz="1200" i="1" noProof="0" dirty="0">
+              <a:ln>
+                <a:noFill/>
+              </a:ln>
+              <a:solidFill>
+                <a:srgbClr val="7F7F7F"/>
+              </a:solidFill>
+              <a:effectLst/>
+              <a:uLnTx/>
+              <a:uFillTx/>
+              <a:latin typeface="Calibri" panose="020F0502020204030204" pitchFamily="34" charset="0"/>
+              <a:ea typeface="Calibri" panose="020F0502020204030204" pitchFamily="34" charset="0"/>
+              <a:cs typeface="Calibri" panose="020F0502020204030204" pitchFamily="34" charset="0"/>
+              <a:sym typeface="Calibri" panose="020F0502020204030204" pitchFamily="34" charset="0"/>
+            </a:endParaRPr>
           </a:p>
           <a:p>
             <a:pPr marR="0" lvl="1" indent="0" algn="just" defTabSz="913765" rtl="0" eaLnBrk="1" fontAlgn="auto" latinLnBrk="0" hangingPunct="1">
@@ -5374,6 +5430,21 @@
               </a:rPr>
               <a:t>for index = 1:nEntries</a:t>
             </a:r>
+            <a:endParaRPr lang="de-DE" altLang="en-US" sz="1200" i="1" noProof="0" dirty="0">
+              <a:ln>
+                <a:noFill/>
+              </a:ln>
+              <a:solidFill>
+                <a:srgbClr val="7F7F7F"/>
+              </a:solidFill>
+              <a:effectLst/>
+              <a:uLnTx/>
+              <a:uFillTx/>
+              <a:latin typeface="Calibri" panose="020F0502020204030204" pitchFamily="34" charset="0"/>
+              <a:ea typeface="Calibri" panose="020F0502020204030204" pitchFamily="34" charset="0"/>
+              <a:cs typeface="Calibri" panose="020F0502020204030204" pitchFamily="34" charset="0"/>
+              <a:sym typeface="Calibri" panose="020F0502020204030204" pitchFamily="34" charset="0"/>
+            </a:endParaRPr>
           </a:p>
           <a:p>
             <a:pPr marR="0" lvl="1" indent="0" algn="just" defTabSz="913765" rtl="0" eaLnBrk="1" fontAlgn="auto" latinLnBrk="0" hangingPunct="1">
@@ -5409,6 +5480,21 @@
               </a:rPr>
               <a:t>    result(index) = foo(index);</a:t>
             </a:r>
+            <a:endParaRPr lang="de-DE" altLang="en-US" sz="1200" i="1" noProof="0" dirty="0">
+              <a:ln>
+                <a:noFill/>
+              </a:ln>
+              <a:solidFill>
+                <a:srgbClr val="7F7F7F"/>
+              </a:solidFill>
+              <a:effectLst/>
+              <a:uLnTx/>
+              <a:uFillTx/>
+              <a:latin typeface="Calibri" panose="020F0502020204030204" pitchFamily="34" charset="0"/>
+              <a:ea typeface="Calibri" panose="020F0502020204030204" pitchFamily="34" charset="0"/>
+              <a:cs typeface="Calibri" panose="020F0502020204030204" pitchFamily="34" charset="0"/>
+              <a:sym typeface="Calibri" panose="020F0502020204030204" pitchFamily="34" charset="0"/>
+            </a:endParaRPr>
           </a:p>
           <a:p>
             <a:pPr marR="0" lvl="1" indent="0" algn="just" defTabSz="913765" rtl="0" eaLnBrk="1" fontAlgn="auto" latinLnBrk="0" hangingPunct="1">
@@ -5526,6 +5612,21 @@
               </a:rPr>
               <a:t>The end lines in nested loops can have identifying comments</a:t>
             </a:r>
+            <a:endParaRPr kumimoji="0" lang="de-DE" altLang="en-US" sz="1400" b="1" i="0" u="none" strike="noStrike" kern="1200" cap="none" spc="0" normalizeH="0" baseline="0" noProof="0" dirty="0">
+              <a:ln>
+                <a:noFill/>
+              </a:ln>
+              <a:solidFill>
+                <a:srgbClr val="7F7F7F"/>
+              </a:solidFill>
+              <a:effectLst/>
+              <a:uLnTx/>
+              <a:uFillTx/>
+              <a:latin typeface="Calibri" panose="020F0502020204030204" pitchFamily="34" charset="0"/>
+              <a:ea typeface="Calibri" panose="020F0502020204030204" pitchFamily="34" charset="0"/>
+              <a:cs typeface="Calibri" panose="020F0502020204030204" pitchFamily="34" charset="0"/>
+              <a:sym typeface="Calibri" panose="020F0502020204030204" pitchFamily="34" charset="0"/>
+            </a:endParaRPr>
           </a:p>
           <a:p>
             <a:pPr marR="0" lvl="0" indent="0" algn="just" defTabSz="913765" rtl="0" eaLnBrk="1" fontAlgn="auto" latinLnBrk="0" hangingPunct="1">
@@ -7672,6 +7773,21 @@
               </a:rPr>
               <a:t> Introduce temporary logical variables instead</a:t>
             </a:r>
+            <a:endParaRPr kumimoji="0" lang="en-US" sz="1400" b="1" i="0" u="none" strike="noStrike" kern="1200" cap="none" spc="0" normalizeH="0" baseline="0" noProof="0" dirty="0">
+              <a:ln>
+                <a:noFill/>
+              </a:ln>
+              <a:solidFill>
+                <a:srgbClr val="7F7F7F"/>
+              </a:solidFill>
+              <a:effectLst/>
+              <a:uLnTx/>
+              <a:uFillTx/>
+              <a:latin typeface="Calibri" panose="020F0502020204030204" pitchFamily="34" charset="0"/>
+              <a:ea typeface="Calibri" panose="020F0502020204030204" pitchFamily="34" charset="0"/>
+              <a:cs typeface="Calibri" panose="020F0502020204030204" pitchFamily="34" charset="0"/>
+              <a:sym typeface="Calibri" panose="020F0502020204030204" pitchFamily="34" charset="0"/>
+            </a:endParaRPr>
           </a:p>
           <a:p>
             <a:pPr marR="0" lvl="1" indent="0" algn="just" defTabSz="913765" rtl="0" eaLnBrk="1" fontAlgn="auto" latinLnBrk="0" hangingPunct="1">
@@ -7707,6 +7823,21 @@
               </a:rPr>
               <a:t>if (value&gt;=lowerLimit) &amp; (value&lt;=upperLimit) &amp; ~ismember(value,… valueArray):</a:t>
             </a:r>
+            <a:endParaRPr kumimoji="0" sz="1200" i="1" u="none" strike="noStrike" kern="1200" cap="none" spc="0" normalizeH="0" baseline="0" noProof="0" dirty="0">
+              <a:ln>
+                <a:noFill/>
+              </a:ln>
+              <a:solidFill>
+                <a:srgbClr val="7F7F7F"/>
+              </a:solidFill>
+              <a:effectLst/>
+              <a:uLnTx/>
+              <a:uFillTx/>
+              <a:latin typeface="Calibri" panose="020F0502020204030204" pitchFamily="34" charset="0"/>
+              <a:ea typeface="Calibri" panose="020F0502020204030204" pitchFamily="34" charset="0"/>
+              <a:cs typeface="Calibri" panose="020F0502020204030204" pitchFamily="34" charset="0"/>
+              <a:sym typeface="Calibri" panose="020F0502020204030204" pitchFamily="34" charset="0"/>
+            </a:endParaRPr>
           </a:p>
           <a:p>
             <a:pPr marR="0" lvl="1" indent="0" algn="just" defTabSz="913765" rtl="0" eaLnBrk="1" fontAlgn="auto" latinLnBrk="0" hangingPunct="1">
@@ -7742,6 +7873,21 @@
               </a:rPr>
               <a:t>    end</a:t>
             </a:r>
+            <a:endParaRPr kumimoji="0" sz="1200" i="1" u="none" strike="noStrike" kern="1200" cap="none" spc="0" normalizeH="0" baseline="0" noProof="0" dirty="0">
+              <a:ln>
+                <a:noFill/>
+              </a:ln>
+              <a:solidFill>
+                <a:srgbClr val="7F7F7F"/>
+              </a:solidFill>
+              <a:effectLst/>
+              <a:uLnTx/>
+              <a:uFillTx/>
+              <a:latin typeface="Calibri" panose="020F0502020204030204" pitchFamily="34" charset="0"/>
+              <a:ea typeface="Calibri" panose="020F0502020204030204" pitchFamily="34" charset="0"/>
+              <a:cs typeface="Calibri" panose="020F0502020204030204" pitchFamily="34" charset="0"/>
+              <a:sym typeface="Calibri" panose="020F0502020204030204" pitchFamily="34" charset="0"/>
+            </a:endParaRPr>
           </a:p>
           <a:p>
             <a:pPr marR="0" lvl="0" indent="0" algn="just" defTabSz="913765" rtl="0" eaLnBrk="1" fontAlgn="auto" latinLnBrk="0" hangingPunct="1">
@@ -7827,6 +7973,21 @@
               </a:rPr>
               <a:t>isValid = (value &gt;= lowerLimit) &amp;(value &lt;= upperLimit);</a:t>
             </a:r>
+            <a:endParaRPr kumimoji="0" sz="1200" i="1" u="none" strike="noStrike" kern="1200" cap="none" spc="0" normalizeH="0" baseline="0" noProof="0" dirty="0">
+              <a:ln>
+                <a:noFill/>
+              </a:ln>
+              <a:solidFill>
+                <a:srgbClr val="7F7F7F"/>
+              </a:solidFill>
+              <a:effectLst/>
+              <a:uLnTx/>
+              <a:uFillTx/>
+              <a:latin typeface="Calibri" panose="020F0502020204030204" pitchFamily="34" charset="0"/>
+              <a:ea typeface="Calibri" panose="020F0502020204030204" pitchFamily="34" charset="0"/>
+              <a:cs typeface="Calibri" panose="020F0502020204030204" pitchFamily="34" charset="0"/>
+              <a:sym typeface="Calibri" panose="020F0502020204030204" pitchFamily="34" charset="0"/>
+            </a:endParaRPr>
           </a:p>
           <a:p>
             <a:pPr marR="0" lvl="1" indent="0" algn="just" defTabSz="913765" rtl="0" eaLnBrk="1" fontAlgn="auto" latinLnBrk="0" hangingPunct="1">
@@ -7862,6 +8023,21 @@
               </a:rPr>
               <a:t>isNew = ~ismember(value, valueArray);</a:t>
             </a:r>
+            <a:endParaRPr kumimoji="0" sz="1200" i="1" u="none" strike="noStrike" kern="1200" cap="none" spc="0" normalizeH="0" baseline="0" noProof="0" dirty="0">
+              <a:ln>
+                <a:noFill/>
+              </a:ln>
+              <a:solidFill>
+                <a:srgbClr val="7F7F7F"/>
+              </a:solidFill>
+              <a:effectLst/>
+              <a:uLnTx/>
+              <a:uFillTx/>
+              <a:latin typeface="Calibri" panose="020F0502020204030204" pitchFamily="34" charset="0"/>
+              <a:ea typeface="Calibri" panose="020F0502020204030204" pitchFamily="34" charset="0"/>
+              <a:cs typeface="Calibri" panose="020F0502020204030204" pitchFamily="34" charset="0"/>
+              <a:sym typeface="Calibri" panose="020F0502020204030204" pitchFamily="34" charset="0"/>
+            </a:endParaRPr>
           </a:p>
           <a:p>
             <a:pPr marR="0" lvl="1" indent="0" algn="just" defTabSz="913765" rtl="0" eaLnBrk="1" fontAlgn="auto" latinLnBrk="0" hangingPunct="1">
@@ -7897,6 +8073,21 @@
               </a:rPr>
               <a:t>if (isValid &amp; isNew):</a:t>
             </a:r>
+            <a:endParaRPr kumimoji="0" sz="1200" i="1" u="none" strike="noStrike" kern="1200" cap="none" spc="0" normalizeH="0" baseline="0" noProof="0" dirty="0">
+              <a:ln>
+                <a:noFill/>
+              </a:ln>
+              <a:solidFill>
+                <a:srgbClr val="7F7F7F"/>
+              </a:solidFill>
+              <a:effectLst/>
+              <a:uLnTx/>
+              <a:uFillTx/>
+              <a:latin typeface="Calibri" panose="020F0502020204030204" pitchFamily="34" charset="0"/>
+              <a:ea typeface="Calibri" panose="020F0502020204030204" pitchFamily="34" charset="0"/>
+              <a:cs typeface="Calibri" panose="020F0502020204030204" pitchFamily="34" charset="0"/>
+              <a:sym typeface="Calibri" panose="020F0502020204030204" pitchFamily="34" charset="0"/>
+            </a:endParaRPr>
           </a:p>
           <a:p>
             <a:pPr marR="0" lvl="1" indent="0" algn="just" defTabSz="913765" rtl="0" eaLnBrk="1" fontAlgn="auto" latinLnBrk="0" hangingPunct="1">
@@ -7932,6 +8123,21 @@
               </a:rPr>
               <a:t>    end</a:t>
             </a:r>
+            <a:endParaRPr kumimoji="0" sz="1200" i="1" u="none" strike="noStrike" kern="1200" cap="none" spc="0" normalizeH="0" baseline="0" noProof="0" dirty="0">
+              <a:ln>
+                <a:noFill/>
+              </a:ln>
+              <a:solidFill>
+                <a:srgbClr val="7F7F7F"/>
+              </a:solidFill>
+              <a:effectLst/>
+              <a:uLnTx/>
+              <a:uFillTx/>
+              <a:latin typeface="Calibri" panose="020F0502020204030204" pitchFamily="34" charset="0"/>
+              <a:ea typeface="Calibri" panose="020F0502020204030204" pitchFamily="34" charset="0"/>
+              <a:cs typeface="Calibri" panose="020F0502020204030204" pitchFamily="34" charset="0"/>
+              <a:sym typeface="Calibri" panose="020F0502020204030204" pitchFamily="34" charset="0"/>
+            </a:endParaRPr>
           </a:p>
           <a:p>
             <a:pPr marR="0" lvl="0" indent="0" algn="just" defTabSz="913765" rtl="0" eaLnBrk="1" fontAlgn="auto" latinLnBrk="0" hangingPunct="1">
@@ -7999,6 +8205,21 @@
               </a:rPr>
               <a:t>Put the usual case in the if-part and the unusual in the else-part of an if else statement</a:t>
             </a:r>
+            <a:endParaRPr kumimoji="0" lang="de-DE" altLang="en-US" sz="1400" b="1" i="0" u="none" strike="noStrike" kern="1200" cap="none" spc="0" normalizeH="0" baseline="0" noProof="0" dirty="0">
+              <a:ln>
+                <a:noFill/>
+              </a:ln>
+              <a:solidFill>
+                <a:srgbClr val="7F7F7F"/>
+              </a:solidFill>
+              <a:effectLst/>
+              <a:uLnTx/>
+              <a:uFillTx/>
+              <a:latin typeface="Calibri" panose="020F0502020204030204" pitchFamily="34" charset="0"/>
+              <a:ea typeface="Calibri" panose="020F0502020204030204" pitchFamily="34" charset="0"/>
+              <a:cs typeface="Calibri" panose="020F0502020204030204" pitchFamily="34" charset="0"/>
+              <a:sym typeface="Calibri" panose="020F0502020204030204" pitchFamily="34" charset="0"/>
+            </a:endParaRPr>
           </a:p>
           <a:p>
             <a:pPr marR="0" lvl="0" indent="0" algn="just" defTabSz="913765" rtl="0" eaLnBrk="1" fontAlgn="auto" latinLnBrk="0" hangingPunct="1">
@@ -8084,6 +8305,21 @@
               </a:rPr>
               <a:t>fid = fopen(fileName);</a:t>
             </a:r>
+            <a:endParaRPr lang="de-DE" altLang="en-US" sz="1200" i="1" noProof="0" dirty="0">
+              <a:ln>
+                <a:noFill/>
+              </a:ln>
+              <a:solidFill>
+                <a:srgbClr val="7F7F7F"/>
+              </a:solidFill>
+              <a:effectLst/>
+              <a:uLnTx/>
+              <a:uFillTx/>
+              <a:latin typeface="Calibri" panose="020F0502020204030204" pitchFamily="34" charset="0"/>
+              <a:ea typeface="Calibri" panose="020F0502020204030204" pitchFamily="34" charset="0"/>
+              <a:cs typeface="Calibri" panose="020F0502020204030204" pitchFamily="34" charset="0"/>
+              <a:sym typeface="Calibri" panose="020F0502020204030204" pitchFamily="34" charset="0"/>
+            </a:endParaRPr>
           </a:p>
           <a:p>
             <a:pPr marR="0" lvl="1" indent="0" algn="just" defTabSz="913765" rtl="0" eaLnBrk="1" fontAlgn="auto" latinLnBrk="0" hangingPunct="1">
@@ -8119,6 +8355,21 @@
               </a:rPr>
               <a:t>if (fid~=-1)</a:t>
             </a:r>
+            <a:endParaRPr lang="de-DE" altLang="en-US" sz="1200" i="1" noProof="0" dirty="0">
+              <a:ln>
+                <a:noFill/>
+              </a:ln>
+              <a:solidFill>
+                <a:srgbClr val="7F7F7F"/>
+              </a:solidFill>
+              <a:effectLst/>
+              <a:uLnTx/>
+              <a:uFillTx/>
+              <a:latin typeface="Calibri" panose="020F0502020204030204" pitchFamily="34" charset="0"/>
+              <a:ea typeface="Calibri" panose="020F0502020204030204" pitchFamily="34" charset="0"/>
+              <a:cs typeface="Calibri" panose="020F0502020204030204" pitchFamily="34" charset="0"/>
+              <a:sym typeface="Calibri" panose="020F0502020204030204" pitchFamily="34" charset="0"/>
+            </a:endParaRPr>
           </a:p>
           <a:p>
             <a:pPr marR="0" lvl="1" indent="0" algn="just" defTabSz="913765" rtl="0" eaLnBrk="1" fontAlgn="auto" latinLnBrk="0" hangingPunct="1">
@@ -8154,6 +8405,21 @@
               </a:rPr>
               <a:t>:</a:t>
             </a:r>
+            <a:endParaRPr lang="de-DE" altLang="en-US" sz="1200" i="1" noProof="0" dirty="0">
+              <a:ln>
+                <a:noFill/>
+              </a:ln>
+              <a:solidFill>
+                <a:srgbClr val="7F7F7F"/>
+              </a:solidFill>
+              <a:effectLst/>
+              <a:uLnTx/>
+              <a:uFillTx/>
+              <a:latin typeface="Calibri" panose="020F0502020204030204" pitchFamily="34" charset="0"/>
+              <a:ea typeface="Calibri" panose="020F0502020204030204" pitchFamily="34" charset="0"/>
+              <a:cs typeface="Calibri" panose="020F0502020204030204" pitchFamily="34" charset="0"/>
+              <a:sym typeface="Calibri" panose="020F0502020204030204" pitchFamily="34" charset="0"/>
+            </a:endParaRPr>
           </a:p>
           <a:p>
             <a:pPr marR="0" lvl="1" indent="0" algn="just" defTabSz="913765" rtl="0" eaLnBrk="1" fontAlgn="auto" latinLnBrk="0" hangingPunct="1">
@@ -8189,6 +8455,21 @@
               </a:rPr>
               <a:t>else</a:t>
             </a:r>
+            <a:endParaRPr lang="de-DE" altLang="en-US" sz="1200" i="1" noProof="0" dirty="0">
+              <a:ln>
+                <a:noFill/>
+              </a:ln>
+              <a:solidFill>
+                <a:srgbClr val="7F7F7F"/>
+              </a:solidFill>
+              <a:effectLst/>
+              <a:uLnTx/>
+              <a:uFillTx/>
+              <a:latin typeface="Calibri" panose="020F0502020204030204" pitchFamily="34" charset="0"/>
+              <a:ea typeface="Calibri" panose="020F0502020204030204" pitchFamily="34" charset="0"/>
+              <a:cs typeface="Calibri" panose="020F0502020204030204" pitchFamily="34" charset="0"/>
+              <a:sym typeface="Calibri" panose="020F0502020204030204" pitchFamily="34" charset="0"/>
+            </a:endParaRPr>
           </a:p>
           <a:p>
             <a:pPr marR="0" lvl="1" indent="0" algn="just" defTabSz="913765" rtl="0" eaLnBrk="1" fontAlgn="auto" latinLnBrk="0" hangingPunct="1">
@@ -8224,6 +8505,21 @@
               </a:rPr>
               <a:t>:</a:t>
             </a:r>
+            <a:endParaRPr lang="de-DE" altLang="en-US" sz="1200" i="1" noProof="0" dirty="0">
+              <a:ln>
+                <a:noFill/>
+              </a:ln>
+              <a:solidFill>
+                <a:srgbClr val="7F7F7F"/>
+              </a:solidFill>
+              <a:effectLst/>
+              <a:uLnTx/>
+              <a:uFillTx/>
+              <a:latin typeface="Calibri" panose="020F0502020204030204" pitchFamily="34" charset="0"/>
+              <a:ea typeface="Calibri" panose="020F0502020204030204" pitchFamily="34" charset="0"/>
+              <a:cs typeface="Calibri" panose="020F0502020204030204" pitchFamily="34" charset="0"/>
+              <a:sym typeface="Calibri" panose="020F0502020204030204" pitchFamily="34" charset="0"/>
+            </a:endParaRPr>
           </a:p>
           <a:p>
             <a:pPr marR="0" lvl="1" indent="0" algn="just" defTabSz="913765" rtl="0" eaLnBrk="1" fontAlgn="auto" latinLnBrk="0" hangingPunct="1">
@@ -8259,6 +8555,21 @@
               </a:rPr>
               <a:t>end</a:t>
             </a:r>
+            <a:endParaRPr lang="de-DE" altLang="en-US" sz="1200" i="1" noProof="0" dirty="0">
+              <a:ln>
+                <a:noFill/>
+              </a:ln>
+              <a:solidFill>
+                <a:srgbClr val="7F7F7F"/>
+              </a:solidFill>
+              <a:effectLst/>
+              <a:uLnTx/>
+              <a:uFillTx/>
+              <a:latin typeface="Calibri" panose="020F0502020204030204" pitchFamily="34" charset="0"/>
+              <a:ea typeface="Calibri" panose="020F0502020204030204" pitchFamily="34" charset="0"/>
+              <a:cs typeface="Calibri" panose="020F0502020204030204" pitchFamily="34" charset="0"/>
+              <a:sym typeface="Calibri" panose="020F0502020204030204" pitchFamily="34" charset="0"/>
+            </a:endParaRPr>
           </a:p>
           <a:p>
             <a:pPr marR="0" lvl="1" indent="0" algn="just" defTabSz="913765" rtl="0" eaLnBrk="1" fontAlgn="auto" latinLnBrk="0" hangingPunct="1">
@@ -8326,6 +8637,21 @@
               </a:rPr>
               <a:t>A switch statement should include the otherwise condition</a:t>
             </a:r>
+            <a:endParaRPr lang="de-DE" altLang="en-US" sz="1400" b="1" noProof="0" dirty="0">
+              <a:ln>
+                <a:noFill/>
+              </a:ln>
+              <a:solidFill>
+                <a:srgbClr val="7F7F7F"/>
+              </a:solidFill>
+              <a:effectLst/>
+              <a:uLnTx/>
+              <a:uFillTx/>
+              <a:latin typeface="Calibri" panose="020F0502020204030204" pitchFamily="34" charset="0"/>
+              <a:ea typeface="Calibri" panose="020F0502020204030204" pitchFamily="34" charset="0"/>
+              <a:cs typeface="Calibri" panose="020F0502020204030204" pitchFamily="34" charset="0"/>
+              <a:sym typeface="Calibri" panose="020F0502020204030204" pitchFamily="34" charset="0"/>
+            </a:endParaRPr>
           </a:p>
           <a:p>
             <a:pPr marR="0" lvl="1" indent="0" algn="just" defTabSz="913765" rtl="0" eaLnBrk="1" fontAlgn="auto" latinLnBrk="0" hangingPunct="1">
@@ -8361,6 +8687,21 @@
               </a:rPr>
               <a:t>switch (condition)</a:t>
             </a:r>
+            <a:endParaRPr lang="de-DE" altLang="en-US" sz="1200" i="1" noProof="0" dirty="0">
+              <a:ln>
+                <a:noFill/>
+              </a:ln>
+              <a:solidFill>
+                <a:srgbClr val="7F7F7F"/>
+              </a:solidFill>
+              <a:effectLst/>
+              <a:uLnTx/>
+              <a:uFillTx/>
+              <a:latin typeface="Calibri" panose="020F0502020204030204" pitchFamily="34" charset="0"/>
+              <a:ea typeface="Calibri" panose="020F0502020204030204" pitchFamily="34" charset="0"/>
+              <a:cs typeface="Calibri" panose="020F0502020204030204" pitchFamily="34" charset="0"/>
+              <a:sym typeface="Calibri" panose="020F0502020204030204" pitchFamily="34" charset="0"/>
+            </a:endParaRPr>
           </a:p>
           <a:p>
             <a:pPr marR="0" lvl="1" indent="0" algn="just" defTabSz="913765" rtl="0" eaLnBrk="1" fontAlgn="auto" latinLnBrk="0" hangingPunct="1">
@@ -8396,6 +8737,21 @@
               </a:rPr>
               <a:t>case ABC</a:t>
             </a:r>
+            <a:endParaRPr lang="de-DE" altLang="en-US" sz="1200" i="1" noProof="0" dirty="0">
+              <a:ln>
+                <a:noFill/>
+              </a:ln>
+              <a:solidFill>
+                <a:srgbClr val="7F7F7F"/>
+              </a:solidFill>
+              <a:effectLst/>
+              <a:uLnTx/>
+              <a:uFillTx/>
+              <a:latin typeface="Calibri" panose="020F0502020204030204" pitchFamily="34" charset="0"/>
+              <a:ea typeface="Calibri" panose="020F0502020204030204" pitchFamily="34" charset="0"/>
+              <a:cs typeface="Calibri" panose="020F0502020204030204" pitchFamily="34" charset="0"/>
+              <a:sym typeface="Calibri" panose="020F0502020204030204" pitchFamily="34" charset="0"/>
+            </a:endParaRPr>
           </a:p>
           <a:p>
             <a:pPr marR="0" lvl="1" indent="0" algn="just" defTabSz="913765" rtl="0" eaLnBrk="1" fontAlgn="auto" latinLnBrk="0" hangingPunct="1">
@@ -8431,6 +8787,21 @@
               </a:rPr>
               <a:t>    statements;</a:t>
             </a:r>
+            <a:endParaRPr lang="de-DE" altLang="en-US" sz="1200" i="1" noProof="0" dirty="0">
+              <a:ln>
+                <a:noFill/>
+              </a:ln>
+              <a:solidFill>
+                <a:srgbClr val="7F7F7F"/>
+              </a:solidFill>
+              <a:effectLst/>
+              <a:uLnTx/>
+              <a:uFillTx/>
+              <a:latin typeface="Calibri" panose="020F0502020204030204" pitchFamily="34" charset="0"/>
+              <a:ea typeface="Calibri" panose="020F0502020204030204" pitchFamily="34" charset="0"/>
+              <a:cs typeface="Calibri" panose="020F0502020204030204" pitchFamily="34" charset="0"/>
+              <a:sym typeface="Calibri" panose="020F0502020204030204" pitchFamily="34" charset="0"/>
+            </a:endParaRPr>
           </a:p>
           <a:p>
             <a:pPr marR="0" lvl="1" indent="0" algn="just" defTabSz="913765" rtl="0" eaLnBrk="1" fontAlgn="auto" latinLnBrk="0" hangingPunct="1">
@@ -8466,6 +8837,21 @@
               </a:rPr>
               <a:t>case DEF</a:t>
             </a:r>
+            <a:endParaRPr lang="de-DE" altLang="en-US" sz="1200" i="1" noProof="0" dirty="0">
+              <a:ln>
+                <a:noFill/>
+              </a:ln>
+              <a:solidFill>
+                <a:srgbClr val="7F7F7F"/>
+              </a:solidFill>
+              <a:effectLst/>
+              <a:uLnTx/>
+              <a:uFillTx/>
+              <a:latin typeface="Calibri" panose="020F0502020204030204" pitchFamily="34" charset="0"/>
+              <a:ea typeface="Calibri" panose="020F0502020204030204" pitchFamily="34" charset="0"/>
+              <a:cs typeface="Calibri" panose="020F0502020204030204" pitchFamily="34" charset="0"/>
+              <a:sym typeface="Calibri" panose="020F0502020204030204" pitchFamily="34" charset="0"/>
+            </a:endParaRPr>
           </a:p>
           <a:p>
             <a:pPr marR="0" lvl="1" indent="0" algn="just" defTabSz="913765" rtl="0" eaLnBrk="1" fontAlgn="auto" latinLnBrk="0" hangingPunct="1">
@@ -8501,6 +8887,21 @@
               </a:rPr>
               <a:t>    statements;</a:t>
             </a:r>
+            <a:endParaRPr lang="de-DE" altLang="en-US" sz="1200" i="1" noProof="0" dirty="0">
+              <a:ln>
+                <a:noFill/>
+              </a:ln>
+              <a:solidFill>
+                <a:srgbClr val="7F7F7F"/>
+              </a:solidFill>
+              <a:effectLst/>
+              <a:uLnTx/>
+              <a:uFillTx/>
+              <a:latin typeface="Calibri" panose="020F0502020204030204" pitchFamily="34" charset="0"/>
+              <a:ea typeface="Calibri" panose="020F0502020204030204" pitchFamily="34" charset="0"/>
+              <a:cs typeface="Calibri" panose="020F0502020204030204" pitchFamily="34" charset="0"/>
+              <a:sym typeface="Calibri" panose="020F0502020204030204" pitchFamily="34" charset="0"/>
+            </a:endParaRPr>
           </a:p>
           <a:p>
             <a:pPr marR="0" lvl="1" indent="0" algn="just" defTabSz="913765" rtl="0" eaLnBrk="1" fontAlgn="auto" latinLnBrk="0" hangingPunct="1">
@@ -8536,6 +8937,21 @@
               </a:rPr>
               <a:t>otherwise</a:t>
             </a:r>
+            <a:endParaRPr lang="de-DE" altLang="en-US" sz="1200" i="1" noProof="0" dirty="0">
+              <a:ln>
+                <a:noFill/>
+              </a:ln>
+              <a:solidFill>
+                <a:srgbClr val="7F7F7F"/>
+              </a:solidFill>
+              <a:effectLst/>
+              <a:uLnTx/>
+              <a:uFillTx/>
+              <a:latin typeface="Calibri" panose="020F0502020204030204" pitchFamily="34" charset="0"/>
+              <a:ea typeface="Calibri" panose="020F0502020204030204" pitchFamily="34" charset="0"/>
+              <a:cs typeface="Calibri" panose="020F0502020204030204" pitchFamily="34" charset="0"/>
+              <a:sym typeface="Calibri" panose="020F0502020204030204" pitchFamily="34" charset="0"/>
+            </a:endParaRPr>
           </a:p>
           <a:p>
             <a:pPr marR="0" lvl="1" indent="0" algn="just" defTabSz="913765" rtl="0" eaLnBrk="1" fontAlgn="auto" latinLnBrk="0" hangingPunct="1">
@@ -8571,6 +8987,21 @@
               </a:rPr>
               <a:t>    statements;</a:t>
             </a:r>
+            <a:endParaRPr lang="de-DE" altLang="en-US" sz="1200" i="1" noProof="0" dirty="0">
+              <a:ln>
+                <a:noFill/>
+              </a:ln>
+              <a:solidFill>
+                <a:srgbClr val="7F7F7F"/>
+              </a:solidFill>
+              <a:effectLst/>
+              <a:uLnTx/>
+              <a:uFillTx/>
+              <a:latin typeface="Calibri" panose="020F0502020204030204" pitchFamily="34" charset="0"/>
+              <a:ea typeface="Calibri" panose="020F0502020204030204" pitchFamily="34" charset="0"/>
+              <a:cs typeface="Calibri" panose="020F0502020204030204" pitchFamily="34" charset="0"/>
+              <a:sym typeface="Calibri" panose="020F0502020204030204" pitchFamily="34" charset="0"/>
+            </a:endParaRPr>
           </a:p>
           <a:p>
             <a:pPr marR="0" lvl="1" indent="0" algn="just" defTabSz="913765" rtl="0" eaLnBrk="1" fontAlgn="auto" latinLnBrk="0" hangingPunct="1">
@@ -8814,6 +9245,21 @@
               </a:rPr>
               <a:t>variable</a:t>
             </a:r>
+            <a:endParaRPr lang="de-DE" altLang="en-US" sz="1400" b="1" noProof="0" dirty="0">
+              <a:ln>
+                <a:noFill/>
+              </a:ln>
+              <a:solidFill>
+                <a:srgbClr val="00B050"/>
+              </a:solidFill>
+              <a:effectLst/>
+              <a:uLnTx/>
+              <a:uFillTx/>
+              <a:latin typeface="Calibri" panose="020F0502020204030204" pitchFamily="34" charset="0"/>
+              <a:ea typeface="Calibri" panose="020F0502020204030204" pitchFamily="34" charset="0"/>
+              <a:cs typeface="Calibri" panose="020F0502020204030204" pitchFamily="34" charset="0"/>
+              <a:sym typeface="Calibri" panose="020F0502020204030204" pitchFamily="34" charset="0"/>
+            </a:endParaRPr>
           </a:p>
         </p:txBody>
       </p:sp>
@@ -10404,6 +10850,21 @@
               </a:rPr>
               <a:t>Minimize the use of numbers in expressions, use constants instead</a:t>
             </a:r>
+            <a:endParaRPr kumimoji="0" lang="de-DE" altLang="en-US" sz="1400" b="1" i="0" u="none" strike="noStrike" kern="1200" cap="none" spc="0" normalizeH="0" baseline="0" noProof="0" dirty="0">
+              <a:ln>
+                <a:noFill/>
+              </a:ln>
+              <a:solidFill>
+                <a:srgbClr val="7F7F7F"/>
+              </a:solidFill>
+              <a:effectLst/>
+              <a:uLnTx/>
+              <a:uFillTx/>
+              <a:latin typeface="Calibri" panose="020F0502020204030204" pitchFamily="34" charset="0"/>
+              <a:ea typeface="Calibri" panose="020F0502020204030204" pitchFamily="34" charset="0"/>
+              <a:cs typeface="Calibri" panose="020F0502020204030204" pitchFamily="34" charset="0"/>
+              <a:sym typeface="Calibri" panose="020F0502020204030204" pitchFamily="34" charset="0"/>
+            </a:endParaRPr>
           </a:p>
           <a:p>
             <a:pPr marR="0" lvl="0" indent="0" algn="just" defTabSz="913765" rtl="0" eaLnBrk="1" fontAlgn="auto" latinLnBrk="0" hangingPunct="1">
@@ -10504,6 +10965,24 @@
               <a:defRPr/>
             </a:pPr>
             <a:r>
+              <a:rPr lang="en-US" altLang="de-DE" sz="1400" b="1" noProof="0" dirty="0">
+                <a:ln>
+                  <a:noFill/>
+                </a:ln>
+                <a:solidFill>
+                  <a:srgbClr val="7F7F7F"/>
+                </a:solidFill>
+                <a:effectLst/>
+                <a:uLnTx/>
+                <a:uFillTx/>
+                <a:latin typeface="Calibri" panose="020F0502020204030204" pitchFamily="34" charset="0"/>
+                <a:ea typeface="Calibri" panose="020F0502020204030204" pitchFamily="34" charset="0"/>
+                <a:cs typeface="Calibri" panose="020F0502020204030204" pitchFamily="34" charset="0"/>
+                <a:sym typeface="Calibri" panose="020F0502020204030204" pitchFamily="34" charset="0"/>
+              </a:rPr>
+              <a:t>Be</a:t>
+            </a:r>
+            <a:r>
               <a:rPr lang="de-DE" altLang="en-US" sz="1400" b="1" noProof="0" dirty="0">
                 <a:ln>
                   <a:noFill/>
@@ -10519,8 +10998,59 @@
                 <a:cs typeface="Calibri" panose="020F0502020204030204" pitchFamily="34" charset="0"/>
                 <a:sym typeface="Calibri" panose="020F0502020204030204" pitchFamily="34" charset="0"/>
               </a:rPr>
-              <a:t>Use caution with floating point comparisons</a:t>
+              <a:t> cautio</a:t>
             </a:r>
+            <a:r>
+              <a:rPr lang="en-US" altLang="de-DE" sz="1400" b="1" noProof="0" dirty="0">
+                <a:ln>
+                  <a:noFill/>
+                </a:ln>
+                <a:solidFill>
+                  <a:srgbClr val="7F7F7F"/>
+                </a:solidFill>
+                <a:effectLst/>
+                <a:uLnTx/>
+                <a:uFillTx/>
+                <a:latin typeface="Calibri" panose="020F0502020204030204" pitchFamily="34" charset="0"/>
+                <a:ea typeface="Calibri" panose="020F0502020204030204" pitchFamily="34" charset="0"/>
+                <a:cs typeface="Calibri" panose="020F0502020204030204" pitchFamily="34" charset="0"/>
+                <a:sym typeface="Calibri" panose="020F0502020204030204" pitchFamily="34" charset="0"/>
+              </a:rPr>
+              <a:t>us</a:t>
+            </a:r>
+            <a:r>
+              <a:rPr lang="de-DE" altLang="en-US" sz="1400" b="1" noProof="0" dirty="0">
+                <a:ln>
+                  <a:noFill/>
+                </a:ln>
+                <a:solidFill>
+                  <a:srgbClr val="7F7F7F"/>
+                </a:solidFill>
+                <a:effectLst/>
+                <a:uLnTx/>
+                <a:uFillTx/>
+                <a:latin typeface="Calibri" panose="020F0502020204030204" pitchFamily="34" charset="0"/>
+                <a:ea typeface="Calibri" panose="020F0502020204030204" pitchFamily="34" charset="0"/>
+                <a:cs typeface="Calibri" panose="020F0502020204030204" pitchFamily="34" charset="0"/>
+                <a:sym typeface="Calibri" panose="020F0502020204030204" pitchFamily="34" charset="0"/>
+              </a:rPr>
+              <a:t> with floating point comparisons</a:t>
+            </a:r>
+            <a:endParaRPr lang="de-DE" altLang="en-US" sz="1400" b="1" noProof="0" dirty="0">
+              <a:ln>
+                <a:noFill/>
+              </a:ln>
+              <a:solidFill>
+                <a:srgbClr val="7F7F7F"/>
+              </a:solidFill>
+              <a:effectLst/>
+              <a:uLnTx/>
+              <a:uFillTx/>
+              <a:latin typeface="Calibri" panose="020F0502020204030204" pitchFamily="34" charset="0"/>
+              <a:ea typeface="Calibri" panose="020F0502020204030204" pitchFamily="34" charset="0"/>
+              <a:cs typeface="Calibri" panose="020F0502020204030204" pitchFamily="34" charset="0"/>
+              <a:sym typeface="Calibri" panose="020F0502020204030204" pitchFamily="34" charset="0"/>
+            </a:endParaRPr>
           </a:p>
           <a:p>
             <a:pPr marR="0" lvl="0" indent="0" algn="just" defTabSz="913765" rtl="0" eaLnBrk="1" fontAlgn="auto" latinLnBrk="0" hangingPunct="1">
@@ -10556,6 +11086,21 @@
               </a:rPr>
               <a:t>Binary representation of decimal numbers (float) can be inaccurate.</a:t>
             </a:r>
+            <a:endParaRPr lang="de-DE" altLang="en-US" sz="1200" noProof="0" dirty="0">
+              <a:ln>
+                <a:noFill/>
+              </a:ln>
+              <a:solidFill>
+                <a:srgbClr val="7F7F7F"/>
+              </a:solidFill>
+              <a:effectLst/>
+              <a:uLnTx/>
+              <a:uFillTx/>
+              <a:latin typeface="Calibri" panose="020F0502020204030204" pitchFamily="34" charset="0"/>
+              <a:ea typeface="Calibri" panose="020F0502020204030204" pitchFamily="34" charset="0"/>
+              <a:cs typeface="Calibri" panose="020F0502020204030204" pitchFamily="34" charset="0"/>
+              <a:sym typeface="Calibri" panose="020F0502020204030204" pitchFamily="34" charset="0"/>
+            </a:endParaRPr>
           </a:p>
           <a:p>
             <a:pPr marR="0" lvl="0" indent="0" algn="just" defTabSz="913765" rtl="0" eaLnBrk="1" fontAlgn="auto" latinLnBrk="0" hangingPunct="1">
@@ -10591,6 +11136,21 @@
               </a:rPr>
               <a:t>e.g: how to present 0.2 in binary?</a:t>
             </a:r>
+            <a:endParaRPr lang="de-DE" altLang="en-US" sz="1200" noProof="0" dirty="0">
+              <a:ln>
+                <a:noFill/>
+              </a:ln>
+              <a:solidFill>
+                <a:srgbClr val="7F7F7F"/>
+              </a:solidFill>
+              <a:effectLst/>
+              <a:uLnTx/>
+              <a:uFillTx/>
+              <a:latin typeface="Calibri" panose="020F0502020204030204" pitchFamily="34" charset="0"/>
+              <a:ea typeface="Calibri" panose="020F0502020204030204" pitchFamily="34" charset="0"/>
+              <a:cs typeface="Calibri" panose="020F0502020204030204" pitchFamily="34" charset="0"/>
+              <a:sym typeface="Calibri" panose="020F0502020204030204" pitchFamily="34" charset="0"/>
+            </a:endParaRPr>
           </a:p>
           <a:p>
             <a:pPr marR="0" lvl="0" indent="0" algn="just" defTabSz="913765" rtl="0" eaLnBrk="1" fontAlgn="auto" latinLnBrk="0" hangingPunct="1">
@@ -10730,6 +11290,21 @@
               </a:rPr>
               <a:t> too small</a:t>
             </a:r>
+            <a:endParaRPr lang="de-DE" altLang="en-US" sz="1200" noProof="0" dirty="0">
+              <a:ln>
+                <a:noFill/>
+              </a:ln>
+              <a:solidFill>
+                <a:srgbClr val="FF0000"/>
+              </a:solidFill>
+              <a:effectLst/>
+              <a:uLnTx/>
+              <a:uFillTx/>
+              <a:latin typeface="Calibri" panose="020F0502020204030204" pitchFamily="34" charset="0"/>
+              <a:ea typeface="Calibri" panose="020F0502020204030204" pitchFamily="34" charset="0"/>
+              <a:cs typeface="Calibri" panose="020F0502020204030204" pitchFamily="34" charset="0"/>
+              <a:sym typeface="Calibri" panose="020F0502020204030204" pitchFamily="34" charset="0"/>
+            </a:endParaRPr>
           </a:p>
           <a:p>
             <a:pPr marR="0" lvl="0" indent="0" algn="just" defTabSz="913765" rtl="0" eaLnBrk="1" fontAlgn="auto" latinLnBrk="0" hangingPunct="1">
@@ -10783,6 +11358,21 @@
               </a:rPr>
               <a:t>small</a:t>
             </a:r>
+            <a:endParaRPr lang="de-DE" altLang="en-US" sz="1200" noProof="0" dirty="0">
+              <a:ln>
+                <a:noFill/>
+              </a:ln>
+              <a:solidFill>
+                <a:srgbClr val="FF0000"/>
+              </a:solidFill>
+              <a:effectLst/>
+              <a:uLnTx/>
+              <a:uFillTx/>
+              <a:latin typeface="Calibri" panose="020F0502020204030204" pitchFamily="34" charset="0"/>
+              <a:ea typeface="Calibri" panose="020F0502020204030204" pitchFamily="34" charset="0"/>
+              <a:cs typeface="Calibri" panose="020F0502020204030204" pitchFamily="34" charset="0"/>
+              <a:sym typeface="Calibri" panose="020F0502020204030204" pitchFamily="34" charset="0"/>
+            </a:endParaRPr>
           </a:p>
           <a:p>
             <a:pPr marR="0" lvl="0" indent="0" algn="just" defTabSz="913765" rtl="0" eaLnBrk="1" fontAlgn="auto" latinLnBrk="0" hangingPunct="1">
@@ -10836,6 +11426,21 @@
               </a:rPr>
               <a:t>big</a:t>
             </a:r>
+            <a:endParaRPr lang="de-DE" altLang="en-US" sz="1200" noProof="0" dirty="0">
+              <a:ln>
+                <a:noFill/>
+              </a:ln>
+              <a:solidFill>
+                <a:srgbClr val="00B050"/>
+              </a:solidFill>
+              <a:effectLst/>
+              <a:uLnTx/>
+              <a:uFillTx/>
+              <a:latin typeface="Calibri" panose="020F0502020204030204" pitchFamily="34" charset="0"/>
+              <a:ea typeface="Calibri" panose="020F0502020204030204" pitchFamily="34" charset="0"/>
+              <a:cs typeface="Calibri" panose="020F0502020204030204" pitchFamily="34" charset="0"/>
+              <a:sym typeface="Calibri" panose="020F0502020204030204" pitchFamily="34" charset="0"/>
+            </a:endParaRPr>
           </a:p>
           <a:p>
             <a:pPr marR="0" lvl="0" indent="0" algn="just" defTabSz="913765" rtl="0" eaLnBrk="1" fontAlgn="auto" latinLnBrk="0" hangingPunct="1">
@@ -11007,6 +11612,21 @@
               </a:rPr>
               <a:t>0.00110011 = 1/8+1/16+1/128+1/256 = 0.19921875, almost there</a:t>
             </a:r>
+            <a:endParaRPr lang="de-DE" altLang="en-US" sz="1200" noProof="0" dirty="0">
+              <a:ln>
+                <a:noFill/>
+              </a:ln>
+              <a:solidFill>
+                <a:srgbClr val="7F7F7F"/>
+              </a:solidFill>
+              <a:effectLst/>
+              <a:uLnTx/>
+              <a:uFillTx/>
+              <a:latin typeface="Calibri" panose="020F0502020204030204" pitchFamily="34" charset="0"/>
+              <a:ea typeface="Calibri" panose="020F0502020204030204" pitchFamily="34" charset="0"/>
+              <a:cs typeface="Calibri" panose="020F0502020204030204" pitchFamily="34" charset="0"/>
+              <a:sym typeface="Calibri" panose="020F0502020204030204" pitchFamily="34" charset="0"/>
+            </a:endParaRPr>
           </a:p>
           <a:p>
             <a:pPr marR="0" lvl="0" indent="0" algn="just" defTabSz="913765" rtl="0" eaLnBrk="1" fontAlgn="auto" latinLnBrk="0" hangingPunct="1">
@@ -11042,6 +11662,21 @@
               </a:rPr>
               <a:t>:</a:t>
             </a:r>
+            <a:endParaRPr lang="de-DE" altLang="en-US" sz="1200" noProof="0" dirty="0">
+              <a:ln>
+                <a:noFill/>
+              </a:ln>
+              <a:solidFill>
+                <a:srgbClr val="7F7F7F"/>
+              </a:solidFill>
+              <a:effectLst/>
+              <a:uLnTx/>
+              <a:uFillTx/>
+              <a:latin typeface="Calibri" panose="020F0502020204030204" pitchFamily="34" charset="0"/>
+              <a:ea typeface="Calibri" panose="020F0502020204030204" pitchFamily="34" charset="0"/>
+              <a:cs typeface="Calibri" panose="020F0502020204030204" pitchFamily="34" charset="0"/>
+              <a:sym typeface="Calibri" panose="020F0502020204030204" pitchFamily="34" charset="0"/>
+            </a:endParaRPr>
           </a:p>
           <a:p>
             <a:pPr marR="0" lvl="0" indent="0" algn="just" defTabSz="913765" rtl="0" eaLnBrk="1" fontAlgn="auto" latinLnBrk="0" hangingPunct="1">
@@ -11077,6 +11712,21 @@
               </a:rPr>
               <a:t>:</a:t>
             </a:r>
+            <a:endParaRPr lang="de-DE" altLang="en-US" sz="1200" noProof="0" dirty="0">
+              <a:ln>
+                <a:noFill/>
+              </a:ln>
+              <a:solidFill>
+                <a:srgbClr val="7F7F7F"/>
+              </a:solidFill>
+              <a:effectLst/>
+              <a:uLnTx/>
+              <a:uFillTx/>
+              <a:latin typeface="Calibri" panose="020F0502020204030204" pitchFamily="34" charset="0"/>
+              <a:ea typeface="Calibri" panose="020F0502020204030204" pitchFamily="34" charset="0"/>
+              <a:cs typeface="Calibri" panose="020F0502020204030204" pitchFamily="34" charset="0"/>
+              <a:sym typeface="Calibri" panose="020F0502020204030204" pitchFamily="34" charset="0"/>
+            </a:endParaRPr>
           </a:p>
           <a:p>
             <a:pPr marR="0" lvl="0" indent="0" algn="just" defTabSz="913765" rtl="0" eaLnBrk="1" fontAlgn="auto" latinLnBrk="0" hangingPunct="1">
@@ -11112,6 +11762,21 @@
               </a:rPr>
               <a:t>There is no exact binary representation of 0.2, therefore using 0.2 exactly in a conditional statement sometimes can yield unexpected results.</a:t>
             </a:r>
+            <a:endParaRPr lang="de-DE" altLang="en-US" sz="1200" noProof="0" dirty="0">
+              <a:ln>
+                <a:noFill/>
+              </a:ln>
+              <a:solidFill>
+                <a:srgbClr val="7F7F7F"/>
+              </a:solidFill>
+              <a:effectLst/>
+              <a:uLnTx/>
+              <a:uFillTx/>
+              <a:latin typeface="Calibri" panose="020F0502020204030204" pitchFamily="34" charset="0"/>
+              <a:ea typeface="Calibri" panose="020F0502020204030204" pitchFamily="34" charset="0"/>
+              <a:cs typeface="Calibri" panose="020F0502020204030204" pitchFamily="34" charset="0"/>
+              <a:sym typeface="Calibri" panose="020F0502020204030204" pitchFamily="34" charset="0"/>
+            </a:endParaRPr>
           </a:p>
           <a:p>
             <a:pPr marR="0" lvl="0" indent="0" algn="just" defTabSz="913765" rtl="0" eaLnBrk="1" fontAlgn="auto" latinLnBrk="0" hangingPunct="1">
@@ -12487,6 +13152,13 @@
               </a:rPr>
               <a:t>4</a:t>
             </a:r>
+            <a:endParaRPr lang="de-DE" altLang="en-US" sz="4000" b="1" dirty="0">
+              <a:solidFill>
+                <a:schemeClr val="tx2"/>
+              </a:solidFill>
+              <a:ea typeface="Calibri" panose="020F0502020204030204" pitchFamily="34" charset="0"/>
+              <a:cs typeface="Calibri" panose="020F0502020204030204" pitchFamily="34" charset="0"/>
+            </a:endParaRPr>
           </a:p>
         </p:txBody>
       </p:sp>
@@ -12589,6 +13261,21 @@
               </a:rPr>
               <a:t>The best way to write a big program is to assemble it from welldesigned small pieces (usually functions). </a:t>
             </a:r>
+            <a:endParaRPr lang="en-US" sz="1200" spc="150" noProof="0" dirty="0">
+              <a:ln>
+                <a:noFill/>
+              </a:ln>
+              <a:solidFill>
+                <a:srgbClr val="7F7F7F"/>
+              </a:solidFill>
+              <a:effectLst/>
+              <a:uLnTx/>
+              <a:uFillTx/>
+              <a:latin typeface="Calibri" panose="020F0502020204030204" pitchFamily="34" charset="0"/>
+              <a:ea typeface="Calibri" panose="020F0502020204030204" pitchFamily="34" charset="0"/>
+              <a:cs typeface="Calibri" panose="020F0502020204030204" pitchFamily="34" charset="0"/>
+              <a:sym typeface="Calibri" panose="020F0502020204030204" pitchFamily="34" charset="0"/>
+            </a:endParaRPr>
           </a:p>
           <a:p>
             <a:pPr marL="0" marR="0" lvl="0" indent="0" algn="ctr" defTabSz="913765" rtl="0" eaLnBrk="1" fontAlgn="auto" latinLnBrk="0" hangingPunct="1">
@@ -12625,6 +13312,21 @@
               </a:rPr>
               <a:t>This approach enhances readability, understanding and testing by reducing the amount of</a:t>
             </a:r>
+            <a:endParaRPr lang="en-US" sz="1200" spc="150" noProof="0" dirty="0">
+              <a:ln>
+                <a:noFill/>
+              </a:ln>
+              <a:solidFill>
+                <a:srgbClr val="7F7F7F"/>
+              </a:solidFill>
+              <a:effectLst/>
+              <a:uLnTx/>
+              <a:uFillTx/>
+              <a:latin typeface="Calibri" panose="020F0502020204030204" pitchFamily="34" charset="0"/>
+              <a:ea typeface="Calibri" panose="020F0502020204030204" pitchFamily="34" charset="0"/>
+              <a:cs typeface="Calibri" panose="020F0502020204030204" pitchFamily="34" charset="0"/>
+              <a:sym typeface="Calibri" panose="020F0502020204030204" pitchFamily="34" charset="0"/>
+            </a:endParaRPr>
           </a:p>
           <a:p>
             <a:pPr marL="0" marR="0" lvl="0" indent="0" algn="ctr" defTabSz="913765" rtl="0" eaLnBrk="1" fontAlgn="auto" latinLnBrk="0" hangingPunct="1">
@@ -12661,6 +13363,21 @@
               </a:rPr>
               <a:t>text which must be read to see what the code is doing. </a:t>
             </a:r>
+            <a:endParaRPr lang="en-US" sz="1200" spc="150" noProof="0" dirty="0">
+              <a:ln>
+                <a:noFill/>
+              </a:ln>
+              <a:solidFill>
+                <a:srgbClr val="7F7F7F"/>
+              </a:solidFill>
+              <a:effectLst/>
+              <a:uLnTx/>
+              <a:uFillTx/>
+              <a:latin typeface="Calibri" panose="020F0502020204030204" pitchFamily="34" charset="0"/>
+              <a:ea typeface="Calibri" panose="020F0502020204030204" pitchFamily="34" charset="0"/>
+              <a:cs typeface="Calibri" panose="020F0502020204030204" pitchFamily="34" charset="0"/>
+              <a:sym typeface="Calibri" panose="020F0502020204030204" pitchFamily="34" charset="0"/>
+            </a:endParaRPr>
           </a:p>
         </p:txBody>
       </p:sp>
@@ -12942,6 +13659,21 @@
               </a:rPr>
               <a:t>Make interaction clear</a:t>
             </a:r>
+            <a:endParaRPr lang="de-DE" altLang="en-US" sz="1400" b="1" noProof="0" dirty="0">
+              <a:ln>
+                <a:noFill/>
+              </a:ln>
+              <a:solidFill>
+                <a:srgbClr val="7F7F7F"/>
+              </a:solidFill>
+              <a:effectLst/>
+              <a:uLnTx/>
+              <a:uFillTx/>
+              <a:latin typeface="Calibri" panose="020F0502020204030204" pitchFamily="34" charset="0"/>
+              <a:ea typeface="Calibri" panose="020F0502020204030204" pitchFamily="34" charset="0"/>
+              <a:cs typeface="Calibri" panose="020F0502020204030204" pitchFamily="34" charset="0"/>
+              <a:sym typeface="Calibri" panose="020F0502020204030204" pitchFamily="34" charset="0"/>
+            </a:endParaRPr>
           </a:p>
           <a:p>
             <a:pPr marR="0" lvl="0" indent="0" algn="just" defTabSz="913765" rtl="0" eaLnBrk="1" fontAlgn="auto" latinLnBrk="0" hangingPunct="1">
@@ -13009,6 +13741,21 @@
               </a:rPr>
               <a:t>If a function is only used once by another function, it is called a sub function, and should be saved in the same mfile as the main function</a:t>
             </a:r>
+            <a:endParaRPr lang="de-DE" altLang="en-US" sz="1400" b="1" noProof="0" dirty="0">
+              <a:ln>
+                <a:noFill/>
+              </a:ln>
+              <a:solidFill>
+                <a:srgbClr val="7F7F7F"/>
+              </a:solidFill>
+              <a:effectLst/>
+              <a:uLnTx/>
+              <a:uFillTx/>
+              <a:latin typeface="Calibri" panose="020F0502020204030204" pitchFamily="34" charset="0"/>
+              <a:ea typeface="Calibri" panose="020F0502020204030204" pitchFamily="34" charset="0"/>
+              <a:cs typeface="Calibri" panose="020F0502020204030204" pitchFamily="34" charset="0"/>
+              <a:sym typeface="Calibri" panose="020F0502020204030204" pitchFamily="34" charset="0"/>
+            </a:endParaRPr>
           </a:p>
           <a:p>
             <a:pPr marR="0" lvl="0" indent="0" algn="just" defTabSz="913765" rtl="0" eaLnBrk="1" fontAlgn="auto" latinLnBrk="0" hangingPunct="1">
@@ -13076,6 +13823,21 @@
               </a:rPr>
               <a:t>Avoid repetitive code as much as possible, use different levels of sub functions to abstract and package the code, less code means less potential bug</a:t>
             </a:r>
+            <a:endParaRPr lang="de-DE" altLang="en-US" sz="1400" b="1" noProof="0" dirty="0">
+              <a:ln>
+                <a:noFill/>
+              </a:ln>
+              <a:solidFill>
+                <a:srgbClr val="7F7F7F"/>
+              </a:solidFill>
+              <a:effectLst/>
+              <a:uLnTx/>
+              <a:uFillTx/>
+              <a:latin typeface="Calibri" panose="020F0502020204030204" pitchFamily="34" charset="0"/>
+              <a:ea typeface="Calibri" panose="020F0502020204030204" pitchFamily="34" charset="0"/>
+              <a:cs typeface="Calibri" panose="020F0502020204030204" pitchFamily="34" charset="0"/>
+              <a:sym typeface="Calibri" panose="020F0502020204030204" pitchFamily="34" charset="0"/>
+            </a:endParaRPr>
           </a:p>
           <a:p>
             <a:pPr marR="0" lvl="0" indent="0" algn="just" defTabSz="913765" rtl="0" eaLnBrk="1" fontAlgn="auto" latinLnBrk="0" hangingPunct="1">
@@ -15261,6 +16023,13 @@
               </a:rPr>
               <a:t>5</a:t>
             </a:r>
+            <a:endParaRPr lang="de-DE" altLang="en-US" sz="4000" b="1" dirty="0">
+              <a:solidFill>
+                <a:schemeClr val="tx2"/>
+              </a:solidFill>
+              <a:ea typeface="Calibri" panose="020F0502020204030204" pitchFamily="34" charset="0"/>
+              <a:cs typeface="Calibri" panose="020F0502020204030204" pitchFamily="34" charset="0"/>
+            </a:endParaRPr>
           </a:p>
         </p:txBody>
       </p:sp>
@@ -15363,6 +16132,21 @@
               </a:rPr>
               <a:t>“Commenting is like sex. </a:t>
             </a:r>
+            <a:endParaRPr lang="de-DE" altLang="en-US" sz="1200" spc="150" noProof="0" dirty="0">
+              <a:ln>
+                <a:noFill/>
+              </a:ln>
+              <a:solidFill>
+                <a:srgbClr val="7F7F7F"/>
+              </a:solidFill>
+              <a:effectLst/>
+              <a:uLnTx/>
+              <a:uFillTx/>
+              <a:latin typeface="Calibri" panose="020F0502020204030204" pitchFamily="34" charset="0"/>
+              <a:ea typeface="Calibri" panose="020F0502020204030204" pitchFamily="34" charset="0"/>
+              <a:cs typeface="Calibri" panose="020F0502020204030204" pitchFamily="34" charset="0"/>
+              <a:sym typeface="Calibri" panose="020F0502020204030204" pitchFamily="34" charset="0"/>
+            </a:endParaRPr>
           </a:p>
           <a:p>
             <a:pPr marL="0" marR="0" lvl="0" indent="0" algn="ctr" defTabSz="913765" rtl="0" eaLnBrk="1" fontAlgn="auto" latinLnBrk="0" hangingPunct="1">
@@ -15399,6 +16183,21 @@
               </a:rPr>
               <a:t>When it's good, it's very, very good,</a:t>
             </a:r>
+            <a:endParaRPr lang="de-DE" altLang="en-US" sz="1200" spc="150" noProof="0" dirty="0">
+              <a:ln>
+                <a:noFill/>
+              </a:ln>
+              <a:solidFill>
+                <a:srgbClr val="7F7F7F"/>
+              </a:solidFill>
+              <a:effectLst/>
+              <a:uLnTx/>
+              <a:uFillTx/>
+              <a:latin typeface="Calibri" panose="020F0502020204030204" pitchFamily="34" charset="0"/>
+              <a:ea typeface="Calibri" panose="020F0502020204030204" pitchFamily="34" charset="0"/>
+              <a:cs typeface="Calibri" panose="020F0502020204030204" pitchFamily="34" charset="0"/>
+              <a:sym typeface="Calibri" panose="020F0502020204030204" pitchFamily="34" charset="0"/>
+            </a:endParaRPr>
           </a:p>
           <a:p>
             <a:pPr marL="0" marR="0" lvl="0" indent="0" algn="ctr" defTabSz="913765" rtl="0" eaLnBrk="1" fontAlgn="auto" latinLnBrk="0" hangingPunct="1">
@@ -15435,6 +16234,21 @@
               </a:rPr>
               <a:t>and when it's bad, it's better than nothing.”</a:t>
             </a:r>
+            <a:endParaRPr lang="de-DE" altLang="en-US" sz="1200" spc="150" noProof="0" dirty="0">
+              <a:ln>
+                <a:noFill/>
+              </a:ln>
+              <a:solidFill>
+                <a:srgbClr val="7F7F7F"/>
+              </a:solidFill>
+              <a:effectLst/>
+              <a:uLnTx/>
+              <a:uFillTx/>
+              <a:latin typeface="Calibri" panose="020F0502020204030204" pitchFamily="34" charset="0"/>
+              <a:ea typeface="Calibri" panose="020F0502020204030204" pitchFamily="34" charset="0"/>
+              <a:cs typeface="Calibri" panose="020F0502020204030204" pitchFamily="34" charset="0"/>
+              <a:sym typeface="Calibri" panose="020F0502020204030204" pitchFamily="34" charset="0"/>
+            </a:endParaRPr>
           </a:p>
         </p:txBody>
       </p:sp>
@@ -15552,6 +16366,21 @@
               </a:rPr>
               <a:t>Clarification comments are intended for anyone (including your future self) who may need to maintain, refactor, or extend your code.</a:t>
             </a:r>
+            <a:endParaRPr kumimoji="0" sz="1400" b="1" i="0" u="none" strike="noStrike" kern="1200" cap="none" spc="0" normalizeH="0" baseline="0" noProof="0" dirty="0">
+              <a:ln>
+                <a:noFill/>
+              </a:ln>
+              <a:solidFill>
+                <a:srgbClr val="7F7F7F"/>
+              </a:solidFill>
+              <a:effectLst/>
+              <a:uLnTx/>
+              <a:uFillTx/>
+              <a:latin typeface="Calibri" panose="020F0502020204030204" pitchFamily="34" charset="0"/>
+              <a:ea typeface="Calibri" panose="020F0502020204030204" pitchFamily="34" charset="0"/>
+              <a:cs typeface="Calibri" panose="020F0502020204030204" pitchFamily="34" charset="0"/>
+              <a:sym typeface="Calibri" panose="020F0502020204030204" pitchFamily="34" charset="0"/>
+            </a:endParaRPr>
           </a:p>
           <a:p>
             <a:pPr marR="0" lvl="0" indent="0" algn="just" defTabSz="913765" rtl="0" eaLnBrk="1" fontAlgn="auto" latinLnBrk="0" hangingPunct="1">
@@ -15701,6 +16530,21 @@
               </a:rPr>
               <a:t>Comments explain the 'what ' and 'why', while code demonstrates 'how'</a:t>
             </a:r>
+            <a:endParaRPr lang="de-DE" altLang="en-US" sz="1400" b="1" noProof="0" dirty="0">
+              <a:ln>
+                <a:noFill/>
+              </a:ln>
+              <a:solidFill>
+                <a:srgbClr val="7F7F7F"/>
+              </a:solidFill>
+              <a:effectLst/>
+              <a:uLnTx/>
+              <a:uFillTx/>
+              <a:latin typeface="Calibri" panose="020F0502020204030204" pitchFamily="34" charset="0"/>
+              <a:ea typeface="Calibri" panose="020F0502020204030204" pitchFamily="34" charset="0"/>
+              <a:cs typeface="Calibri" panose="020F0502020204030204" pitchFamily="34" charset="0"/>
+              <a:sym typeface="Calibri" panose="020F0502020204030204" pitchFamily="34" charset="0"/>
+            </a:endParaRPr>
           </a:p>
           <a:p>
             <a:pPr marR="0" lvl="0" indent="0" algn="just" defTabSz="913765" rtl="0" eaLnBrk="1" fontAlgn="auto" latinLnBrk="0" hangingPunct="1">
@@ -15768,6 +16612,21 @@
               </a:rPr>
               <a:t>Add explaination to non-intuitive solutions</a:t>
             </a:r>
+            <a:endParaRPr lang="de-DE" altLang="en-US" sz="1400" b="1" noProof="0" dirty="0">
+              <a:ln>
+                <a:noFill/>
+              </a:ln>
+              <a:solidFill>
+                <a:srgbClr val="7F7F7F"/>
+              </a:solidFill>
+              <a:effectLst/>
+              <a:uLnTx/>
+              <a:uFillTx/>
+              <a:latin typeface="Calibri" panose="020F0502020204030204" pitchFamily="34" charset="0"/>
+              <a:ea typeface="Calibri" panose="020F0502020204030204" pitchFamily="34" charset="0"/>
+              <a:cs typeface="Calibri" panose="020F0502020204030204" pitchFamily="34" charset="0"/>
+              <a:sym typeface="Calibri" panose="020F0502020204030204" pitchFamily="34" charset="0"/>
+            </a:endParaRPr>
           </a:p>
           <a:p>
             <a:pPr marR="0" lvl="0" indent="0" algn="just" defTabSz="913765" rtl="0" eaLnBrk="1" fontAlgn="auto" latinLnBrk="0" hangingPunct="1">
@@ -15871,6 +16730,21 @@
               </a:rPr>
               <a:t> from re-experimenting invalid approaches again in the future</a:t>
             </a:r>
+            <a:endParaRPr lang="de-DE" altLang="en-US" sz="1400" b="1" noProof="0" dirty="0">
+              <a:ln>
+                <a:noFill/>
+              </a:ln>
+              <a:solidFill>
+                <a:srgbClr val="7F7F7F"/>
+              </a:solidFill>
+              <a:effectLst/>
+              <a:uLnTx/>
+              <a:uFillTx/>
+              <a:latin typeface="Calibri" panose="020F0502020204030204" pitchFamily="34" charset="0"/>
+              <a:ea typeface="Calibri" panose="020F0502020204030204" pitchFamily="34" charset="0"/>
+              <a:cs typeface="Calibri" panose="020F0502020204030204" pitchFamily="34" charset="0"/>
+              <a:sym typeface="Calibri" panose="020F0502020204030204" pitchFamily="34" charset="0"/>
+            </a:endParaRPr>
           </a:p>
           <a:p>
             <a:pPr marR="0" lvl="1" indent="0" algn="just" defTabSz="913765" rtl="0" eaLnBrk="1" fontAlgn="auto" latinLnBrk="0" hangingPunct="1">
@@ -15906,6 +16780,21 @@
               </a:rPr>
               <a:t>% Dear maintainer: Once you are done trying to 'optimize' this routine, and have realized what a terrible mistake that was, </a:t>
             </a:r>
+            <a:endParaRPr lang="de-DE" altLang="en-US" sz="1200" i="1" noProof="0" dirty="0">
+              <a:ln>
+                <a:noFill/>
+              </a:ln>
+              <a:solidFill>
+                <a:srgbClr val="7F7F7F"/>
+              </a:solidFill>
+              <a:effectLst/>
+              <a:uLnTx/>
+              <a:uFillTx/>
+              <a:latin typeface="Calibri" panose="020F0502020204030204" pitchFamily="34" charset="0"/>
+              <a:ea typeface="Calibri" panose="020F0502020204030204" pitchFamily="34" charset="0"/>
+              <a:cs typeface="Calibri" panose="020F0502020204030204" pitchFamily="34" charset="0"/>
+              <a:sym typeface="Calibri" panose="020F0502020204030204" pitchFamily="34" charset="0"/>
+            </a:endParaRPr>
           </a:p>
           <a:p>
             <a:pPr marR="0" lvl="1" indent="0" algn="just" defTabSz="913765" rtl="0" eaLnBrk="1" fontAlgn="auto" latinLnBrk="0" hangingPunct="1">
@@ -15941,6 +16830,21 @@
               </a:rPr>
               <a:t>% please increment the following counter as a warning to the next guy! </a:t>
             </a:r>
+            <a:endParaRPr lang="de-DE" altLang="en-US" sz="1200" i="1" noProof="0" dirty="0">
+              <a:ln>
+                <a:noFill/>
+              </a:ln>
+              <a:solidFill>
+                <a:srgbClr val="7F7F7F"/>
+              </a:solidFill>
+              <a:effectLst/>
+              <a:uLnTx/>
+              <a:uFillTx/>
+              <a:latin typeface="Calibri" panose="020F0502020204030204" pitchFamily="34" charset="0"/>
+              <a:ea typeface="Calibri" panose="020F0502020204030204" pitchFamily="34" charset="0"/>
+              <a:cs typeface="Calibri" panose="020F0502020204030204" pitchFamily="34" charset="0"/>
+              <a:sym typeface="Calibri" panose="020F0502020204030204" pitchFamily="34" charset="0"/>
+            </a:endParaRPr>
           </a:p>
           <a:p>
             <a:pPr marR="0" lvl="1" indent="0" algn="just" defTabSz="913765" rtl="0" eaLnBrk="1" fontAlgn="auto" latinLnBrk="0" hangingPunct="1">
@@ -15976,6 +16880,21 @@
               </a:rPr>
               <a:t>% total_hours_wasted_here = 42</a:t>
             </a:r>
+            <a:endParaRPr lang="de-DE" altLang="en-US" sz="1200" i="1" noProof="0" dirty="0">
+              <a:ln>
+                <a:noFill/>
+              </a:ln>
+              <a:solidFill>
+                <a:srgbClr val="7F7F7F"/>
+              </a:solidFill>
+              <a:effectLst/>
+              <a:uLnTx/>
+              <a:uFillTx/>
+              <a:latin typeface="Calibri" panose="020F0502020204030204" pitchFamily="34" charset="0"/>
+              <a:ea typeface="Calibri" panose="020F0502020204030204" pitchFamily="34" charset="0"/>
+              <a:cs typeface="Calibri" panose="020F0502020204030204" pitchFamily="34" charset="0"/>
+              <a:sym typeface="Calibri" panose="020F0502020204030204" pitchFamily="34" charset="0"/>
+            </a:endParaRPr>
           </a:p>
           <a:p>
             <a:pPr marR="0" lvl="0" indent="0" algn="just" defTabSz="913765" rtl="0" eaLnBrk="1" fontAlgn="auto" latinLnBrk="0" hangingPunct="1">
@@ -16043,6 +16962,21 @@
               </a:rPr>
               <a:t>Try to write cleaner, shorter, easier to read code instead of using comment to explain twisted and messy logic</a:t>
             </a:r>
+            <a:endParaRPr lang="de-DE" altLang="en-US" sz="1400" b="1" noProof="0" dirty="0">
+              <a:ln>
+                <a:noFill/>
+              </a:ln>
+              <a:solidFill>
+                <a:srgbClr val="7F7F7F"/>
+              </a:solidFill>
+              <a:effectLst/>
+              <a:uLnTx/>
+              <a:uFillTx/>
+              <a:latin typeface="Calibri" panose="020F0502020204030204" pitchFamily="34" charset="0"/>
+              <a:ea typeface="Calibri" panose="020F0502020204030204" pitchFamily="34" charset="0"/>
+              <a:cs typeface="Calibri" panose="020F0502020204030204" pitchFamily="34" charset="0"/>
+              <a:sym typeface="Calibri" panose="020F0502020204030204" pitchFamily="34" charset="0"/>
+            </a:endParaRPr>
           </a:p>
           <a:p>
             <a:pPr marR="0" lvl="0" indent="0" algn="just" defTabSz="913765" rtl="0" eaLnBrk="1" fontAlgn="auto" latinLnBrk="0" hangingPunct="1">
@@ -18397,7 +19331,7 @@
         <p:spPr>
           <a:xfrm>
             <a:off x="2226945" y="852170"/>
-            <a:ext cx="8964930" cy="6093976"/>
+            <a:ext cx="8964930" cy="6277610"/>
           </a:xfrm>
           <a:prstGeom prst="rect">
             <a:avLst/>
@@ -18515,6 +19449,21 @@
               </a:rPr>
               <a:t>. </a:t>
             </a:r>
+            <a:endParaRPr kumimoji="0" sz="1400" b="1" i="0" u="none" strike="noStrike" kern="1200" cap="none" spc="0" normalizeH="0" baseline="0" noProof="0" dirty="0">
+              <a:ln>
+                <a:noFill/>
+              </a:ln>
+              <a:solidFill>
+                <a:srgbClr val="7F7F7F"/>
+              </a:solidFill>
+              <a:effectLst/>
+              <a:uLnTx/>
+              <a:uFillTx/>
+              <a:latin typeface="Calibri" panose="020F0502020204030204" pitchFamily="34" charset="0"/>
+              <a:ea typeface="Calibri" panose="020F0502020204030204" pitchFamily="34" charset="0"/>
+              <a:cs typeface="Calibri" panose="020F0502020204030204" pitchFamily="34" charset="0"/>
+              <a:sym typeface="Calibri" panose="020F0502020204030204" pitchFamily="34" charset="0"/>
+            </a:endParaRPr>
           </a:p>
           <a:p>
             <a:pPr marR="0" lvl="0" indent="0" algn="just" defTabSz="913765" rtl="0" eaLnBrk="1" fontAlgn="auto" latinLnBrk="0" hangingPunct="1">
@@ -18668,6 +19617,21 @@
               </a:rPr>
               <a:t>help function_name;</a:t>
             </a:r>
+            <a:endParaRPr kumimoji="0" lang="de-DE" altLang="en-US" sz="1200" b="0" i="1" u="none" strike="noStrike" kern="1200" cap="none" spc="0" normalizeH="0" baseline="0" noProof="0" dirty="0">
+              <a:ln>
+                <a:noFill/>
+              </a:ln>
+              <a:solidFill>
+                <a:srgbClr val="7F7F7F"/>
+              </a:solidFill>
+              <a:effectLst/>
+              <a:uLnTx/>
+              <a:uFillTx/>
+              <a:latin typeface="Calibri" panose="020F0502020204030204" pitchFamily="34" charset="0"/>
+              <a:ea typeface="Calibri" panose="020F0502020204030204" pitchFamily="34" charset="0"/>
+              <a:cs typeface="Calibri" panose="020F0502020204030204" pitchFamily="34" charset="0"/>
+              <a:sym typeface="Calibri" panose="020F0502020204030204" pitchFamily="34" charset="0"/>
+            </a:endParaRPr>
           </a:p>
           <a:p>
             <a:pPr marR="0" lvl="0" indent="0" algn="just" defTabSz="913765" rtl="0" eaLnBrk="1" fontAlgn="auto" latinLnBrk="0" hangingPunct="1">
@@ -18735,6 +19699,21 @@
               </a:rPr>
               <a:t>1st part: </a:t>
             </a:r>
+            <a:endParaRPr lang="de-DE" altLang="en-US" sz="1400" b="1" noProof="0" dirty="0">
+              <a:ln>
+                <a:noFill/>
+              </a:ln>
+              <a:solidFill>
+                <a:srgbClr val="7F7F7F"/>
+              </a:solidFill>
+              <a:effectLst/>
+              <a:uLnTx/>
+              <a:uFillTx/>
+              <a:latin typeface="Calibri" panose="020F0502020204030204" pitchFamily="34" charset="0"/>
+              <a:ea typeface="Calibri" panose="020F0502020204030204" pitchFamily="34" charset="0"/>
+              <a:cs typeface="Calibri" panose="020F0502020204030204" pitchFamily="34" charset="0"/>
+              <a:sym typeface="Calibri" panose="020F0502020204030204" pitchFamily="34" charset="0"/>
+            </a:endParaRPr>
           </a:p>
           <a:p>
             <a:pPr marR="0" lvl="1" indent="0" algn="just" defTabSz="913765" rtl="0" eaLnBrk="1" fontAlgn="auto" latinLnBrk="0" hangingPunct="1">
@@ -18770,6 +19749,21 @@
               </a:rPr>
               <a:t>What the script does?</a:t>
             </a:r>
+            <a:endParaRPr lang="de-DE" altLang="en-US" sz="1200" noProof="0" dirty="0">
+              <a:ln>
+                <a:noFill/>
+              </a:ln>
+              <a:solidFill>
+                <a:srgbClr val="7F7F7F"/>
+              </a:solidFill>
+              <a:effectLst/>
+              <a:uLnTx/>
+              <a:uFillTx/>
+              <a:latin typeface="Calibri" panose="020F0502020204030204" pitchFamily="34" charset="0"/>
+              <a:ea typeface="Calibri" panose="020F0502020204030204" pitchFamily="34" charset="0"/>
+              <a:cs typeface="Calibri" panose="020F0502020204030204" pitchFamily="34" charset="0"/>
+              <a:sym typeface="Calibri" panose="020F0502020204030204" pitchFamily="34" charset="0"/>
+            </a:endParaRPr>
           </a:p>
           <a:p>
             <a:pPr marR="0" lvl="1" indent="0" algn="just" defTabSz="913765" rtl="0" eaLnBrk="1" fontAlgn="auto" latinLnBrk="0" hangingPunct="1">
@@ -18803,8 +19797,23 @@
                 <a:cs typeface="Calibri" panose="020F0502020204030204" pitchFamily="34" charset="0"/>
                 <a:sym typeface="Calibri" panose="020F0502020204030204" pitchFamily="34" charset="0"/>
               </a:rPr>
-              <a:t>what are the input arguments and data type?</a:t>
+              <a:t>What are the input arguments and data type?</a:t>
             </a:r>
+            <a:endParaRPr lang="de-DE" altLang="en-US" sz="1200" noProof="0" dirty="0">
+              <a:ln>
+                <a:noFill/>
+              </a:ln>
+              <a:solidFill>
+                <a:srgbClr val="7F7F7F"/>
+              </a:solidFill>
+              <a:effectLst/>
+              <a:uLnTx/>
+              <a:uFillTx/>
+              <a:latin typeface="Calibri" panose="020F0502020204030204" pitchFamily="34" charset="0"/>
+              <a:ea typeface="Calibri" panose="020F0502020204030204" pitchFamily="34" charset="0"/>
+              <a:cs typeface="Calibri" panose="020F0502020204030204" pitchFamily="34" charset="0"/>
+              <a:sym typeface="Calibri" panose="020F0502020204030204" pitchFamily="34" charset="0"/>
+            </a:endParaRPr>
           </a:p>
           <a:p>
             <a:pPr marR="0" lvl="1" indent="0" algn="just" defTabSz="913765" rtl="0" eaLnBrk="1" fontAlgn="auto" latinLnBrk="0" hangingPunct="1">
@@ -18838,8 +19847,23 @@
                 <a:cs typeface="Calibri" panose="020F0502020204030204" pitchFamily="34" charset="0"/>
                 <a:sym typeface="Calibri" panose="020F0502020204030204" pitchFamily="34" charset="0"/>
               </a:rPr>
-              <a:t>what are the output content and data type?</a:t>
+              <a:t>What are the output content and data type?</a:t>
             </a:r>
+            <a:endParaRPr lang="de-DE" altLang="en-US" sz="1200" noProof="0" dirty="0">
+              <a:ln>
+                <a:noFill/>
+              </a:ln>
+              <a:solidFill>
+                <a:srgbClr val="7F7F7F"/>
+              </a:solidFill>
+              <a:effectLst/>
+              <a:uLnTx/>
+              <a:uFillTx/>
+              <a:latin typeface="Calibri" panose="020F0502020204030204" pitchFamily="34" charset="0"/>
+              <a:ea typeface="Calibri" panose="020F0502020204030204" pitchFamily="34" charset="0"/>
+              <a:cs typeface="Calibri" panose="020F0502020204030204" pitchFamily="34" charset="0"/>
+              <a:sym typeface="Calibri" panose="020F0502020204030204" pitchFamily="34" charset="0"/>
+            </a:endParaRPr>
           </a:p>
           <a:p>
             <a:pPr marR="0" lvl="1" indent="0" algn="just" defTabSz="913765" rtl="0" eaLnBrk="1" fontAlgn="auto" latinLnBrk="0" hangingPunct="1">
@@ -18875,6 +19899,21 @@
               </a:rPr>
               <a:t>(optional) example of how to call this function</a:t>
             </a:r>
+            <a:endParaRPr lang="de-DE" altLang="en-US" sz="1200" noProof="0" dirty="0">
+              <a:ln>
+                <a:noFill/>
+              </a:ln>
+              <a:solidFill>
+                <a:srgbClr val="7F7F7F"/>
+              </a:solidFill>
+              <a:effectLst/>
+              <a:uLnTx/>
+              <a:uFillTx/>
+              <a:latin typeface="Calibri" panose="020F0502020204030204" pitchFamily="34" charset="0"/>
+              <a:ea typeface="Calibri" panose="020F0502020204030204" pitchFamily="34" charset="0"/>
+              <a:cs typeface="Calibri" panose="020F0502020204030204" pitchFamily="34" charset="0"/>
+              <a:sym typeface="Calibri" panose="020F0502020204030204" pitchFamily="34" charset="0"/>
+            </a:endParaRPr>
           </a:p>
           <a:p>
             <a:pPr marR="0" lvl="0" indent="0" algn="just" defTabSz="913765" rtl="0" eaLnBrk="1" fontAlgn="auto" latinLnBrk="0" hangingPunct="1">
@@ -18942,6 +19981,21 @@
               </a:rPr>
               <a:t>2nd part:</a:t>
             </a:r>
+            <a:endParaRPr lang="de-DE" altLang="en-US" sz="1400" b="1" noProof="0" dirty="0">
+              <a:ln>
+                <a:noFill/>
+              </a:ln>
+              <a:solidFill>
+                <a:srgbClr val="7F7F7F"/>
+              </a:solidFill>
+              <a:effectLst/>
+              <a:uLnTx/>
+              <a:uFillTx/>
+              <a:latin typeface="Calibri" panose="020F0502020204030204" pitchFamily="34" charset="0"/>
+              <a:ea typeface="Calibri" panose="020F0502020204030204" pitchFamily="34" charset="0"/>
+              <a:cs typeface="Calibri" panose="020F0502020204030204" pitchFamily="34" charset="0"/>
+              <a:sym typeface="Calibri" panose="020F0502020204030204" pitchFamily="34" charset="0"/>
+            </a:endParaRPr>
           </a:p>
           <a:p>
             <a:pPr marR="0" lvl="1" indent="0" algn="just" defTabSz="913765" rtl="0" eaLnBrk="1" fontAlgn="auto" latinLnBrk="0" hangingPunct="1">
@@ -18977,6 +20031,21 @@
               </a:rPr>
               <a:t>Meta information</a:t>
             </a:r>
+            <a:endParaRPr lang="de-DE" altLang="en-US" sz="1200" noProof="0" dirty="0">
+              <a:ln>
+                <a:noFill/>
+              </a:ln>
+              <a:solidFill>
+                <a:srgbClr val="7F7F7F"/>
+              </a:solidFill>
+              <a:effectLst/>
+              <a:uLnTx/>
+              <a:uFillTx/>
+              <a:latin typeface="Calibri" panose="020F0502020204030204" pitchFamily="34" charset="0"/>
+              <a:ea typeface="Calibri" panose="020F0502020204030204" pitchFamily="34" charset="0"/>
+              <a:cs typeface="Calibri" panose="020F0502020204030204" pitchFamily="34" charset="0"/>
+              <a:sym typeface="Calibri" panose="020F0502020204030204" pitchFamily="34" charset="0"/>
+            </a:endParaRPr>
           </a:p>
           <a:p>
             <a:pPr marR="0" lvl="0" indent="0" algn="just" defTabSz="913765" rtl="0" eaLnBrk="1" fontAlgn="auto" latinLnBrk="0" hangingPunct="1">
@@ -19092,8 +20161,223 @@
                 <a:cs typeface="Calibri" panose="020F0502020204030204" pitchFamily="34" charset="0"/>
                 <a:sym typeface="Calibri" panose="020F0502020204030204" pitchFamily="34" charset="0"/>
               </a:rPr>
+              <a:t>% author: Mark Sen Dong</a:t>
+            </a:r>
+            <a:endParaRPr lang="de-DE" altLang="en-US" sz="1200" i="1" noProof="0" dirty="0">
+              <a:ln>
+                <a:noFill/>
+              </a:ln>
+              <a:solidFill>
+                <a:srgbClr val="7F7F7F"/>
+              </a:solidFill>
+              <a:effectLst/>
+              <a:uLnTx/>
+              <a:uFillTx/>
+              <a:latin typeface="Calibri" panose="020F0502020204030204" pitchFamily="34" charset="0"/>
+              <a:ea typeface="Calibri" panose="020F0502020204030204" pitchFamily="34" charset="0"/>
+              <a:cs typeface="Calibri" panose="020F0502020204030204" pitchFamily="34" charset="0"/>
+              <a:sym typeface="Calibri" panose="020F0502020204030204" pitchFamily="34" charset="0"/>
+            </a:endParaRPr>
+          </a:p>
+          <a:p>
+            <a:pPr marR="0" lvl="1" indent="0" algn="just" defTabSz="913765" rtl="0" eaLnBrk="1" fontAlgn="auto" latinLnBrk="0" hangingPunct="1">
+              <a:lnSpc>
+                <a:spcPct val="100000"/>
+              </a:lnSpc>
+              <a:spcBef>
+                <a:spcPts val="0"/>
+              </a:spcBef>
+              <a:spcAft>
+                <a:spcPts val="0"/>
+              </a:spcAft>
+              <a:buClrTx/>
+              <a:buSzTx/>
+              <a:buNone/>
+              <a:defRPr/>
+            </a:pPr>
+            <a:r>
+              <a:rPr lang="de-DE" altLang="en-US" sz="1200" i="1" noProof="0" dirty="0">
+                <a:ln>
+                  <a:noFill/>
+                </a:ln>
+                <a:solidFill>
+                  <a:srgbClr val="7F7F7F"/>
+                </a:solidFill>
+                <a:effectLst/>
+                <a:uLnTx/>
+                <a:uFillTx/>
+                <a:latin typeface="Calibri" panose="020F0502020204030204" pitchFamily="34" charset="0"/>
+                <a:ea typeface="Calibri" panose="020F0502020204030204" pitchFamily="34" charset="0"/>
+                <a:cs typeface="Calibri" panose="020F0502020204030204" pitchFamily="34" charset="0"/>
+                <a:sym typeface="Calibri" panose="020F0502020204030204" pitchFamily="34" charset="0"/>
+              </a:rPr>
+              <a:t>% date: 06 Jun 2019</a:t>
+            </a:r>
+            <a:endParaRPr lang="de-DE" altLang="en-US" sz="1200" i="1" noProof="0" dirty="0">
+              <a:ln>
+                <a:noFill/>
+              </a:ln>
+              <a:solidFill>
+                <a:srgbClr val="7F7F7F"/>
+              </a:solidFill>
+              <a:effectLst/>
+              <a:uLnTx/>
+              <a:uFillTx/>
+              <a:latin typeface="Calibri" panose="020F0502020204030204" pitchFamily="34" charset="0"/>
+              <a:ea typeface="Calibri" panose="020F0502020204030204" pitchFamily="34" charset="0"/>
+              <a:cs typeface="Calibri" panose="020F0502020204030204" pitchFamily="34" charset="0"/>
+              <a:sym typeface="Calibri" panose="020F0502020204030204" pitchFamily="34" charset="0"/>
+            </a:endParaRPr>
+          </a:p>
+          <a:p>
+            <a:pPr marR="0" lvl="1" indent="0" algn="just" defTabSz="913765" rtl="0" eaLnBrk="1" fontAlgn="auto" latinLnBrk="0" hangingPunct="1">
+              <a:lnSpc>
+                <a:spcPct val="100000"/>
+              </a:lnSpc>
+              <a:spcBef>
+                <a:spcPts val="0"/>
+              </a:spcBef>
+              <a:spcAft>
+                <a:spcPts val="0"/>
+              </a:spcAft>
+              <a:buClrTx/>
+              <a:buSzTx/>
+              <a:buNone/>
+              <a:defRPr/>
+            </a:pPr>
+            <a:r>
+              <a:rPr lang="de-DE" altLang="en-US" sz="1200" i="1" noProof="0" dirty="0">
+                <a:ln>
+                  <a:noFill/>
+                </a:ln>
+                <a:solidFill>
+                  <a:srgbClr val="7F7F7F"/>
+                </a:solidFill>
+                <a:effectLst/>
+                <a:uLnTx/>
+                <a:uFillTx/>
+                <a:latin typeface="Calibri" panose="020F0502020204030204" pitchFamily="34" charset="0"/>
+                <a:ea typeface="Calibri" panose="020F0502020204030204" pitchFamily="34" charset="0"/>
+                <a:cs typeface="Calibri" panose="020F0502020204030204" pitchFamily="34" charset="0"/>
+                <a:sym typeface="Calibri" panose="020F0502020204030204" pitchFamily="34" charset="0"/>
+              </a:rPr>
+              <a:t>% version: 1.0</a:t>
+            </a:r>
+            <a:endParaRPr lang="de-DE" altLang="en-US" sz="1200" i="1" noProof="0" dirty="0">
+              <a:ln>
+                <a:noFill/>
+              </a:ln>
+              <a:solidFill>
+                <a:srgbClr val="7F7F7F"/>
+              </a:solidFill>
+              <a:effectLst/>
+              <a:uLnTx/>
+              <a:uFillTx/>
+              <a:latin typeface="Calibri" panose="020F0502020204030204" pitchFamily="34" charset="0"/>
+              <a:ea typeface="Calibri" panose="020F0502020204030204" pitchFamily="34" charset="0"/>
+              <a:cs typeface="Calibri" panose="020F0502020204030204" pitchFamily="34" charset="0"/>
+              <a:sym typeface="Calibri" panose="020F0502020204030204" pitchFamily="34" charset="0"/>
+            </a:endParaRPr>
+          </a:p>
+          <a:p>
+            <a:pPr marR="0" lvl="1" indent="0" algn="just" defTabSz="913765" rtl="0" eaLnBrk="1" fontAlgn="auto" latinLnBrk="0" hangingPunct="1">
+              <a:lnSpc>
+                <a:spcPct val="100000"/>
+              </a:lnSpc>
+              <a:spcBef>
+                <a:spcPts val="0"/>
+              </a:spcBef>
+              <a:spcAft>
+                <a:spcPts val="0"/>
+              </a:spcAft>
+              <a:buClrTx/>
+              <a:buSzTx/>
+              <a:buNone/>
+              <a:defRPr/>
+            </a:pPr>
+            <a:r>
+              <a:rPr lang="de-DE" altLang="en-US" sz="1200" i="1" noProof="0" dirty="0">
+                <a:ln>
+                  <a:noFill/>
+                </a:ln>
+                <a:solidFill>
+                  <a:srgbClr val="7F7F7F"/>
+                </a:solidFill>
+                <a:effectLst/>
+                <a:uLnTx/>
+                <a:uFillTx/>
+                <a:latin typeface="Calibri" panose="020F0502020204030204" pitchFamily="34" charset="0"/>
+                <a:ea typeface="Calibri" panose="020F0502020204030204" pitchFamily="34" charset="0"/>
+                <a:cs typeface="Calibri" panose="020F0502020204030204" pitchFamily="34" charset="0"/>
+                <a:sym typeface="Calibri" panose="020F0502020204030204" pitchFamily="34" charset="0"/>
+              </a:rPr>
+              <a:t>%</a:t>
+            </a:r>
+            <a:endParaRPr lang="de-DE" altLang="en-US" sz="1200" i="1" noProof="0" dirty="0">
+              <a:ln>
+                <a:noFill/>
+              </a:ln>
+              <a:solidFill>
+                <a:srgbClr val="7F7F7F"/>
+              </a:solidFill>
+              <a:effectLst/>
+              <a:uLnTx/>
+              <a:uFillTx/>
+              <a:latin typeface="Calibri" panose="020F0502020204030204" pitchFamily="34" charset="0"/>
+              <a:ea typeface="Calibri" panose="020F0502020204030204" pitchFamily="34" charset="0"/>
+              <a:cs typeface="Calibri" panose="020F0502020204030204" pitchFamily="34" charset="0"/>
+              <a:sym typeface="Calibri" panose="020F0502020204030204" pitchFamily="34" charset="0"/>
+            </a:endParaRPr>
+          </a:p>
+          <a:p>
+            <a:pPr marR="0" lvl="1" indent="0" algn="just" defTabSz="913765" rtl="0" eaLnBrk="1" fontAlgn="auto" latinLnBrk="0" hangingPunct="1">
+              <a:lnSpc>
+                <a:spcPct val="100000"/>
+              </a:lnSpc>
+              <a:spcBef>
+                <a:spcPts val="0"/>
+              </a:spcBef>
+              <a:spcAft>
+                <a:spcPts val="0"/>
+              </a:spcAft>
+              <a:buClrTx/>
+              <a:buSzTx/>
+              <a:buNone/>
+              <a:defRPr/>
+            </a:pPr>
+            <a:r>
+              <a:rPr lang="de-DE" altLang="en-US" sz="1200" i="1" noProof="0" dirty="0">
+                <a:ln>
+                  <a:noFill/>
+                </a:ln>
+                <a:solidFill>
+                  <a:srgbClr val="7F7F7F"/>
+                </a:solidFill>
+                <a:effectLst/>
+                <a:uLnTx/>
+                <a:uFillTx/>
+                <a:latin typeface="Calibri" panose="020F0502020204030204" pitchFamily="34" charset="0"/>
+                <a:ea typeface="Calibri" panose="020F0502020204030204" pitchFamily="34" charset="0"/>
+                <a:cs typeface="Calibri" panose="020F0502020204030204" pitchFamily="34" charset="0"/>
+                <a:sym typeface="Calibri" panose="020F0502020204030204" pitchFamily="34" charset="0"/>
+              </a:rPr>
               <a:t>% The function copies all images into one folder and then reorganises them</a:t>
             </a:r>
+            <a:endParaRPr lang="de-DE" altLang="en-US" sz="1200" i="1" noProof="0" dirty="0">
+              <a:ln>
+                <a:noFill/>
+              </a:ln>
+              <a:solidFill>
+                <a:srgbClr val="7F7F7F"/>
+              </a:solidFill>
+              <a:effectLst/>
+              <a:uLnTx/>
+              <a:uFillTx/>
+              <a:latin typeface="Calibri" panose="020F0502020204030204" pitchFamily="34" charset="0"/>
+              <a:ea typeface="Calibri" panose="020F0502020204030204" pitchFamily="34" charset="0"/>
+              <a:cs typeface="Calibri" panose="020F0502020204030204" pitchFamily="34" charset="0"/>
+              <a:sym typeface="Calibri" panose="020F0502020204030204" pitchFamily="34" charset="0"/>
+            </a:endParaRPr>
           </a:p>
           <a:p>
             <a:pPr marR="0" lvl="1" indent="0" algn="just" defTabSz="913765" rtl="0" eaLnBrk="1" fontAlgn="auto" latinLnBrk="0" hangingPunct="1">
@@ -19129,6 +20413,21 @@
               </a:rPr>
               <a:t>% into the PRONIA folder structure so that the pipeline tools will work on the wp3 server. </a:t>
             </a:r>
+            <a:endParaRPr lang="de-DE" altLang="en-US" sz="1200" i="1" noProof="0" dirty="0">
+              <a:ln>
+                <a:noFill/>
+              </a:ln>
+              <a:solidFill>
+                <a:srgbClr val="7F7F7F"/>
+              </a:solidFill>
+              <a:effectLst/>
+              <a:uLnTx/>
+              <a:uFillTx/>
+              <a:latin typeface="Calibri" panose="020F0502020204030204" pitchFamily="34" charset="0"/>
+              <a:ea typeface="Calibri" panose="020F0502020204030204" pitchFamily="34" charset="0"/>
+              <a:cs typeface="Calibri" panose="020F0502020204030204" pitchFamily="34" charset="0"/>
+              <a:sym typeface="Calibri" panose="020F0502020204030204" pitchFamily="34" charset="0"/>
+            </a:endParaRPr>
           </a:p>
           <a:p>
             <a:pPr marR="0" lvl="1" indent="0" algn="just" defTabSz="913765" rtl="0" eaLnBrk="1" fontAlgn="auto" latinLnBrk="0" hangingPunct="1">
@@ -19164,6 +20463,21 @@
               </a:rPr>
               <a:t>%</a:t>
             </a:r>
+            <a:endParaRPr lang="de-DE" altLang="en-US" sz="1200" i="1" noProof="0" dirty="0">
+              <a:ln>
+                <a:noFill/>
+              </a:ln>
+              <a:solidFill>
+                <a:srgbClr val="7F7F7F"/>
+              </a:solidFill>
+              <a:effectLst/>
+              <a:uLnTx/>
+              <a:uFillTx/>
+              <a:latin typeface="Calibri" panose="020F0502020204030204" pitchFamily="34" charset="0"/>
+              <a:ea typeface="Calibri" panose="020F0502020204030204" pitchFamily="34" charset="0"/>
+              <a:cs typeface="Calibri" panose="020F0502020204030204" pitchFamily="34" charset="0"/>
+              <a:sym typeface="Calibri" panose="020F0502020204030204" pitchFamily="34" charset="0"/>
+            </a:endParaRPr>
           </a:p>
           <a:p>
             <a:pPr marR="0" lvl="1" indent="0" algn="just" defTabSz="913765" rtl="0" eaLnBrk="1" fontAlgn="auto" latinLnBrk="0" hangingPunct="1">
@@ -19267,6 +20581,21 @@
               </a:rPr>
               <a:t>%   original_dir: string, set the original directory of the images</a:t>
             </a:r>
+            <a:endParaRPr lang="de-DE" altLang="en-US" sz="1200" i="1" noProof="0" dirty="0">
+              <a:ln>
+                <a:noFill/>
+              </a:ln>
+              <a:solidFill>
+                <a:srgbClr val="7F7F7F"/>
+              </a:solidFill>
+              <a:effectLst/>
+              <a:uLnTx/>
+              <a:uFillTx/>
+              <a:latin typeface="Calibri" panose="020F0502020204030204" pitchFamily="34" charset="0"/>
+              <a:ea typeface="Calibri" panose="020F0502020204030204" pitchFamily="34" charset="0"/>
+              <a:cs typeface="Calibri" panose="020F0502020204030204" pitchFamily="34" charset="0"/>
+              <a:sym typeface="Calibri" panose="020F0502020204030204" pitchFamily="34" charset="0"/>
+            </a:endParaRPr>
           </a:p>
           <a:p>
             <a:pPr marR="0" lvl="1" indent="0" algn="just" defTabSz="913765" rtl="0" eaLnBrk="1" fontAlgn="auto" latinLnBrk="0" hangingPunct="1">
@@ -19302,6 +20631,21 @@
               </a:rPr>
               <a:t>%   copy_dir: string, set the destination directoy of the images</a:t>
             </a:r>
+            <a:endParaRPr lang="de-DE" altLang="en-US" sz="1200" i="1" noProof="0" dirty="0">
+              <a:ln>
+                <a:noFill/>
+              </a:ln>
+              <a:solidFill>
+                <a:srgbClr val="7F7F7F"/>
+              </a:solidFill>
+              <a:effectLst/>
+              <a:uLnTx/>
+              <a:uFillTx/>
+              <a:latin typeface="Calibri" panose="020F0502020204030204" pitchFamily="34" charset="0"/>
+              <a:ea typeface="Calibri" panose="020F0502020204030204" pitchFamily="34" charset="0"/>
+              <a:cs typeface="Calibri" panose="020F0502020204030204" pitchFamily="34" charset="0"/>
+              <a:sym typeface="Calibri" panose="020F0502020204030204" pitchFamily="34" charset="0"/>
+            </a:endParaRPr>
           </a:p>
           <a:p>
             <a:pPr marR="0" lvl="1" indent="0" algn="just" defTabSz="913765" rtl="0" eaLnBrk="1" fontAlgn="auto" latinLnBrk="0" hangingPunct="1">
@@ -19337,6 +20681,21 @@
               </a:rPr>
               <a:t>%   bogan_id: int, set the initial bogan_id for the data set, beware: every image must have a globally unique bogan_id!</a:t>
             </a:r>
+            <a:endParaRPr lang="de-DE" altLang="en-US" sz="1200" i="1" noProof="0" dirty="0">
+              <a:ln>
+                <a:noFill/>
+              </a:ln>
+              <a:solidFill>
+                <a:srgbClr val="7F7F7F"/>
+              </a:solidFill>
+              <a:effectLst/>
+              <a:uLnTx/>
+              <a:uFillTx/>
+              <a:latin typeface="Calibri" panose="020F0502020204030204" pitchFamily="34" charset="0"/>
+              <a:ea typeface="Calibri" panose="020F0502020204030204" pitchFamily="34" charset="0"/>
+              <a:cs typeface="Calibri" panose="020F0502020204030204" pitchFamily="34" charset="0"/>
+              <a:sym typeface="Calibri" panose="020F0502020204030204" pitchFamily="34" charset="0"/>
+            </a:endParaRPr>
           </a:p>
           <a:p>
             <a:pPr marR="0" lvl="1" indent="0" algn="just" defTabSz="913765" rtl="0" eaLnBrk="1" fontAlgn="auto" latinLnBrk="0" hangingPunct="1">
@@ -19372,6 +20731,21 @@
               </a:rPr>
               <a:t>%</a:t>
             </a:r>
+            <a:endParaRPr lang="de-DE" altLang="en-US" sz="1200" i="1" noProof="0" dirty="0">
+              <a:ln>
+                <a:noFill/>
+              </a:ln>
+              <a:solidFill>
+                <a:srgbClr val="7F7F7F"/>
+              </a:solidFill>
+              <a:effectLst/>
+              <a:uLnTx/>
+              <a:uFillTx/>
+              <a:latin typeface="Calibri" panose="020F0502020204030204" pitchFamily="34" charset="0"/>
+              <a:ea typeface="Calibri" panose="020F0502020204030204" pitchFamily="34" charset="0"/>
+              <a:cs typeface="Calibri" panose="020F0502020204030204" pitchFamily="34" charset="0"/>
+              <a:sym typeface="Calibri" panose="020F0502020204030204" pitchFamily="34" charset="0"/>
+            </a:endParaRPr>
           </a:p>
           <a:p>
             <a:pPr lvl="1" algn="just" defTabSz="913765">
@@ -19487,6 +20861,21 @@
               </a:rPr>
               <a:t>%   None</a:t>
             </a:r>
+            <a:endParaRPr lang="de-DE" altLang="en-US" sz="1200" i="1" noProof="0" dirty="0">
+              <a:ln>
+                <a:noFill/>
+              </a:ln>
+              <a:solidFill>
+                <a:srgbClr val="7F7F7F"/>
+              </a:solidFill>
+              <a:effectLst/>
+              <a:uLnTx/>
+              <a:uFillTx/>
+              <a:latin typeface="Calibri" panose="020F0502020204030204" pitchFamily="34" charset="0"/>
+              <a:ea typeface="Calibri" panose="020F0502020204030204" pitchFamily="34" charset="0"/>
+              <a:cs typeface="Calibri" panose="020F0502020204030204" pitchFamily="34" charset="0"/>
+              <a:sym typeface="Calibri" panose="020F0502020204030204" pitchFamily="34" charset="0"/>
+            </a:endParaRPr>
           </a:p>
           <a:p>
             <a:pPr marR="0" lvl="1" indent="0" algn="just" defTabSz="913765" rtl="0" eaLnBrk="1" fontAlgn="auto" latinLnBrk="0" hangingPunct="1">
@@ -19536,94 +20925,21 @@
               <a:buNone/>
               <a:defRPr/>
             </a:pPr>
-            <a:r>
-              <a:rPr lang="de-DE" altLang="en-US" sz="1200" i="1" noProof="0" dirty="0">
-                <a:ln>
-                  <a:noFill/>
-                </a:ln>
-                <a:solidFill>
-                  <a:srgbClr val="7F7F7F"/>
-                </a:solidFill>
-                <a:effectLst/>
-                <a:uLnTx/>
-                <a:uFillTx/>
-                <a:latin typeface="Calibri" panose="020F0502020204030204" pitchFamily="34" charset="0"/>
-                <a:ea typeface="Calibri" panose="020F0502020204030204" pitchFamily="34" charset="0"/>
-                <a:cs typeface="Calibri" panose="020F0502020204030204" pitchFamily="34" charset="0"/>
-                <a:sym typeface="Calibri" panose="020F0502020204030204" pitchFamily="34" charset="0"/>
-              </a:rPr>
-              <a:t>% author: Mark Sen Dong</a:t>
-            </a:r>
-          </a:p>
-          <a:p>
-            <a:pPr marR="0" lvl="1" indent="0" algn="just" defTabSz="913765" rtl="0" eaLnBrk="1" fontAlgn="auto" latinLnBrk="0" hangingPunct="1">
-              <a:lnSpc>
-                <a:spcPct val="100000"/>
-              </a:lnSpc>
-              <a:spcBef>
-                <a:spcPts val="0"/>
-              </a:spcBef>
-              <a:spcAft>
-                <a:spcPts val="0"/>
-              </a:spcAft>
-              <a:buClrTx/>
-              <a:buSzTx/>
-              <a:buNone/>
-              <a:defRPr/>
-            </a:pPr>
-            <a:r>
-              <a:rPr lang="de-DE" altLang="en-US" sz="1200" i="1" noProof="0" dirty="0">
-                <a:ln>
-                  <a:noFill/>
-                </a:ln>
-                <a:solidFill>
-                  <a:srgbClr val="7F7F7F"/>
-                </a:solidFill>
-                <a:effectLst/>
-                <a:uLnTx/>
-                <a:uFillTx/>
-                <a:latin typeface="Calibri" panose="020F0502020204030204" pitchFamily="34" charset="0"/>
-                <a:ea typeface="Calibri" panose="020F0502020204030204" pitchFamily="34" charset="0"/>
-                <a:cs typeface="Calibri" panose="020F0502020204030204" pitchFamily="34" charset="0"/>
-                <a:sym typeface="Calibri" panose="020F0502020204030204" pitchFamily="34" charset="0"/>
-              </a:rPr>
-              <a:t>% date: 06 Jun 2019</a:t>
-            </a:r>
-          </a:p>
-          <a:p>
-            <a:pPr marR="0" lvl="1" indent="0" algn="just" defTabSz="913765" rtl="0" eaLnBrk="1" fontAlgn="auto" latinLnBrk="0" hangingPunct="1">
-              <a:lnSpc>
-                <a:spcPct val="100000"/>
-              </a:lnSpc>
-              <a:spcBef>
-                <a:spcPts val="0"/>
-              </a:spcBef>
-              <a:spcAft>
-                <a:spcPts val="0"/>
-              </a:spcAft>
-              <a:buClrTx/>
-              <a:buSzTx/>
-              <a:buNone/>
-              <a:defRPr/>
-            </a:pPr>
-            <a:r>
-              <a:rPr lang="de-DE" altLang="en-US" sz="1200" i="1" noProof="0" dirty="0">
-                <a:ln>
-                  <a:noFill/>
-                </a:ln>
-                <a:solidFill>
-                  <a:srgbClr val="7F7F7F"/>
-                </a:solidFill>
-                <a:effectLst/>
-                <a:uLnTx/>
-                <a:uFillTx/>
-                <a:latin typeface="Calibri" panose="020F0502020204030204" pitchFamily="34" charset="0"/>
-                <a:ea typeface="Calibri" panose="020F0502020204030204" pitchFamily="34" charset="0"/>
-                <a:cs typeface="Calibri" panose="020F0502020204030204" pitchFamily="34" charset="0"/>
-                <a:sym typeface="Calibri" panose="020F0502020204030204" pitchFamily="34" charset="0"/>
-              </a:rPr>
-              <a:t>% version: 1.0</a:t>
-            </a:r>
+            <a:endParaRPr lang="de-DE" altLang="en-US" sz="1200" i="1" noProof="0" dirty="0">
+              <a:ln>
+                <a:noFill/>
+              </a:ln>
+              <a:solidFill>
+                <a:srgbClr val="7F7F7F"/>
+              </a:solidFill>
+              <a:effectLst/>
+              <a:uLnTx/>
+              <a:uFillTx/>
+              <a:latin typeface="Calibri" panose="020F0502020204030204" pitchFamily="34" charset="0"/>
+              <a:ea typeface="Calibri" panose="020F0502020204030204" pitchFamily="34" charset="0"/>
+              <a:cs typeface="Calibri" panose="020F0502020204030204" pitchFamily="34" charset="0"/>
+              <a:sym typeface="Calibri" panose="020F0502020204030204" pitchFamily="34" charset="0"/>
+            </a:endParaRPr>
           </a:p>
         </p:txBody>
       </p:sp>
@@ -21410,6 +22726,21 @@
               </a:rPr>
               <a:t>Most of the information are extracted from </a:t>
             </a:r>
+            <a:endParaRPr kumimoji="0" lang="de-DE" altLang="en-US" sz="1200" b="0" i="0" u="none" strike="noStrike" kern="1200" cap="none" spc="150" normalizeH="0" baseline="0" noProof="0" dirty="0">
+              <a:ln>
+                <a:noFill/>
+              </a:ln>
+              <a:solidFill>
+                <a:srgbClr val="7F7F7F"/>
+              </a:solidFill>
+              <a:effectLst/>
+              <a:uLnTx/>
+              <a:uFillTx/>
+              <a:latin typeface="Calibri" panose="020F0502020204030204" pitchFamily="34" charset="0"/>
+              <a:ea typeface="Calibri" panose="020F0502020204030204" pitchFamily="34" charset="0"/>
+              <a:cs typeface="Calibri" panose="020F0502020204030204" pitchFamily="34" charset="0"/>
+              <a:sym typeface="Calibri" panose="020F0502020204030204" pitchFamily="34" charset="0"/>
+            </a:endParaRPr>
           </a:p>
           <a:p>
             <a:pPr marL="0" marR="0" lvl="0" indent="0" algn="ctr" defTabSz="913765" rtl="0" eaLnBrk="1" fontAlgn="auto" latinLnBrk="0" hangingPunct="1">
@@ -21446,6 +22777,21 @@
               </a:rPr>
               <a:t>MATLAB Style Guidelines 2.0 and my personal experiences :) </a:t>
             </a:r>
+            <a:endParaRPr kumimoji="0" lang="de-DE" altLang="en-US" sz="1200" b="0" i="0" u="none" strike="noStrike" kern="1200" cap="none" spc="150" normalizeH="0" baseline="0" noProof="0" dirty="0">
+              <a:ln>
+                <a:noFill/>
+              </a:ln>
+              <a:solidFill>
+                <a:srgbClr val="7F7F7F"/>
+              </a:solidFill>
+              <a:effectLst/>
+              <a:uLnTx/>
+              <a:uFillTx/>
+              <a:latin typeface="Calibri" panose="020F0502020204030204" pitchFamily="34" charset="0"/>
+              <a:ea typeface="Calibri" panose="020F0502020204030204" pitchFamily="34" charset="0"/>
+              <a:cs typeface="Calibri" panose="020F0502020204030204" pitchFamily="34" charset="0"/>
+              <a:sym typeface="Calibri" panose="020F0502020204030204" pitchFamily="34" charset="0"/>
+            </a:endParaRPr>
           </a:p>
         </p:txBody>
       </p:sp>
@@ -21579,6 +22925,21 @@
               </a:rPr>
               <a:t>VISIT MY GITHUB FOR ADDITIONAL RESOURCES </a:t>
             </a:r>
+            <a:endParaRPr kumimoji="0" lang="de-DE" altLang="en-US" sz="1600" b="1" i="0" u="none" strike="noStrike" kern="1200" cap="none" spc="600" normalizeH="0" baseline="0" noProof="0" dirty="0">
+              <a:ln>
+                <a:noFill/>
+              </a:ln>
+              <a:solidFill>
+                <a:srgbClr val="000000"/>
+              </a:solidFill>
+              <a:effectLst/>
+              <a:uLnTx/>
+              <a:uFillTx/>
+              <a:latin typeface="Calibri" panose="020F0502020204030204" pitchFamily="34" charset="0"/>
+              <a:ea typeface="Calibri" panose="020F0502020204030204" pitchFamily="34" charset="0"/>
+              <a:cs typeface="Calibri" panose="020F0502020204030204" pitchFamily="34" charset="0"/>
+              <a:sym typeface="Calibri" panose="020F0502020204030204" pitchFamily="34" charset="0"/>
+            </a:endParaRPr>
           </a:p>
         </p:txBody>
       </p:sp>
@@ -21638,6 +22999,21 @@
               </a:rPr>
               <a:t>https://github.com/MarkSenDong/Code_Standardization</a:t>
             </a:r>
+            <a:endParaRPr kumimoji="0" lang="en-US" sz="1000" b="0" i="0" u="none" strike="noStrike" kern="1200" cap="none" spc="150" normalizeH="0" baseline="0" noProof="0" dirty="0">
+              <a:ln>
+                <a:noFill/>
+              </a:ln>
+              <a:solidFill>
+                <a:srgbClr val="7F7F7F"/>
+              </a:solidFill>
+              <a:effectLst/>
+              <a:uLnTx/>
+              <a:uFillTx/>
+              <a:latin typeface="Calibri" panose="020F0502020204030204" pitchFamily="34" charset="0"/>
+              <a:ea typeface="Calibri" panose="020F0502020204030204" pitchFamily="34" charset="0"/>
+              <a:cs typeface="Calibri" panose="020F0502020204030204" pitchFamily="34" charset="0"/>
+              <a:sym typeface="Calibri" panose="020F0502020204030204" pitchFamily="34" charset="0"/>
+            </a:endParaRPr>
           </a:p>
         </p:txBody>
       </p:sp>
@@ -21682,7 +23058,7 @@
           </p:nvPr>
         </p:nvPicPr>
         <p:blipFill>
-          <a:blip r:embed="rId3">
+          <a:blip r:embed="rId1">
             <a:extLst>
               <a:ext uri="{28A0092B-C50C-407E-A947-70E740481C1C}">
                 <a14:useLocalDpi xmlns:a14="http://schemas.microsoft.com/office/drawing/2010/main" val="0"/>
@@ -21705,7 +23081,7 @@
           <p:nvPr/>
         </p:nvPicPr>
         <p:blipFill>
-          <a:blip r:embed="rId4"/>
+          <a:blip r:embed="rId2"/>
           <a:srcRect/>
           <a:stretch>
             <a:fillRect/>
@@ -21843,6 +23219,13 @@
               </a:rPr>
               <a:t>Why we need code standardisation?</a:t>
             </a:r>
+            <a:endParaRPr lang="de-DE" altLang="zh-CN" sz="1600" dirty="0">
+              <a:solidFill>
+                <a:schemeClr val="tx2"/>
+              </a:solidFill>
+              <a:ea typeface="Calibri" panose="020F0502020204030204" pitchFamily="34" charset="0"/>
+              <a:cs typeface="Calibri" panose="020F0502020204030204" pitchFamily="34" charset="0"/>
+            </a:endParaRPr>
           </a:p>
         </p:txBody>
       </p:sp>
@@ -22425,6 +23808,13 @@
               </a:rPr>
               <a:t>5</a:t>
             </a:r>
+            <a:endParaRPr lang="de-DE" altLang="en-US" sz="2400" dirty="0">
+              <a:solidFill>
+                <a:schemeClr val="tx2"/>
+              </a:solidFill>
+              <a:ea typeface="Calibri" panose="020F0502020204030204" pitchFamily="34" charset="0"/>
+              <a:cs typeface="Calibri" panose="020F0502020204030204" pitchFamily="34" charset="0"/>
+            </a:endParaRPr>
           </a:p>
         </p:txBody>
       </p:sp>
@@ -22460,6 +23850,13 @@
               </a:rPr>
               <a:t>Commenting &amp; Documentation </a:t>
             </a:r>
+            <a:endParaRPr lang="de-DE" altLang="zh-CN" sz="1600" dirty="0">
+              <a:solidFill>
+                <a:schemeClr val="tx2"/>
+              </a:solidFill>
+              <a:ea typeface="Calibri" panose="020F0502020204030204" pitchFamily="34" charset="0"/>
+              <a:cs typeface="Calibri" panose="020F0502020204030204" pitchFamily="34" charset="0"/>
+            </a:endParaRPr>
           </a:p>
         </p:txBody>
       </p:sp>
@@ -22582,6 +23979,13 @@
               </a:rPr>
               <a:t>1</a:t>
             </a:r>
+            <a:endParaRPr lang="de-DE" altLang="en-US" sz="4000" b="1" dirty="0">
+              <a:solidFill>
+                <a:schemeClr val="tx2"/>
+              </a:solidFill>
+              <a:ea typeface="Calibri" panose="020F0502020204030204" pitchFamily="34" charset="0"/>
+              <a:cs typeface="Calibri" panose="020F0502020204030204" pitchFamily="34" charset="0"/>
+            </a:endParaRPr>
           </a:p>
         </p:txBody>
       </p:sp>
@@ -22660,6 +24064,12 @@
               </a:rPr>
               <a:t>“Any fool can write code that a computer can understand. Good programmers write code that humans can understand. ”</a:t>
             </a:r>
+            <a:endParaRPr lang="en-US" altLang="zh-CN" sz="1200">
+              <a:latin typeface="Calibri" panose="020F0502020204030204" pitchFamily="34" charset="0"/>
+              <a:ea typeface="Calibri" panose="020F0502020204030204" pitchFamily="34" charset="0"/>
+              <a:cs typeface="Calibri" panose="020F0502020204030204" pitchFamily="34" charset="0"/>
+              <a:sym typeface="Arial" panose="020B0604020202020204" pitchFamily="34" charset="0"/>
+            </a:endParaRPr>
           </a:p>
           <a:p>
             <a:pPr lvl="0" algn="ctr"/>
@@ -22672,6 +24082,12 @@
               </a:rPr>
               <a:t> </a:t>
             </a:r>
+            <a:endParaRPr lang="en-US" altLang="zh-CN" sz="1200">
+              <a:latin typeface="Calibri" panose="020F0502020204030204" pitchFamily="34" charset="0"/>
+              <a:ea typeface="Calibri" panose="020F0502020204030204" pitchFamily="34" charset="0"/>
+              <a:cs typeface="Calibri" panose="020F0502020204030204" pitchFamily="34" charset="0"/>
+              <a:sym typeface="Arial" panose="020B0604020202020204" pitchFamily="34" charset="0"/>
+            </a:endParaRPr>
           </a:p>
           <a:p>
             <a:pPr lvl="0" algn="ctr"/>
@@ -22772,7 +24188,7 @@
           </p:nvPr>
         </p:nvPicPr>
         <p:blipFill>
-          <a:blip r:embed="rId3"/>
+          <a:blip r:embed="rId1"/>
           <a:srcRect/>
           <a:stretch>
             <a:fillRect/>
@@ -22796,7 +24212,7 @@
           </p:nvPr>
         </p:nvPicPr>
         <p:blipFill>
-          <a:blip r:embed="rId4"/>
+          <a:blip r:embed="rId2"/>
           <a:srcRect/>
           <a:stretch>
             <a:fillRect/>
@@ -22820,7 +24236,7 @@
           </p:nvPr>
         </p:nvPicPr>
         <p:blipFill>
-          <a:blip r:embed="rId5"/>
+          <a:blip r:embed="rId3"/>
           <a:srcRect/>
           <a:stretch>
             <a:fillRect/>
@@ -22889,6 +24305,21 @@
               </a:rPr>
               <a:t>Less code means less time to read through, and less potential bugs</a:t>
             </a:r>
+            <a:endParaRPr kumimoji="0" lang="de-DE" altLang="en-US" sz="1200" b="0" i="0" u="none" strike="noStrike" kern="1200" cap="none" spc="150" normalizeH="0" baseline="0" noProof="0" dirty="0">
+              <a:ln>
+                <a:noFill/>
+              </a:ln>
+              <a:solidFill>
+                <a:srgbClr val="7F7F7F"/>
+              </a:solidFill>
+              <a:effectLst/>
+              <a:uLnTx/>
+              <a:uFillTx/>
+              <a:latin typeface="Calibri" panose="020F0502020204030204" pitchFamily="34" charset="0"/>
+              <a:ea typeface="Calibri" panose="020F0502020204030204" pitchFamily="34" charset="0"/>
+              <a:cs typeface="Calibri" panose="020F0502020204030204" pitchFamily="34" charset="0"/>
+              <a:sym typeface="Calibri" panose="020F0502020204030204" pitchFamily="34" charset="0"/>
+            </a:endParaRPr>
           </a:p>
         </p:txBody>
       </p:sp>
@@ -22948,6 +24379,21 @@
               </a:rPr>
               <a:t>Write code for your future self, and don't expect your future self to be much smarter than now</a:t>
             </a:r>
+            <a:endParaRPr kumimoji="0" lang="de-DE" altLang="en-US" sz="1200" b="0" i="0" u="none" strike="noStrike" kern="1200" cap="none" spc="150" normalizeH="0" baseline="0" noProof="0" dirty="0">
+              <a:ln>
+                <a:noFill/>
+              </a:ln>
+              <a:solidFill>
+                <a:srgbClr val="7F7F7F"/>
+              </a:solidFill>
+              <a:effectLst/>
+              <a:uLnTx/>
+              <a:uFillTx/>
+              <a:latin typeface="Calibri" panose="020F0502020204030204" pitchFamily="34" charset="0"/>
+              <a:ea typeface="Calibri" panose="020F0502020204030204" pitchFamily="34" charset="0"/>
+              <a:cs typeface="Calibri" panose="020F0502020204030204" pitchFamily="34" charset="0"/>
+              <a:sym typeface="Calibri" panose="020F0502020204030204" pitchFamily="34" charset="0"/>
+            </a:endParaRPr>
           </a:p>
         </p:txBody>
       </p:sp>
@@ -23007,6 +24453,21 @@
               </a:rPr>
               <a:t>Code should be written with the expectation that one day someone else will use it, debug it or change it</a:t>
             </a:r>
+            <a:endParaRPr kumimoji="0" lang="de-DE" altLang="en-US" sz="1200" b="0" i="0" u="none" strike="noStrike" kern="1200" cap="none" spc="150" normalizeH="0" baseline="0" noProof="0" dirty="0">
+              <a:ln>
+                <a:noFill/>
+              </a:ln>
+              <a:solidFill>
+                <a:srgbClr val="7F7F7F"/>
+              </a:solidFill>
+              <a:effectLst/>
+              <a:uLnTx/>
+              <a:uFillTx/>
+              <a:latin typeface="Calibri" panose="020F0502020204030204" pitchFamily="34" charset="0"/>
+              <a:ea typeface="Calibri" panose="020F0502020204030204" pitchFamily="34" charset="0"/>
+              <a:cs typeface="Calibri" panose="020F0502020204030204" pitchFamily="34" charset="0"/>
+              <a:sym typeface="Calibri" panose="020F0502020204030204" pitchFamily="34" charset="0"/>
+            </a:endParaRPr>
           </a:p>
         </p:txBody>
       </p:sp>
@@ -23195,6 +24656,13 @@
               </a:rPr>
               <a:t>2</a:t>
             </a:r>
+            <a:endParaRPr lang="de-DE" altLang="en-US" sz="4000" b="1" dirty="0">
+              <a:solidFill>
+                <a:schemeClr val="tx2"/>
+              </a:solidFill>
+              <a:ea typeface="Calibri" panose="020F0502020204030204" pitchFamily="34" charset="0"/>
+              <a:cs typeface="Calibri" panose="020F0502020204030204" pitchFamily="34" charset="0"/>
+            </a:endParaRPr>
           </a:p>
         </p:txBody>
       </p:sp>
@@ -23304,6 +24772,21 @@
               </a:rPr>
               <a:t>The purpose of a software naming convention is to help the reader and the programmer. </a:t>
             </a:r>
+            <a:endParaRPr lang="en-US" sz="1200" spc="150" noProof="0" dirty="0">
+              <a:ln>
+                <a:noFill/>
+              </a:ln>
+              <a:solidFill>
+                <a:srgbClr val="7F7F7F"/>
+              </a:solidFill>
+              <a:effectLst/>
+              <a:uLnTx/>
+              <a:uFillTx/>
+              <a:latin typeface="Calibri" panose="020F0502020204030204" pitchFamily="34" charset="0"/>
+              <a:ea typeface="Calibri" panose="020F0502020204030204" pitchFamily="34" charset="0"/>
+              <a:cs typeface="Calibri" panose="020F0502020204030204" pitchFamily="34" charset="0"/>
+              <a:sym typeface="Calibri" panose="020F0502020204030204" pitchFamily="34" charset="0"/>
+            </a:endParaRPr>
           </a:p>
           <a:p>
             <a:pPr marL="0" marR="0" lvl="0" indent="0" algn="ctr" defTabSz="913765" rtl="0" eaLnBrk="1" fontAlgn="auto" latinLnBrk="0" hangingPunct="1">
@@ -23523,6 +25006,21 @@
               </a:rPr>
               <a:t>Write variable names in mixed case starting with lower case </a:t>
             </a:r>
+            <a:endParaRPr kumimoji="0" lang="en-US" sz="1400" b="1" i="0" u="none" strike="noStrike" kern="1200" cap="none" spc="0" normalizeH="0" baseline="0" noProof="0" dirty="0">
+              <a:ln>
+                <a:noFill/>
+              </a:ln>
+              <a:solidFill>
+                <a:srgbClr val="7F7F7F"/>
+              </a:solidFill>
+              <a:effectLst/>
+              <a:uLnTx/>
+              <a:uFillTx/>
+              <a:latin typeface="Calibri" panose="020F0502020204030204" pitchFamily="34" charset="0"/>
+              <a:ea typeface="Calibri" panose="020F0502020204030204" pitchFamily="34" charset="0"/>
+              <a:cs typeface="Calibri" panose="020F0502020204030204" pitchFamily="34" charset="0"/>
+              <a:sym typeface="Calibri" panose="020F0502020204030204" pitchFamily="34" charset="0"/>
+            </a:endParaRPr>
           </a:p>
           <a:p>
             <a:pPr marR="0" lvl="0" indent="0" algn="just" defTabSz="913765" rtl="0" eaLnBrk="1" fontAlgn="auto" latinLnBrk="0" hangingPunct="1">
@@ -23722,6 +25220,21 @@
               </a:rPr>
               <a:t>Use the prefix n for variables representing the number of objects</a:t>
             </a:r>
+            <a:endParaRPr kumimoji="0" lang="de-DE" altLang="en-US" sz="1400" b="1" i="0" u="none" strike="noStrike" kern="1200" cap="none" spc="0" normalizeH="0" baseline="0" noProof="0" dirty="0">
+              <a:ln>
+                <a:noFill/>
+              </a:ln>
+              <a:solidFill>
+                <a:srgbClr val="7F7F7F"/>
+              </a:solidFill>
+              <a:effectLst/>
+              <a:uLnTx/>
+              <a:uFillTx/>
+              <a:latin typeface="Calibri" panose="020F0502020204030204" pitchFamily="34" charset="0"/>
+              <a:ea typeface="Calibri" panose="020F0502020204030204" pitchFamily="34" charset="0"/>
+              <a:cs typeface="Calibri" panose="020F0502020204030204" pitchFamily="34" charset="0"/>
+              <a:sym typeface="Calibri" panose="020F0502020204030204" pitchFamily="34" charset="0"/>
+            </a:endParaRPr>
           </a:p>
           <a:p>
             <a:pPr marR="0" lvl="0" indent="0" algn="just" defTabSz="913765" rtl="0" eaLnBrk="1" fontAlgn="auto" latinLnBrk="0" hangingPunct="1">
@@ -23807,6 +25320,21 @@
               </a:rPr>
               <a:t> </a:t>
             </a:r>
+            <a:endParaRPr kumimoji="0" lang="de-DE" altLang="en-US" sz="1400" b="0" i="0" u="none" strike="noStrike" kern="1200" cap="none" spc="0" normalizeH="0" baseline="0" noProof="0" dirty="0">
+              <a:ln>
+                <a:noFill/>
+              </a:ln>
+              <a:solidFill>
+                <a:srgbClr val="7F7F7F"/>
+              </a:solidFill>
+              <a:effectLst/>
+              <a:uLnTx/>
+              <a:uFillTx/>
+              <a:latin typeface="Calibri" panose="020F0502020204030204" pitchFamily="34" charset="0"/>
+              <a:ea typeface="Calibri" panose="020F0502020204030204" pitchFamily="34" charset="0"/>
+              <a:cs typeface="Calibri" panose="020F0502020204030204" pitchFamily="34" charset="0"/>
+              <a:sym typeface="Calibri" panose="020F0502020204030204" pitchFamily="34" charset="0"/>
+            </a:endParaRPr>
           </a:p>
           <a:p>
             <a:pPr marR="0" lvl="0" indent="0" algn="just" defTabSz="913765" rtl="0" eaLnBrk="1" fontAlgn="auto" latinLnBrk="0" hangingPunct="1">
@@ -23860,6 +25388,21 @@
               </a:rPr>
               <a:t>(There shouldn't be loops deeper than 5 levels in general)</a:t>
             </a:r>
+            <a:endParaRPr kumimoji="0" lang="de-DE" altLang="en-US" sz="1200" b="0" i="0" u="none" strike="noStrike" kern="1200" cap="none" spc="0" normalizeH="0" baseline="0" noProof="0" dirty="0">
+              <a:ln>
+                <a:noFill/>
+              </a:ln>
+              <a:solidFill>
+                <a:srgbClr val="7F7F7F"/>
+              </a:solidFill>
+              <a:effectLst/>
+              <a:uLnTx/>
+              <a:uFillTx/>
+              <a:latin typeface="Calibri" panose="020F0502020204030204" pitchFamily="34" charset="0"/>
+              <a:ea typeface="Calibri" panose="020F0502020204030204" pitchFamily="34" charset="0"/>
+              <a:cs typeface="Calibri" panose="020F0502020204030204" pitchFamily="34" charset="0"/>
+              <a:sym typeface="Calibri" panose="020F0502020204030204" pitchFamily="34" charset="0"/>
+            </a:endParaRPr>
           </a:p>
           <a:p>
             <a:pPr marR="0" lvl="1" indent="0" algn="just" defTabSz="913765" rtl="0" eaLnBrk="1" fontAlgn="auto" latinLnBrk="0" hangingPunct="1">
@@ -24395,6 +25938,21 @@
               </a:rPr>
               <a:t>Minimize abbreviations in names</a:t>
             </a:r>
+            <a:endParaRPr lang="de-DE" altLang="en-US" sz="1400" b="1" noProof="0" dirty="0">
+              <a:ln>
+                <a:noFill/>
+              </a:ln>
+              <a:solidFill>
+                <a:srgbClr val="7F7F7F"/>
+              </a:solidFill>
+              <a:effectLst/>
+              <a:uLnTx/>
+              <a:uFillTx/>
+              <a:latin typeface="Calibri" panose="020F0502020204030204" pitchFamily="34" charset="0"/>
+              <a:ea typeface="Calibri" panose="020F0502020204030204" pitchFamily="34" charset="0"/>
+              <a:cs typeface="Calibri" panose="020F0502020204030204" pitchFamily="34" charset="0"/>
+              <a:sym typeface="Calibri" panose="020F0502020204030204" pitchFamily="34" charset="0"/>
+            </a:endParaRPr>
           </a:p>
           <a:p>
             <a:pPr marR="0" lvl="0" indent="0" algn="just" defTabSz="913765" rtl="0" eaLnBrk="1" fontAlgn="auto" latinLnBrk="0" hangingPunct="1">
@@ -24448,6 +26006,21 @@
               </a:rPr>
               <a:t> ArrivalTime</a:t>
             </a:r>
+            <a:endParaRPr lang="de-DE" altLang="en-US" sz="1200" i="1" noProof="0" dirty="0">
+              <a:ln>
+                <a:noFill/>
+              </a:ln>
+              <a:solidFill>
+                <a:srgbClr val="7F7F7F"/>
+              </a:solidFill>
+              <a:effectLst/>
+              <a:uLnTx/>
+              <a:uFillTx/>
+              <a:latin typeface="Calibri" panose="020F0502020204030204" pitchFamily="34" charset="0"/>
+              <a:ea typeface="Calibri" panose="020F0502020204030204" pitchFamily="34" charset="0"/>
+              <a:cs typeface="Calibri" panose="020F0502020204030204" pitchFamily="34" charset="0"/>
+              <a:sym typeface="Calibri" panose="020F0502020204030204" pitchFamily="34" charset="0"/>
+            </a:endParaRPr>
           </a:p>
           <a:p>
             <a:pPr marR="0" lvl="0" indent="0" algn="just" defTabSz="913765" rtl="0" eaLnBrk="1" fontAlgn="auto" latinLnBrk="0" hangingPunct="1">
@@ -24651,6 +26224,21 @@
               </a:rPr>
               <a:t>isFound </a:t>
             </a:r>
+            <a:endParaRPr kumimoji="0" lang="de-DE" altLang="en-US" sz="1200" b="0" i="1" u="none" strike="noStrike" kern="1200" cap="none" spc="0" normalizeH="0" baseline="0" noProof="0" dirty="0">
+              <a:ln>
+                <a:noFill/>
+              </a:ln>
+              <a:solidFill>
+                <a:srgbClr val="7F7F7F"/>
+              </a:solidFill>
+              <a:effectLst/>
+              <a:uLnTx/>
+              <a:uFillTx/>
+              <a:latin typeface="Calibri" panose="020F0502020204030204" pitchFamily="34" charset="0"/>
+              <a:ea typeface="Calibri" panose="020F0502020204030204" pitchFamily="34" charset="0"/>
+              <a:cs typeface="Calibri" panose="020F0502020204030204" pitchFamily="34" charset="0"/>
+              <a:sym typeface="Calibri" panose="020F0502020204030204" pitchFamily="34" charset="0"/>
+            </a:endParaRPr>
           </a:p>
           <a:p>
             <a:pPr marR="0" lvl="0" indent="0" algn="just" defTabSz="913765" rtl="0" eaLnBrk="1" fontAlgn="auto" latinLnBrk="0" hangingPunct="1">
@@ -24786,6 +26374,21 @@
               </a:rPr>
               <a:t>Avoid Variable Names reserved by Matlab or shadows functions</a:t>
             </a:r>
+            <a:endParaRPr kumimoji="0" lang="de-DE" altLang="en-US" sz="1400" b="1" u="none" strike="noStrike" kern="1200" cap="none" spc="0" normalizeH="0" baseline="0" noProof="0" dirty="0">
+              <a:ln>
+                <a:noFill/>
+              </a:ln>
+              <a:solidFill>
+                <a:srgbClr val="7F7F7F"/>
+              </a:solidFill>
+              <a:effectLst/>
+              <a:uLnTx/>
+              <a:uFillTx/>
+              <a:latin typeface="Calibri" panose="020F0502020204030204" pitchFamily="34" charset="0"/>
+              <a:ea typeface="Calibri" panose="020F0502020204030204" pitchFamily="34" charset="0"/>
+              <a:cs typeface="Calibri" panose="020F0502020204030204" pitchFamily="34" charset="0"/>
+              <a:sym typeface="Calibri" panose="020F0502020204030204" pitchFamily="34" charset="0"/>
+            </a:endParaRPr>
           </a:p>
           <a:p>
             <a:pPr marR="0" lvl="0" indent="0" algn="just" defTabSz="913765" rtl="0" eaLnBrk="1" fontAlgn="auto" latinLnBrk="0" hangingPunct="1">
@@ -24821,6 +26424,21 @@
               </a:rPr>
               <a:t>How to avoid it: https://www.mathworks.com/help/matlab/ref/iskeyword.html</a:t>
             </a:r>
+            <a:endParaRPr kumimoji="0" lang="de-DE" altLang="en-US" sz="1200" u="none" strike="noStrike" kern="1200" cap="none" spc="0" normalizeH="0" baseline="0" noProof="0" dirty="0">
+              <a:ln>
+                <a:noFill/>
+              </a:ln>
+              <a:solidFill>
+                <a:srgbClr val="7F7F7F"/>
+              </a:solidFill>
+              <a:effectLst/>
+              <a:uLnTx/>
+              <a:uFillTx/>
+              <a:latin typeface="Calibri" panose="020F0502020204030204" pitchFamily="34" charset="0"/>
+              <a:ea typeface="Calibri" panose="020F0502020204030204" pitchFamily="34" charset="0"/>
+              <a:cs typeface="Calibri" panose="020F0502020204030204" pitchFamily="34" charset="0"/>
+              <a:sym typeface="Calibri" panose="020F0502020204030204" pitchFamily="34" charset="0"/>
+            </a:endParaRPr>
           </a:p>
         </p:txBody>
       </p:sp>
@@ -27611,6 +29229,21 @@
               </a:rPr>
               <a:t>Constant names with local scope (within an mfile) should be all uppercase using underscore to separate words </a:t>
             </a:r>
+            <a:endParaRPr kumimoji="0" lang="en-US" sz="1400" b="1" i="0" u="none" strike="noStrike" kern="1200" cap="none" spc="0" normalizeH="0" baseline="0" noProof="0" dirty="0">
+              <a:ln>
+                <a:noFill/>
+              </a:ln>
+              <a:solidFill>
+                <a:srgbClr val="7F7F7F"/>
+              </a:solidFill>
+              <a:effectLst/>
+              <a:uLnTx/>
+              <a:uFillTx/>
+              <a:latin typeface="Calibri" panose="020F0502020204030204" pitchFamily="34" charset="0"/>
+              <a:ea typeface="Calibri" panose="020F0502020204030204" pitchFamily="34" charset="0"/>
+              <a:cs typeface="Calibri" panose="020F0502020204030204" pitchFamily="34" charset="0"/>
+              <a:sym typeface="Calibri" panose="020F0502020204030204" pitchFamily="34" charset="0"/>
+            </a:endParaRPr>
           </a:p>
           <a:p>
             <a:pPr marR="0" lvl="0" indent="0" algn="just" defTabSz="913765" rtl="0" eaLnBrk="1" fontAlgn="auto" latinLnBrk="0" hangingPunct="1">
@@ -27646,6 +29279,21 @@
               </a:rPr>
               <a:t>MAX_ITERATIONS, COLOR_RED</a:t>
             </a:r>
+            <a:endParaRPr kumimoji="0" lang="en-US" sz="1200" b="0" i="1" u="none" strike="noStrike" kern="1200" cap="none" spc="0" normalizeH="0" baseline="0" noProof="0" dirty="0">
+              <a:ln>
+                <a:noFill/>
+              </a:ln>
+              <a:solidFill>
+                <a:srgbClr val="7F7F7F"/>
+              </a:solidFill>
+              <a:effectLst/>
+              <a:uLnTx/>
+              <a:uFillTx/>
+              <a:latin typeface="Calibri" panose="020F0502020204030204" pitchFamily="34" charset="0"/>
+              <a:ea typeface="Calibri" panose="020F0502020204030204" pitchFamily="34" charset="0"/>
+              <a:cs typeface="Calibri" panose="020F0502020204030204" pitchFamily="34" charset="0"/>
+              <a:sym typeface="Calibri" panose="020F0502020204030204" pitchFamily="34" charset="0"/>
+            </a:endParaRPr>
           </a:p>
           <a:p>
             <a:pPr marR="0" lvl="0" indent="0" algn="just" defTabSz="913765" rtl="0" eaLnBrk="1" fontAlgn="auto" latinLnBrk="0" hangingPunct="1">
@@ -27713,6 +29361,21 @@
               </a:rPr>
               <a:t>Use meaningful names for constants</a:t>
             </a:r>
+            <a:endParaRPr kumimoji="0" lang="de-DE" altLang="en-US" sz="1400" b="1" i="0" u="none" strike="noStrike" kern="1200" cap="none" spc="0" normalizeH="0" baseline="0" noProof="0" dirty="0">
+              <a:ln>
+                <a:noFill/>
+              </a:ln>
+              <a:solidFill>
+                <a:srgbClr val="7F7F7F"/>
+              </a:solidFill>
+              <a:effectLst/>
+              <a:uLnTx/>
+              <a:uFillTx/>
+              <a:latin typeface="Calibri" panose="020F0502020204030204" pitchFamily="34" charset="0"/>
+              <a:ea typeface="Calibri" panose="020F0502020204030204" pitchFamily="34" charset="0"/>
+              <a:cs typeface="Calibri" panose="020F0502020204030204" pitchFamily="34" charset="0"/>
+              <a:sym typeface="Calibri" panose="020F0502020204030204" pitchFamily="34" charset="0"/>
+            </a:endParaRPr>
           </a:p>
           <a:p>
             <a:pPr marR="0" lvl="0" indent="0" algn="just" defTabSz="913765" rtl="0" eaLnBrk="1" fontAlgn="auto" latinLnBrk="0" hangingPunct="1">
@@ -27766,6 +29429,21 @@
               </a:rPr>
               <a:t> MAX_ITERATIONS</a:t>
             </a:r>
+            <a:endParaRPr kumimoji="0" lang="de-DE" altLang="en-US" sz="1200" i="1" u="none" strike="noStrike" kern="1200" cap="none" spc="0" normalizeH="0" baseline="0" noProof="0" dirty="0">
+              <a:ln>
+                <a:noFill/>
+              </a:ln>
+              <a:solidFill>
+                <a:srgbClr val="7F7F7F"/>
+              </a:solidFill>
+              <a:effectLst/>
+              <a:uLnTx/>
+              <a:uFillTx/>
+              <a:latin typeface="Calibri" panose="020F0502020204030204" pitchFamily="34" charset="0"/>
+              <a:ea typeface="Calibri" panose="020F0502020204030204" pitchFamily="34" charset="0"/>
+              <a:cs typeface="Calibri" panose="020F0502020204030204" pitchFamily="34" charset="0"/>
+              <a:sym typeface="Calibri" panose="020F0502020204030204" pitchFamily="34" charset="0"/>
+            </a:endParaRPr>
           </a:p>
           <a:p>
             <a:pPr marR="0" lvl="0" indent="0" algn="just" defTabSz="913765" rtl="0" eaLnBrk="1" fontAlgn="auto" latinLnBrk="0" hangingPunct="1">
@@ -28782,6 +30460,21 @@
               </a:rPr>
               <a:t> Segment.length</a:t>
             </a:r>
+            <a:endParaRPr lang="de-DE" altLang="en-US" sz="1200" i="1" noProof="0" dirty="0">
+              <a:ln>
+                <a:noFill/>
+              </a:ln>
+              <a:solidFill>
+                <a:srgbClr val="7F7F7F"/>
+              </a:solidFill>
+              <a:effectLst/>
+              <a:uLnTx/>
+              <a:uFillTx/>
+              <a:latin typeface="Calibri" panose="020F0502020204030204" pitchFamily="34" charset="0"/>
+              <a:ea typeface="Calibri" panose="020F0502020204030204" pitchFamily="34" charset="0"/>
+              <a:cs typeface="Calibri" panose="020F0502020204030204" pitchFamily="34" charset="0"/>
+              <a:sym typeface="Calibri" panose="020F0502020204030204" pitchFamily="34" charset="0"/>
+            </a:endParaRPr>
           </a:p>
           <a:p>
             <a:pPr marR="0" lvl="0" indent="0" algn="just" defTabSz="913765" rtl="0" eaLnBrk="1" fontAlgn="auto" latinLnBrk="0" hangingPunct="1">
@@ -29648,6 +31341,21 @@
               </a:rPr>
               <a:t>Use meaningful function names</a:t>
             </a:r>
+            <a:endParaRPr kumimoji="0" lang="en-US" sz="1400" b="1" i="0" u="none" strike="noStrike" kern="1200" cap="none" spc="0" normalizeH="0" baseline="0" noProof="0" dirty="0">
+              <a:ln>
+                <a:noFill/>
+              </a:ln>
+              <a:solidFill>
+                <a:srgbClr val="7F7F7F"/>
+              </a:solidFill>
+              <a:effectLst/>
+              <a:uLnTx/>
+              <a:uFillTx/>
+              <a:latin typeface="Calibri" panose="020F0502020204030204" pitchFamily="34" charset="0"/>
+              <a:ea typeface="Calibri" panose="020F0502020204030204" pitchFamily="34" charset="0"/>
+              <a:cs typeface="Calibri" panose="020F0502020204030204" pitchFamily="34" charset="0"/>
+              <a:sym typeface="Calibri" panose="020F0502020204030204" pitchFamily="34" charset="0"/>
+            </a:endParaRPr>
           </a:p>
           <a:p>
             <a:pPr marR="0" lvl="0" indent="0" algn="just" defTabSz="913765" rtl="0" eaLnBrk="1" fontAlgn="auto" latinLnBrk="0" hangingPunct="1">
@@ -29701,6 +31409,21 @@
               </a:rPr>
               <a:t> computeTotalWidth</a:t>
             </a:r>
+            <a:endParaRPr lang="de-DE" altLang="en-US" sz="1200" i="1" noProof="0" dirty="0">
+              <a:ln>
+                <a:noFill/>
+              </a:ln>
+              <a:solidFill>
+                <a:srgbClr val="7F7F7F"/>
+              </a:solidFill>
+              <a:effectLst/>
+              <a:uLnTx/>
+              <a:uFillTx/>
+              <a:latin typeface="Calibri" panose="020F0502020204030204" pitchFamily="34" charset="0"/>
+              <a:ea typeface="Calibri" panose="020F0502020204030204" pitchFamily="34" charset="0"/>
+              <a:cs typeface="Calibri" panose="020F0502020204030204" pitchFamily="34" charset="0"/>
+              <a:sym typeface="Calibri" panose="020F0502020204030204" pitchFamily="34" charset="0"/>
+            </a:endParaRPr>
           </a:p>
           <a:p>
             <a:pPr marR="0" lvl="0" indent="0" algn="just" defTabSz="913765" rtl="0" eaLnBrk="1" fontAlgn="auto" latinLnBrk="0" hangingPunct="1">
@@ -29754,6 +31477,21 @@
               </a:rPr>
               <a:t> compwid</a:t>
             </a:r>
+            <a:endParaRPr lang="de-DE" altLang="en-US" sz="1200" i="1" noProof="0" dirty="0">
+              <a:ln>
+                <a:noFill/>
+              </a:ln>
+              <a:solidFill>
+                <a:srgbClr val="7F7F7F"/>
+              </a:solidFill>
+              <a:effectLst/>
+              <a:uLnTx/>
+              <a:uFillTx/>
+              <a:latin typeface="Calibri" panose="020F0502020204030204" pitchFamily="34" charset="0"/>
+              <a:ea typeface="Calibri" panose="020F0502020204030204" pitchFamily="34" charset="0"/>
+              <a:cs typeface="Calibri" panose="020F0502020204030204" pitchFamily="34" charset="0"/>
+              <a:sym typeface="Calibri" panose="020F0502020204030204" pitchFamily="34" charset="0"/>
+            </a:endParaRPr>
           </a:p>
           <a:p>
             <a:pPr marR="0" lvl="0" indent="0" algn="just" defTabSz="913765" rtl="0" eaLnBrk="1" fontAlgn="auto" latinLnBrk="0" hangingPunct="1">
@@ -29953,6 +31691,21 @@
               </a:rPr>
               <a:t>Name functions that have a single output based on the output</a:t>
             </a:r>
+            <a:endParaRPr kumimoji="0" lang="de-DE" altLang="en-US" sz="1400" b="1" i="0" u="none" strike="noStrike" kern="1200" cap="none" spc="0" normalizeH="0" baseline="0" noProof="0" dirty="0">
+              <a:ln>
+                <a:noFill/>
+              </a:ln>
+              <a:solidFill>
+                <a:srgbClr val="7F7F7F"/>
+              </a:solidFill>
+              <a:effectLst/>
+              <a:uLnTx/>
+              <a:uFillTx/>
+              <a:latin typeface="Calibri" panose="020F0502020204030204" pitchFamily="34" charset="0"/>
+              <a:ea typeface="Calibri" panose="020F0502020204030204" pitchFamily="34" charset="0"/>
+              <a:cs typeface="Calibri" panose="020F0502020204030204" pitchFamily="34" charset="0"/>
+              <a:sym typeface="Calibri" panose="020F0502020204030204" pitchFamily="34" charset="0"/>
+            </a:endParaRPr>
           </a:p>
           <a:p>
             <a:pPr marR="0" lvl="0" indent="0" algn="just" defTabSz="913765" rtl="0" eaLnBrk="1" fontAlgn="auto" latinLnBrk="0" hangingPunct="1">
@@ -30070,6 +31823,21 @@
               </a:rPr>
               <a:t>Functions with no output argument or which only return a handle should be named after what they do</a:t>
             </a:r>
+            <a:endParaRPr kumimoji="0" lang="de-DE" altLang="en-US" sz="1400" b="1" i="0" u="none" strike="noStrike" kern="1200" cap="none" spc="0" normalizeH="0" baseline="0" noProof="0" dirty="0">
+              <a:ln>
+                <a:noFill/>
+              </a:ln>
+              <a:solidFill>
+                <a:srgbClr val="7F7F7F"/>
+              </a:solidFill>
+              <a:effectLst/>
+              <a:uLnTx/>
+              <a:uFillTx/>
+              <a:latin typeface="Calibri" panose="020F0502020204030204" pitchFamily="34" charset="0"/>
+              <a:ea typeface="Calibri" panose="020F0502020204030204" pitchFamily="34" charset="0"/>
+              <a:cs typeface="Calibri" panose="020F0502020204030204" pitchFamily="34" charset="0"/>
+              <a:sym typeface="Calibri" panose="020F0502020204030204" pitchFamily="34" charset="0"/>
+            </a:endParaRPr>
           </a:p>
           <a:p>
             <a:pPr marR="0" lvl="0" indent="0" algn="just" defTabSz="913765" rtl="0" eaLnBrk="1" fontAlgn="auto" latinLnBrk="0" hangingPunct="1">
@@ -30155,6 +31923,21 @@
               </a:rPr>
               <a:t> </a:t>
             </a:r>
+            <a:endParaRPr kumimoji="0" lang="de-DE" altLang="en-US" sz="1400" b="0" i="0" u="none" strike="noStrike" kern="1200" cap="none" spc="0" normalizeH="0" baseline="0" noProof="0" dirty="0">
+              <a:ln>
+                <a:noFill/>
+              </a:ln>
+              <a:solidFill>
+                <a:srgbClr val="7F7F7F"/>
+              </a:solidFill>
+              <a:effectLst/>
+              <a:uLnTx/>
+              <a:uFillTx/>
+              <a:latin typeface="Calibri" panose="020F0502020204030204" pitchFamily="34" charset="0"/>
+              <a:ea typeface="Calibri" panose="020F0502020204030204" pitchFamily="34" charset="0"/>
+              <a:cs typeface="Calibri" panose="020F0502020204030204" pitchFamily="34" charset="0"/>
+              <a:sym typeface="Calibri" panose="020F0502020204030204" pitchFamily="34" charset="0"/>
+            </a:endParaRPr>
           </a:p>
           <a:p>
             <a:pPr marR="0" lvl="0" indent="0" algn="just" defTabSz="913765" rtl="0" eaLnBrk="1" fontAlgn="auto" latinLnBrk="0" hangingPunct="1">
@@ -30190,6 +31973,21 @@
               </a:rPr>
               <a:t>Avoid unintentional shadowing </a:t>
             </a:r>
+            <a:endParaRPr kumimoji="0" lang="de-DE" altLang="en-US" sz="1400" b="1" i="0" u="none" strike="noStrike" kern="1200" cap="none" spc="0" normalizeH="0" baseline="0" noProof="0" dirty="0">
+              <a:ln>
+                <a:noFill/>
+              </a:ln>
+              <a:solidFill>
+                <a:srgbClr val="7F7F7F"/>
+              </a:solidFill>
+              <a:effectLst/>
+              <a:uLnTx/>
+              <a:uFillTx/>
+              <a:latin typeface="Calibri" panose="020F0502020204030204" pitchFamily="34" charset="0"/>
+              <a:ea typeface="Calibri" panose="020F0502020204030204" pitchFamily="34" charset="0"/>
+              <a:cs typeface="Calibri" panose="020F0502020204030204" pitchFamily="34" charset="0"/>
+              <a:sym typeface="Calibri" panose="020F0502020204030204" pitchFamily="34" charset="0"/>
+            </a:endParaRPr>
           </a:p>
           <a:p>
             <a:pPr marR="0" lvl="0" indent="0" algn="just" defTabSz="913765" rtl="0" eaLnBrk="1" fontAlgn="auto" latinLnBrk="0" hangingPunct="1">
@@ -30225,6 +32023,21 @@
               </a:rPr>
               <a:t>In general function names should be unique. </a:t>
             </a:r>
+            <a:endParaRPr kumimoji="0" lang="de-DE" altLang="en-US" sz="1200" b="0" u="none" strike="noStrike" kern="1200" cap="none" spc="0" normalizeH="0" baseline="0" noProof="0" dirty="0">
+              <a:ln>
+                <a:noFill/>
+              </a:ln>
+              <a:solidFill>
+                <a:srgbClr val="7F7F7F"/>
+              </a:solidFill>
+              <a:effectLst/>
+              <a:uLnTx/>
+              <a:uFillTx/>
+              <a:latin typeface="Calibri" panose="020F0502020204030204" pitchFamily="34" charset="0"/>
+              <a:ea typeface="Calibri" panose="020F0502020204030204" pitchFamily="34" charset="0"/>
+              <a:cs typeface="Calibri" panose="020F0502020204030204" pitchFamily="34" charset="0"/>
+              <a:sym typeface="Calibri" panose="020F0502020204030204" pitchFamily="34" charset="0"/>
+            </a:endParaRPr>
           </a:p>
           <a:p>
             <a:pPr marR="0" lvl="0" indent="0" algn="just" defTabSz="913765" rtl="0" eaLnBrk="1" fontAlgn="auto" latinLnBrk="0" hangingPunct="1">
@@ -30278,6 +32091,21 @@
               </a:rPr>
               <a:t> </a:t>
             </a:r>
+            <a:endParaRPr kumimoji="0" lang="de-DE" altLang="en-US" sz="1400" b="0" i="1" u="none" strike="noStrike" kern="1200" cap="none" spc="0" normalizeH="0" baseline="0" noProof="0" dirty="0">
+              <a:ln>
+                <a:noFill/>
+              </a:ln>
+              <a:solidFill>
+                <a:srgbClr val="7F7F7F"/>
+              </a:solidFill>
+              <a:effectLst/>
+              <a:uLnTx/>
+              <a:uFillTx/>
+              <a:latin typeface="Calibri" panose="020F0502020204030204" pitchFamily="34" charset="0"/>
+              <a:ea typeface="Calibri" panose="020F0502020204030204" pitchFamily="34" charset="0"/>
+              <a:cs typeface="Calibri" panose="020F0502020204030204" pitchFamily="34" charset="0"/>
+              <a:sym typeface="Calibri" panose="020F0502020204030204" pitchFamily="34" charset="0"/>
+            </a:endParaRPr>
           </a:p>
           <a:p>
             <a:pPr marR="0" lvl="0" indent="0" algn="just" defTabSz="913765" rtl="0" eaLnBrk="1" fontAlgn="auto" latinLnBrk="0" hangingPunct="1">
@@ -32329,10 +34157,9 @@
       </a:style>
     </a:spDef>
   </a:objectDefaults>
-  <a:extraClrSchemeLst/>
   <a:extLst>
     <a:ext uri="{05A4C25C-085E-4340-85A3-A5531E510DB2}">
-      <thm15:themeFamily xmlns:thm15="http://schemas.microsoft.com/office/thememl/2012/main" xmlns="" name="Office Theme" id="{62F939B6-93AF-4DB8-9C6B-D6C7DFDC589F}" vid="{4A3C46E8-61CC-4603-A589-7422A47A8E4A}"/>
+      <thm15:themeFamily xmlns:thm15="http://schemas.microsoft.com/office/thememl/2012/main" name="Office Theme" id="{62F939B6-93AF-4DB8-9C6B-D6C7DFDC589F}" vid="{4A3C46E8-61CC-4603-A589-7422A47A8E4A}"/>
     </a:ext>
   </a:extLst>
 </a:theme>
@@ -32654,10 +34481,9 @@
       </a:style>
     </a:lnDef>
   </a:objectDefaults>
-  <a:extraClrSchemeLst/>
   <a:extLst>
     <a:ext uri="{05A4C25C-085E-4340-85A3-A5531E510DB2}">
-      <thm15:themeFamily xmlns:thm15="http://schemas.microsoft.com/office/thememl/2012/main" xmlns="" name="Office Theme" id="{62F939B6-93AF-4DB8-9C6B-D6C7DFDC589F}" vid="{4A3C46E8-61CC-4603-A589-7422A47A8E4A}"/>
+      <thm15:themeFamily xmlns:thm15="http://schemas.microsoft.com/office/thememl/2012/main" name="Office Theme" id="{62F939B6-93AF-4DB8-9C6B-D6C7DFDC589F}" vid="{4A3C46E8-61CC-4603-A589-7422A47A8E4A}"/>
     </a:ext>
   </a:extLst>
 </a:theme>
@@ -32890,10 +34716,9 @@
       </a:style>
     </a:spDef>
   </a:objectDefaults>
-  <a:extraClrSchemeLst/>
   <a:extLst>
     <a:ext uri="{05A4C25C-085E-4340-85A3-A5531E510DB2}">
-      <thm15:themeFamily xmlns:thm15="http://schemas.microsoft.com/office/thememl/2012/main" xmlns="" name="Office Theme" id="{62F939B6-93AF-4DB8-9C6B-D6C7DFDC589F}" vid="{4A3C46E8-61CC-4603-A589-7422A47A8E4A}"/>
+      <thm15:themeFamily xmlns:thm15="http://schemas.microsoft.com/office/thememl/2012/main" name="Office Theme" id="{62F939B6-93AF-4DB8-9C6B-D6C7DFDC589F}" vid="{4A3C46E8-61CC-4603-A589-7422A47A8E4A}"/>
     </a:ext>
   </a:extLst>
 </a:theme>
@@ -33150,11 +34975,9 @@
       </a:bgFillStyleLst>
     </a:fmtScheme>
   </a:themeElements>
-  <a:objectDefaults/>
-  <a:extraClrSchemeLst/>
   <a:extLst>
     <a:ext uri="{05A4C25C-085E-4340-85A3-A5531E510DB2}">
-      <thm15:themeFamily xmlns:thm15="http://schemas.microsoft.com/office/thememl/2012/main" xmlns="" name="Office Theme" id="{62F939B6-93AF-4DB8-9C6B-D6C7DFDC589F}" vid="{4A3C46E8-61CC-4603-A589-7422A47A8E4A}"/>
+      <thm15:themeFamily xmlns:thm15="http://schemas.microsoft.com/office/thememl/2012/main" name="Office Theme" id="{62F939B6-93AF-4DB8-9C6B-D6C7DFDC589F}" vid="{4A3C46E8-61CC-4603-A589-7422A47A8E4A}"/>
     </a:ext>
   </a:extLst>
 </a:theme>
@@ -33411,11 +35234,9 @@
       </a:bgFillStyleLst>
     </a:fmtScheme>
   </a:themeElements>
-  <a:objectDefaults/>
-  <a:extraClrSchemeLst/>
   <a:extLst>
     <a:ext uri="{05A4C25C-085E-4340-85A3-A5531E510DB2}">
-      <thm15:themeFamily xmlns:thm15="http://schemas.microsoft.com/office/thememl/2012/main" xmlns="" name="Office Theme" id="{62F939B6-93AF-4DB8-9C6B-D6C7DFDC589F}" vid="{4A3C46E8-61CC-4603-A589-7422A47A8E4A}"/>
+      <thm15:themeFamily xmlns:thm15="http://schemas.microsoft.com/office/thememl/2012/main" name="Office Theme" id="{62F939B6-93AF-4DB8-9C6B-D6C7DFDC589F}" vid="{4A3C46E8-61CC-4603-A589-7422A47A8E4A}"/>
     </a:ext>
   </a:extLst>
 </a:theme>

--- a/matlab_coding_standardisation.pptx
+++ b/matlab_coding_standardisation.pptx
@@ -4926,7 +4926,7 @@
                 <a:ea typeface="Calibri" panose="020F0502020204030204" pitchFamily="34" charset="0"/>
                 <a:cs typeface="Calibri" panose="020F0502020204030204" pitchFamily="34" charset="0"/>
               </a:rPr>
-              <a:t>1 Jul 2019</a:t>
+              <a:t>20 May 2020</a:t>
             </a:r>
             <a:endParaRPr lang="de-DE" altLang="zh-CN" sz="1400" dirty="0">
               <a:solidFill>
